--- a/ESI_presentation.pptx
+++ b/ESI_presentation.pptx
@@ -5,18 +5,21 @@
     <p:sldMasterId id="2147483648" r:id="rId4"/>
   </p:sldMasterIdLst>
   <p:notesMasterIdLst>
-    <p:notesMasterId r:id="rId14"/>
+    <p:notesMasterId r:id="rId17"/>
   </p:notesMasterIdLst>
   <p:sldIdLst>
     <p:sldId id="256" r:id="rId5"/>
     <p:sldId id="285" r:id="rId6"/>
-    <p:sldId id="300" r:id="rId7"/>
-    <p:sldId id="302" r:id="rId8"/>
-    <p:sldId id="303" r:id="rId9"/>
-    <p:sldId id="304" r:id="rId10"/>
-    <p:sldId id="305" r:id="rId11"/>
-    <p:sldId id="299" r:id="rId12"/>
-    <p:sldId id="284" r:id="rId13"/>
+    <p:sldId id="307" r:id="rId7"/>
+    <p:sldId id="308" r:id="rId8"/>
+    <p:sldId id="306" r:id="rId9"/>
+    <p:sldId id="300" r:id="rId10"/>
+    <p:sldId id="302" r:id="rId11"/>
+    <p:sldId id="303" r:id="rId12"/>
+    <p:sldId id="304" r:id="rId13"/>
+    <p:sldId id="305" r:id="rId14"/>
+    <p:sldId id="299" r:id="rId15"/>
+    <p:sldId id="284" r:id="rId16"/>
   </p:sldIdLst>
   <p:sldSz cx="12192000" cy="6858000"/>
   <p:notesSz cx="7104063" cy="10234613"/>
@@ -265,7 +268,7 @@
       </p15:sldGuideLst>
     </p:ext>
     <p:ext uri="http://customooxmlschemas.google.com/">
-      <go:slidesCustomData xmlns:go="http://customooxmlschemas.google.com/" xmlns:ahyp="http://schemas.microsoft.com/office/drawing/2018/hyperlinkcolor" xmlns:p15="http://schemas.microsoft.com/office/powerpoint/2012/main" xmlns:p14="http://schemas.microsoft.com/office/powerpoint/2010/main" xmlns:com="http://schemas.openxmlformats.org/drawingml/2006/compatibility" xmlns:pvml="urn:schemas-microsoft-com:office:powerpoint" xmlns:v="urn:schemas-microsoft-com:vml" xmlns:o="urn:schemas-microsoft-com:office:office" xmlns:dgm="http://schemas.openxmlformats.org/drawingml/2006/diagram" xmlns:c="http://schemas.openxmlformats.org/drawingml/2006/chart" xmlns:mv="urn:schemas-microsoft-com:mac:vml" xmlns:mc="http://schemas.openxmlformats.org/markup-compatibility/2006" xmlns="" r:id="rId35" roundtripDataSignature="AMtx7mhny1AmHFXKoQABgh0uWA3Nnm8m9g=="/>
+      <go:slidesCustomData xmlns="" xmlns:mc="http://schemas.openxmlformats.org/markup-compatibility/2006" xmlns:mv="urn:schemas-microsoft-com:mac:vml" xmlns:c="http://schemas.openxmlformats.org/drawingml/2006/chart" xmlns:dgm="http://schemas.openxmlformats.org/drawingml/2006/diagram" xmlns:o="urn:schemas-microsoft-com:office:office" xmlns:v="urn:schemas-microsoft-com:vml" xmlns:pvml="urn:schemas-microsoft-com:office:powerpoint" xmlns:com="http://schemas.openxmlformats.org/drawingml/2006/compatibility" xmlns:p14="http://schemas.microsoft.com/office/powerpoint/2010/main" xmlns:p15="http://schemas.microsoft.com/office/powerpoint/2012/main" xmlns:ahyp="http://schemas.microsoft.com/office/drawing/2018/hyperlinkcolor" xmlns:go="http://customooxmlschemas.google.com/" r:id="rId35" roundtripDataSignature="AMtx7mhny1AmHFXKoQABgh0uWA3Nnm8m9g=="/>
     </p:ext>
   </p:extLst>
 </p:presentation>
@@ -1914,6 +1917,537 @@
 </p:notes>
 </file>
 
+<file path=ppt/notesSlides/notesSlide10.xml><?xml version="1.0" encoding="utf-8"?>
+<p:notes xmlns:a="http://schemas.openxmlformats.org/drawingml/2006/main" xmlns:r="http://schemas.openxmlformats.org/officeDocument/2006/relationships" xmlns:p="http://schemas.openxmlformats.org/presentationml/2006/main" showMasterSp="0" showMasterPhAnim="0">
+  <p:cSld>
+    <p:spTree>
+      <p:nvGrpSpPr>
+        <p:cNvPr id="1" name="Shape 101"/>
+        <p:cNvGrpSpPr/>
+        <p:nvPr/>
+      </p:nvGrpSpPr>
+      <p:grpSpPr>
+        <a:xfrm>
+          <a:off x="0" y="0"/>
+          <a:ext cx="0" cy="0"/>
+          <a:chOff x="0" y="0"/>
+          <a:chExt cx="0" cy="0"/>
+        </a:xfrm>
+      </p:grpSpPr>
+      <p:sp>
+        <p:nvSpPr>
+          <p:cNvPr id="102" name="Google Shape;102;p4:notes"/>
+          <p:cNvSpPr>
+            <a:spLocks noGrp="1" noRot="1" noChangeAspect="1"/>
+          </p:cNvSpPr>
+          <p:nvPr>
+            <p:ph type="sldImg" idx="2"/>
+          </p:nvPr>
+        </p:nvSpPr>
+        <p:spPr>
+          <a:xfrm>
+            <a:off x="482600" y="1279525"/>
+            <a:ext cx="6140450" cy="3454400"/>
+          </a:xfrm>
+          <a:custGeom>
+            <a:avLst/>
+            <a:gdLst/>
+            <a:ahLst/>
+            <a:cxnLst/>
+            <a:rect l="l" t="t" r="r" b="b"/>
+            <a:pathLst>
+              <a:path w="120000" h="120000" extrusionOk="0">
+                <a:moveTo>
+                  <a:pt x="0" y="0"/>
+                </a:moveTo>
+                <a:lnTo>
+                  <a:pt x="120000" y="0"/>
+                </a:lnTo>
+                <a:lnTo>
+                  <a:pt x="120000" y="120000"/>
+                </a:lnTo>
+                <a:lnTo>
+                  <a:pt x="0" y="120000"/>
+                </a:lnTo>
+                <a:close/>
+              </a:path>
+            </a:pathLst>
+          </a:custGeom>
+          <a:noFill/>
+          <a:ln w="12700" cap="flat" cmpd="sng">
+            <a:solidFill>
+              <a:srgbClr val="000000"/>
+            </a:solidFill>
+            <a:prstDash val="solid"/>
+            <a:round/>
+            <a:headEnd type="none" w="sm" len="sm"/>
+            <a:tailEnd type="none" w="sm" len="sm"/>
+          </a:ln>
+        </p:spPr>
+      </p:sp>
+      <p:sp>
+        <p:nvSpPr>
+          <p:cNvPr id="103" name="Google Shape;103;p4:notes"/>
+          <p:cNvSpPr txBox="1">
+            <a:spLocks noGrp="1"/>
+          </p:cNvSpPr>
+          <p:nvPr>
+            <p:ph type="body" idx="1"/>
+          </p:nvPr>
+        </p:nvSpPr>
+        <p:spPr>
+          <a:xfrm>
+            <a:off x="711200" y="4926013"/>
+            <a:ext cx="5683250" cy="4029075"/>
+          </a:xfrm>
+          <a:prstGeom prst="rect">
+            <a:avLst/>
+          </a:prstGeom>
+          <a:noFill/>
+          <a:ln>
+            <a:noFill/>
+          </a:ln>
+        </p:spPr>
+        <p:txBody>
+          <a:bodyPr spcFirstLastPara="1" wrap="square" lIns="91425" tIns="45700" rIns="91425" bIns="45700" anchor="t" anchorCtr="0">
+            <a:noAutofit/>
+          </a:bodyPr>
+          <a:lstStyle/>
+          <a:p>
+            <a:pPr marL="0" lvl="0" indent="0" algn="l" rtl="0">
+              <a:lnSpc>
+                <a:spcPct val="100000"/>
+              </a:lnSpc>
+              <a:spcBef>
+                <a:spcPts val="0"/>
+              </a:spcBef>
+              <a:spcAft>
+                <a:spcPts val="0"/>
+              </a:spcAft>
+              <a:buSzPts val="1400"/>
+              <a:buNone/>
+            </a:pPr>
+            <a:endParaRPr/>
+          </a:p>
+        </p:txBody>
+      </p:sp>
+      <p:sp>
+        <p:nvSpPr>
+          <p:cNvPr id="104" name="Google Shape;104;p4:notes"/>
+          <p:cNvSpPr txBox="1">
+            <a:spLocks noGrp="1"/>
+          </p:cNvSpPr>
+          <p:nvPr>
+            <p:ph type="sldNum" idx="12"/>
+          </p:nvPr>
+        </p:nvSpPr>
+        <p:spPr>
+          <a:xfrm>
+            <a:off x="4024313" y="9721850"/>
+            <a:ext cx="3078162" cy="512763"/>
+          </a:xfrm>
+          <a:prstGeom prst="rect">
+            <a:avLst/>
+          </a:prstGeom>
+          <a:noFill/>
+          <a:ln>
+            <a:noFill/>
+          </a:ln>
+        </p:spPr>
+        <p:txBody>
+          <a:bodyPr spcFirstLastPara="1" wrap="square" lIns="91425" tIns="45700" rIns="91425" bIns="45700" anchor="b" anchorCtr="0">
+            <a:noAutofit/>
+          </a:bodyPr>
+          <a:lstStyle/>
+          <a:p>
+            <a:pPr marL="0" lvl="0" indent="0" algn="r" rtl="0">
+              <a:lnSpc>
+                <a:spcPct val="100000"/>
+              </a:lnSpc>
+              <a:spcBef>
+                <a:spcPts val="0"/>
+              </a:spcBef>
+              <a:spcAft>
+                <a:spcPts val="0"/>
+              </a:spcAft>
+              <a:buSzPts val="1400"/>
+              <a:buNone/>
+            </a:pPr>
+            <a:fld id="{00000000-1234-1234-1234-123412341234}" type="slidenum">
+              <a:rPr lang="it-IT"/>
+              <a:t>10</a:t>
+            </a:fld>
+            <a:endParaRPr/>
+          </a:p>
+        </p:txBody>
+      </p:sp>
+    </p:spTree>
+    <p:extLst>
+      <p:ext uri="{BB962C8B-B14F-4D97-AF65-F5344CB8AC3E}">
+        <p14:creationId xmlns:p14="http://schemas.microsoft.com/office/powerpoint/2010/main" val="354875491"/>
+      </p:ext>
+    </p:extLst>
+  </p:cSld>
+  <p:clrMapOvr>
+    <a:masterClrMapping/>
+  </p:clrMapOvr>
+</p:notes>
+</file>
+
+<file path=ppt/notesSlides/notesSlide11.xml><?xml version="1.0" encoding="utf-8"?>
+<p:notes xmlns:a="http://schemas.openxmlformats.org/drawingml/2006/main" xmlns:r="http://schemas.openxmlformats.org/officeDocument/2006/relationships" xmlns:p="http://schemas.openxmlformats.org/presentationml/2006/main" showMasterSp="0" showMasterPhAnim="0">
+  <p:cSld>
+    <p:spTree>
+      <p:nvGrpSpPr>
+        <p:cNvPr id="1" name="Shape 101"/>
+        <p:cNvGrpSpPr/>
+        <p:nvPr/>
+      </p:nvGrpSpPr>
+      <p:grpSpPr>
+        <a:xfrm>
+          <a:off x="0" y="0"/>
+          <a:ext cx="0" cy="0"/>
+          <a:chOff x="0" y="0"/>
+          <a:chExt cx="0" cy="0"/>
+        </a:xfrm>
+      </p:grpSpPr>
+      <p:sp>
+        <p:nvSpPr>
+          <p:cNvPr id="102" name="Google Shape;102;p4:notes"/>
+          <p:cNvSpPr>
+            <a:spLocks noGrp="1" noRot="1" noChangeAspect="1"/>
+          </p:cNvSpPr>
+          <p:nvPr>
+            <p:ph type="sldImg" idx="2"/>
+          </p:nvPr>
+        </p:nvSpPr>
+        <p:spPr>
+          <a:xfrm>
+            <a:off x="482600" y="1279525"/>
+            <a:ext cx="6140450" cy="3454400"/>
+          </a:xfrm>
+          <a:custGeom>
+            <a:avLst/>
+            <a:gdLst/>
+            <a:ahLst/>
+            <a:cxnLst/>
+            <a:rect l="l" t="t" r="r" b="b"/>
+            <a:pathLst>
+              <a:path w="120000" h="120000" extrusionOk="0">
+                <a:moveTo>
+                  <a:pt x="0" y="0"/>
+                </a:moveTo>
+                <a:lnTo>
+                  <a:pt x="120000" y="0"/>
+                </a:lnTo>
+                <a:lnTo>
+                  <a:pt x="120000" y="120000"/>
+                </a:lnTo>
+                <a:lnTo>
+                  <a:pt x="0" y="120000"/>
+                </a:lnTo>
+                <a:close/>
+              </a:path>
+            </a:pathLst>
+          </a:custGeom>
+          <a:noFill/>
+          <a:ln w="12700" cap="flat" cmpd="sng">
+            <a:solidFill>
+              <a:srgbClr val="000000"/>
+            </a:solidFill>
+            <a:prstDash val="solid"/>
+            <a:round/>
+            <a:headEnd type="none" w="sm" len="sm"/>
+            <a:tailEnd type="none" w="sm" len="sm"/>
+          </a:ln>
+        </p:spPr>
+      </p:sp>
+      <p:sp>
+        <p:nvSpPr>
+          <p:cNvPr id="103" name="Google Shape;103;p4:notes"/>
+          <p:cNvSpPr txBox="1">
+            <a:spLocks noGrp="1"/>
+          </p:cNvSpPr>
+          <p:nvPr>
+            <p:ph type="body" idx="1"/>
+          </p:nvPr>
+        </p:nvSpPr>
+        <p:spPr>
+          <a:xfrm>
+            <a:off x="711200" y="4926013"/>
+            <a:ext cx="5683250" cy="4029075"/>
+          </a:xfrm>
+          <a:prstGeom prst="rect">
+            <a:avLst/>
+          </a:prstGeom>
+          <a:noFill/>
+          <a:ln>
+            <a:noFill/>
+          </a:ln>
+        </p:spPr>
+        <p:txBody>
+          <a:bodyPr spcFirstLastPara="1" wrap="square" lIns="91425" tIns="45700" rIns="91425" bIns="45700" anchor="t" anchorCtr="0">
+            <a:noAutofit/>
+          </a:bodyPr>
+          <a:lstStyle/>
+          <a:p>
+            <a:pPr marL="0" lvl="0" indent="0" algn="l" rtl="0">
+              <a:lnSpc>
+                <a:spcPct val="100000"/>
+              </a:lnSpc>
+              <a:spcBef>
+                <a:spcPts val="0"/>
+              </a:spcBef>
+              <a:spcAft>
+                <a:spcPts val="0"/>
+              </a:spcAft>
+              <a:buSzPts val="1400"/>
+              <a:buNone/>
+            </a:pPr>
+            <a:endParaRPr dirty="0"/>
+          </a:p>
+        </p:txBody>
+      </p:sp>
+      <p:sp>
+        <p:nvSpPr>
+          <p:cNvPr id="104" name="Google Shape;104;p4:notes"/>
+          <p:cNvSpPr txBox="1">
+            <a:spLocks noGrp="1"/>
+          </p:cNvSpPr>
+          <p:nvPr>
+            <p:ph type="sldNum" idx="12"/>
+          </p:nvPr>
+        </p:nvSpPr>
+        <p:spPr>
+          <a:xfrm>
+            <a:off x="4024313" y="9721850"/>
+            <a:ext cx="3078162" cy="512763"/>
+          </a:xfrm>
+          <a:prstGeom prst="rect">
+            <a:avLst/>
+          </a:prstGeom>
+          <a:noFill/>
+          <a:ln>
+            <a:noFill/>
+          </a:ln>
+        </p:spPr>
+        <p:txBody>
+          <a:bodyPr spcFirstLastPara="1" wrap="square" lIns="91425" tIns="45700" rIns="91425" bIns="45700" anchor="b" anchorCtr="0">
+            <a:noAutofit/>
+          </a:bodyPr>
+          <a:lstStyle/>
+          <a:p>
+            <a:pPr marL="0" lvl="0" indent="0" algn="r" rtl="0">
+              <a:lnSpc>
+                <a:spcPct val="100000"/>
+              </a:lnSpc>
+              <a:spcBef>
+                <a:spcPts val="0"/>
+              </a:spcBef>
+              <a:spcAft>
+                <a:spcPts val="0"/>
+              </a:spcAft>
+              <a:buSzPts val="1400"/>
+              <a:buNone/>
+            </a:pPr>
+            <a:fld id="{00000000-1234-1234-1234-123412341234}" type="slidenum">
+              <a:rPr lang="it-IT"/>
+              <a:t>11</a:t>
+            </a:fld>
+            <a:endParaRPr/>
+          </a:p>
+        </p:txBody>
+      </p:sp>
+    </p:spTree>
+    <p:extLst>
+      <p:ext uri="{BB962C8B-B14F-4D97-AF65-F5344CB8AC3E}">
+        <p14:creationId xmlns:p14="http://schemas.microsoft.com/office/powerpoint/2010/main" val="79734077"/>
+      </p:ext>
+    </p:extLst>
+  </p:cSld>
+  <p:clrMapOvr>
+    <a:masterClrMapping/>
+  </p:clrMapOvr>
+</p:notes>
+</file>
+
+<file path=ppt/notesSlides/notesSlide12.xml><?xml version="1.0" encoding="utf-8"?>
+<p:notes xmlns:a="http://schemas.openxmlformats.org/drawingml/2006/main" xmlns:r="http://schemas.openxmlformats.org/officeDocument/2006/relationships" xmlns:p="http://schemas.openxmlformats.org/presentationml/2006/main" showMasterSp="0" showMasterPhAnim="0">
+  <p:cSld>
+    <p:spTree>
+      <p:nvGrpSpPr>
+        <p:cNvPr id="1" name="Shape 351"/>
+        <p:cNvGrpSpPr/>
+        <p:nvPr/>
+      </p:nvGrpSpPr>
+      <p:grpSpPr>
+        <a:xfrm>
+          <a:off x="0" y="0"/>
+          <a:ext cx="0" cy="0"/>
+          <a:chOff x="0" y="0"/>
+          <a:chExt cx="0" cy="0"/>
+        </a:xfrm>
+      </p:grpSpPr>
+      <p:sp>
+        <p:nvSpPr>
+          <p:cNvPr id="352" name="Google Shape;352;p16:notes"/>
+          <p:cNvSpPr>
+            <a:spLocks noGrp="1" noRot="1" noChangeAspect="1"/>
+          </p:cNvSpPr>
+          <p:nvPr>
+            <p:ph type="sldImg" idx="2"/>
+          </p:nvPr>
+        </p:nvSpPr>
+        <p:spPr>
+          <a:xfrm>
+            <a:off x="482600" y="1279525"/>
+            <a:ext cx="6140450" cy="3454400"/>
+          </a:xfrm>
+          <a:custGeom>
+            <a:avLst/>
+            <a:gdLst/>
+            <a:ahLst/>
+            <a:cxnLst/>
+            <a:rect l="l" t="t" r="r" b="b"/>
+            <a:pathLst>
+              <a:path w="120000" h="120000" extrusionOk="0">
+                <a:moveTo>
+                  <a:pt x="0" y="0"/>
+                </a:moveTo>
+                <a:lnTo>
+                  <a:pt x="120000" y="0"/>
+                </a:lnTo>
+                <a:lnTo>
+                  <a:pt x="120000" y="120000"/>
+                </a:lnTo>
+                <a:lnTo>
+                  <a:pt x="0" y="120000"/>
+                </a:lnTo>
+                <a:close/>
+              </a:path>
+            </a:pathLst>
+          </a:custGeom>
+          <a:noFill/>
+          <a:ln w="12700" cap="flat" cmpd="sng">
+            <a:solidFill>
+              <a:srgbClr val="000000"/>
+            </a:solidFill>
+            <a:prstDash val="solid"/>
+            <a:round/>
+            <a:headEnd type="none" w="sm" len="sm"/>
+            <a:tailEnd type="none" w="sm" len="sm"/>
+          </a:ln>
+        </p:spPr>
+      </p:sp>
+      <p:sp>
+        <p:nvSpPr>
+          <p:cNvPr id="353" name="Google Shape;353;p16:notes"/>
+          <p:cNvSpPr txBox="1">
+            <a:spLocks noGrp="1"/>
+          </p:cNvSpPr>
+          <p:nvPr>
+            <p:ph type="body" idx="1"/>
+          </p:nvPr>
+        </p:nvSpPr>
+        <p:spPr>
+          <a:xfrm>
+            <a:off x="711200" y="4926013"/>
+            <a:ext cx="5683250" cy="4029075"/>
+          </a:xfrm>
+          <a:prstGeom prst="rect">
+            <a:avLst/>
+          </a:prstGeom>
+          <a:noFill/>
+          <a:ln>
+            <a:noFill/>
+          </a:ln>
+        </p:spPr>
+        <p:txBody>
+          <a:bodyPr spcFirstLastPara="1" wrap="square" lIns="91425" tIns="45700" rIns="91425" bIns="45700" anchor="t" anchorCtr="0">
+            <a:noAutofit/>
+          </a:bodyPr>
+          <a:lstStyle/>
+          <a:p>
+            <a:pPr marL="0" lvl="0" indent="0" algn="l" rtl="0">
+              <a:lnSpc>
+                <a:spcPct val="100000"/>
+              </a:lnSpc>
+              <a:spcBef>
+                <a:spcPts val="0"/>
+              </a:spcBef>
+              <a:spcAft>
+                <a:spcPts val="0"/>
+              </a:spcAft>
+              <a:buSzPts val="1400"/>
+              <a:buNone/>
+            </a:pPr>
+            <a:endParaRPr/>
+          </a:p>
+        </p:txBody>
+      </p:sp>
+      <p:sp>
+        <p:nvSpPr>
+          <p:cNvPr id="354" name="Google Shape;354;p16:notes"/>
+          <p:cNvSpPr txBox="1">
+            <a:spLocks noGrp="1"/>
+          </p:cNvSpPr>
+          <p:nvPr>
+            <p:ph type="sldNum" idx="12"/>
+          </p:nvPr>
+        </p:nvSpPr>
+        <p:spPr>
+          <a:xfrm>
+            <a:off x="4024313" y="9721850"/>
+            <a:ext cx="3078162" cy="512763"/>
+          </a:xfrm>
+          <a:prstGeom prst="rect">
+            <a:avLst/>
+          </a:prstGeom>
+          <a:noFill/>
+          <a:ln>
+            <a:noFill/>
+          </a:ln>
+        </p:spPr>
+        <p:txBody>
+          <a:bodyPr spcFirstLastPara="1" wrap="square" lIns="91425" tIns="45700" rIns="91425" bIns="45700" anchor="b" anchorCtr="0">
+            <a:noAutofit/>
+          </a:bodyPr>
+          <a:lstStyle/>
+          <a:p>
+            <a:pPr marL="0" lvl="0" indent="0" algn="r" rtl="0">
+              <a:lnSpc>
+                <a:spcPct val="100000"/>
+              </a:lnSpc>
+              <a:spcBef>
+                <a:spcPts val="0"/>
+              </a:spcBef>
+              <a:spcAft>
+                <a:spcPts val="0"/>
+              </a:spcAft>
+              <a:buSzPts val="1400"/>
+              <a:buNone/>
+            </a:pPr>
+            <a:fld id="{00000000-1234-1234-1234-123412341234}" type="slidenum">
+              <a:rPr lang="it-IT"/>
+              <a:t>12</a:t>
+            </a:fld>
+            <a:endParaRPr/>
+          </a:p>
+        </p:txBody>
+      </p:sp>
+    </p:spTree>
+    <p:extLst>
+      <p:ext uri="{BB962C8B-B14F-4D97-AF65-F5344CB8AC3E}">
+        <p14:creationId xmlns:p14="http://schemas.microsoft.com/office/powerpoint/2010/main" val="131039612"/>
+      </p:ext>
+    </p:extLst>
+  </p:cSld>
+  <p:clrMapOvr>
+    <a:masterClrMapping/>
+  </p:clrMapOvr>
+</p:notes>
+</file>
+
 <file path=ppt/notesSlides/notesSlide2.xml><?xml version="1.0" encoding="utf-8"?>
 <p:notes xmlns:a="http://schemas.openxmlformats.org/drawingml/2006/main" xmlns:r="http://schemas.openxmlformats.org/officeDocument/2006/relationships" xmlns:p="http://schemas.openxmlformats.org/presentationml/2006/main" showMasterSp="0" showMasterPhAnim="0">
   <p:cSld>
@@ -2258,7 +2792,7 @@
     </p:spTree>
     <p:extLst>
       <p:ext uri="{BB962C8B-B14F-4D97-AF65-F5344CB8AC3E}">
-        <p14:creationId xmlns:p14="http://schemas.microsoft.com/office/powerpoint/2010/main" val="4206397654"/>
+        <p14:creationId xmlns:p14="http://schemas.microsoft.com/office/powerpoint/2010/main" val="4173062012"/>
       </p:ext>
     </p:extLst>
   </p:cSld>
@@ -2435,7 +2969,7 @@
     </p:spTree>
     <p:extLst>
       <p:ext uri="{BB962C8B-B14F-4D97-AF65-F5344CB8AC3E}">
-        <p14:creationId xmlns:p14="http://schemas.microsoft.com/office/powerpoint/2010/main" val="2204266267"/>
+        <p14:creationId xmlns:p14="http://schemas.microsoft.com/office/powerpoint/2010/main" val="1020911421"/>
       </p:ext>
     </p:extLst>
   </p:cSld>
@@ -2612,7 +3146,7 @@
     </p:spTree>
     <p:extLst>
       <p:ext uri="{BB962C8B-B14F-4D97-AF65-F5344CB8AC3E}">
-        <p14:creationId xmlns:p14="http://schemas.microsoft.com/office/powerpoint/2010/main" val="3258677573"/>
+        <p14:creationId xmlns:p14="http://schemas.microsoft.com/office/powerpoint/2010/main" val="3743883234"/>
       </p:ext>
     </p:extLst>
   </p:cSld>
@@ -2789,7 +3323,7 @@
     </p:spTree>
     <p:extLst>
       <p:ext uri="{BB962C8B-B14F-4D97-AF65-F5344CB8AC3E}">
-        <p14:creationId xmlns:p14="http://schemas.microsoft.com/office/powerpoint/2010/main" val="3182316535"/>
+        <p14:creationId xmlns:p14="http://schemas.microsoft.com/office/powerpoint/2010/main" val="4206397654"/>
       </p:ext>
     </p:extLst>
   </p:cSld>
@@ -2966,7 +3500,7 @@
     </p:spTree>
     <p:extLst>
       <p:ext uri="{BB962C8B-B14F-4D97-AF65-F5344CB8AC3E}">
-        <p14:creationId xmlns:p14="http://schemas.microsoft.com/office/powerpoint/2010/main" val="354875491"/>
+        <p14:creationId xmlns:p14="http://schemas.microsoft.com/office/powerpoint/2010/main" val="2204266267"/>
       </p:ext>
     </p:extLst>
   </p:cSld>
@@ -3086,7 +3620,7 @@
               <a:buSzPts val="1400"/>
               <a:buNone/>
             </a:pPr>
-            <a:endParaRPr dirty="0"/>
+            <a:endParaRPr/>
           </a:p>
         </p:txBody>
       </p:sp>
@@ -3143,7 +3677,7 @@
     </p:spTree>
     <p:extLst>
       <p:ext uri="{BB962C8B-B14F-4D97-AF65-F5344CB8AC3E}">
-        <p14:creationId xmlns:p14="http://schemas.microsoft.com/office/powerpoint/2010/main" val="79734077"/>
+        <p14:creationId xmlns:p14="http://schemas.microsoft.com/office/powerpoint/2010/main" val="3258677573"/>
       </p:ext>
     </p:extLst>
   </p:cSld>
@@ -3158,7 +3692,7 @@
   <p:cSld>
     <p:spTree>
       <p:nvGrpSpPr>
-        <p:cNvPr id="1" name="Shape 351"/>
+        <p:cNvPr id="1" name="Shape 101"/>
         <p:cNvGrpSpPr/>
         <p:nvPr/>
       </p:nvGrpSpPr>
@@ -3172,7 +3706,7 @@
       </p:grpSpPr>
       <p:sp>
         <p:nvSpPr>
-          <p:cNvPr id="352" name="Google Shape;352;p16:notes"/>
+          <p:cNvPr id="102" name="Google Shape;102;p4:notes"/>
           <p:cNvSpPr>
             <a:spLocks noGrp="1" noRot="1" noChangeAspect="1"/>
           </p:cNvSpPr>
@@ -3223,7 +3757,7 @@
       </p:sp>
       <p:sp>
         <p:nvSpPr>
-          <p:cNvPr id="353" name="Google Shape;353;p16:notes"/>
+          <p:cNvPr id="103" name="Google Shape;103;p4:notes"/>
           <p:cNvSpPr txBox="1">
             <a:spLocks noGrp="1"/>
           </p:cNvSpPr>
@@ -3269,7 +3803,7 @@
       </p:sp>
       <p:sp>
         <p:nvSpPr>
-          <p:cNvPr id="354" name="Google Shape;354;p16:notes"/>
+          <p:cNvPr id="104" name="Google Shape;104;p4:notes"/>
           <p:cNvSpPr txBox="1">
             <a:spLocks noGrp="1"/>
           </p:cNvSpPr>
@@ -3320,7 +3854,7 @@
     </p:spTree>
     <p:extLst>
       <p:ext uri="{BB962C8B-B14F-4D97-AF65-F5344CB8AC3E}">
-        <p14:creationId xmlns:p14="http://schemas.microsoft.com/office/powerpoint/2010/main" val="131039612"/>
+        <p14:creationId xmlns:p14="http://schemas.microsoft.com/office/powerpoint/2010/main" val="3182316535"/>
       </p:ext>
     </p:extLst>
   </p:cSld>
@@ -16818,7 +17352,7 @@
                 <a:cs typeface="Twentieth Century"/>
                 <a:sym typeface="Twentieth Century"/>
               </a:rPr>
-              <a:t>Arcangeli Matteo</a:t>
+              <a:t>Matteo Arcangeli</a:t>
             </a:r>
           </a:p>
           <a:p>
@@ -16902,18 +17436,6 @@
               <a:buNone/>
             </a:pPr>
             <a:r>
-              <a:rPr lang="it-IT" sz="1800" b="0" i="0" u="none" strike="noStrike" cap="none" dirty="0">
-                <a:solidFill>
-                  <a:schemeClr val="dk1"/>
-                </a:solidFill>
-                <a:latin typeface="Twentieth Century"/>
-                <a:ea typeface="Twentieth Century"/>
-                <a:cs typeface="Twentieth Century"/>
-                <a:sym typeface="Twentieth Century"/>
-              </a:rPr>
-              <a:t>Nasa </a:t>
-            </a:r>
-            <a:r>
               <a:rPr lang="it-IT" sz="1800" b="0" i="0" u="none" strike="noStrike" cap="none" dirty="0" err="1">
                 <a:solidFill>
                   <a:schemeClr val="dk1"/>
@@ -16925,15 +17447,18 @@
               </a:rPr>
               <a:t>Rizoanun</a:t>
             </a:r>
-            <a:endParaRPr lang="it-IT" sz="1800" b="0" i="0" u="none" strike="noStrike" cap="none" dirty="0">
-              <a:solidFill>
-                <a:schemeClr val="dk1"/>
-              </a:solidFill>
-              <a:latin typeface="Twentieth Century"/>
-              <a:ea typeface="Twentieth Century"/>
-              <a:cs typeface="Twentieth Century"/>
-              <a:sym typeface="Twentieth Century"/>
-            </a:endParaRPr>
+            <a:r>
+              <a:rPr lang="it-IT" sz="1800" b="0" i="0" u="none" strike="noStrike" cap="none" dirty="0">
+                <a:solidFill>
+                  <a:schemeClr val="dk1"/>
+                </a:solidFill>
+                <a:latin typeface="Twentieth Century"/>
+                <a:ea typeface="Twentieth Century"/>
+                <a:cs typeface="Twentieth Century"/>
+                <a:sym typeface="Twentieth Century"/>
+              </a:rPr>
+              <a:t> Nasa</a:t>
+            </a:r>
           </a:p>
         </p:txBody>
       </p:sp>
@@ -17097,7 +17622,2189 @@
 </p:sld>
 </file>
 
+<file path=ppt/slides/slide10.xml><?xml version="1.0" encoding="utf-8"?>
+<p:sld xmlns:a="http://schemas.openxmlformats.org/drawingml/2006/main" xmlns:r="http://schemas.openxmlformats.org/officeDocument/2006/relationships" xmlns:p="http://schemas.openxmlformats.org/presentationml/2006/main">
+  <p:cSld>
+    <p:spTree>
+      <p:nvGrpSpPr>
+        <p:cNvPr id="1" name="Shape 105"/>
+        <p:cNvGrpSpPr/>
+        <p:nvPr/>
+      </p:nvGrpSpPr>
+      <p:grpSpPr>
+        <a:xfrm>
+          <a:off x="0" y="0"/>
+          <a:ext cx="0" cy="0"/>
+          <a:chOff x="0" y="0"/>
+          <a:chExt cx="0" cy="0"/>
+        </a:xfrm>
+      </p:grpSpPr>
+      <p:sp>
+        <p:nvSpPr>
+          <p:cNvPr id="106" name="Google Shape;106;p4"/>
+          <p:cNvSpPr txBox="1"/>
+          <p:nvPr/>
+        </p:nvSpPr>
+        <p:spPr>
+          <a:xfrm>
+            <a:off x="861390" y="954157"/>
+            <a:ext cx="9471330" cy="923289"/>
+          </a:xfrm>
+          <a:prstGeom prst="rect">
+            <a:avLst/>
+          </a:prstGeom>
+          <a:noFill/>
+          <a:ln>
+            <a:noFill/>
+          </a:ln>
+        </p:spPr>
+        <p:txBody>
+          <a:bodyPr spcFirstLastPara="1" wrap="square" lIns="91425" tIns="45700" rIns="91425" bIns="45700" anchor="t" anchorCtr="0">
+            <a:spAutoFit/>
+          </a:bodyPr>
+          <a:lstStyle/>
+          <a:p>
+            <a:pPr>
+              <a:buSzPts val="4000"/>
+            </a:pPr>
+            <a:r>
+              <a:rPr lang="it-IT" sz="4000" b="1" dirty="0">
+                <a:solidFill>
+                  <a:srgbClr val="002060"/>
+                </a:solidFill>
+                <a:latin typeface="Twentieth Century"/>
+                <a:ea typeface="Twentieth Century"/>
+                <a:cs typeface="Twentieth Century"/>
+                <a:sym typeface="Twentieth Century"/>
+              </a:rPr>
+              <a:t>Suppliers</a:t>
+            </a:r>
+            <a:endParaRPr lang="it-IT" sz="4000" b="1" i="0" u="none" strike="noStrike" cap="none" dirty="0">
+              <a:solidFill>
+                <a:srgbClr val="002060"/>
+              </a:solidFill>
+              <a:latin typeface="Twentieth Century"/>
+              <a:ea typeface="Twentieth Century"/>
+              <a:cs typeface="Twentieth Century"/>
+              <a:sym typeface="Twentieth Century"/>
+            </a:endParaRPr>
+          </a:p>
+          <a:p>
+            <a:pPr marL="0" marR="0" lvl="0" indent="0" algn="l" rtl="0">
+              <a:lnSpc>
+                <a:spcPct val="100000"/>
+              </a:lnSpc>
+              <a:spcBef>
+                <a:spcPts val="0"/>
+              </a:spcBef>
+              <a:spcAft>
+                <a:spcPts val="0"/>
+              </a:spcAft>
+              <a:buClr>
+                <a:srgbClr val="000000"/>
+              </a:buClr>
+              <a:buSzPts val="4000"/>
+              <a:buFont typeface="Arial"/>
+              <a:buNone/>
+            </a:pPr>
+            <a:endParaRPr sz="1400" b="0" i="0" u="none" strike="noStrike" cap="none" dirty="0">
+              <a:solidFill>
+                <a:srgbClr val="000000"/>
+              </a:solidFill>
+              <a:latin typeface="Arial"/>
+              <a:ea typeface="Arial"/>
+              <a:cs typeface="Arial"/>
+              <a:sym typeface="Arial"/>
+            </a:endParaRPr>
+          </a:p>
+        </p:txBody>
+      </p:sp>
+      <p:pic>
+        <p:nvPicPr>
+          <p:cNvPr id="6" name="Google Shape;98;p41">
+            <a:extLst>
+              <a:ext uri="{FF2B5EF4-FFF2-40B4-BE49-F238E27FC236}">
+                <a16:creationId xmlns:a16="http://schemas.microsoft.com/office/drawing/2014/main" id="{57D02FBD-A8D4-4FC2-A6A3-BAAB59A0306C}"/>
+              </a:ext>
+            </a:extLst>
+          </p:cNvPr>
+          <p:cNvPicPr preferRelativeResize="0"/>
+          <p:nvPr/>
+        </p:nvPicPr>
+        <p:blipFill rotWithShape="1">
+          <a:blip r:embed="rId3">
+            <a:alphaModFix/>
+          </a:blip>
+          <a:srcRect/>
+          <a:stretch/>
+        </p:blipFill>
+        <p:spPr>
+          <a:xfrm>
+            <a:off x="11411712" y="58594"/>
+            <a:ext cx="540811" cy="652104"/>
+          </a:xfrm>
+          <a:prstGeom prst="rect">
+            <a:avLst/>
+          </a:prstGeom>
+          <a:noFill/>
+          <a:ln>
+            <a:noFill/>
+          </a:ln>
+        </p:spPr>
+      </p:pic>
+      <p:pic>
+        <p:nvPicPr>
+          <p:cNvPr id="7" name="Immagine 6">
+            <a:extLst>
+              <a:ext uri="{FF2B5EF4-FFF2-40B4-BE49-F238E27FC236}">
+                <a16:creationId xmlns:a16="http://schemas.microsoft.com/office/drawing/2014/main" id="{7785874A-63D5-97E4-33F7-5A80EB60364F}"/>
+              </a:ext>
+            </a:extLst>
+          </p:cNvPr>
+          <p:cNvPicPr>
+            <a:picLocks noChangeAspect="1"/>
+          </p:cNvPicPr>
+          <p:nvPr/>
+        </p:nvPicPr>
+        <p:blipFill>
+          <a:blip r:embed="rId4"/>
+          <a:srcRect/>
+          <a:stretch/>
+        </p:blipFill>
+        <p:spPr>
+          <a:xfrm>
+            <a:off x="239477" y="41897"/>
+            <a:ext cx="1305859" cy="685499"/>
+          </a:xfrm>
+          <a:prstGeom prst="rect">
+            <a:avLst/>
+          </a:prstGeom>
+        </p:spPr>
+      </p:pic>
+      <p:pic>
+        <p:nvPicPr>
+          <p:cNvPr id="4" name="Immagine 3">
+            <a:extLst>
+              <a:ext uri="{FF2B5EF4-FFF2-40B4-BE49-F238E27FC236}">
+                <a16:creationId xmlns:a16="http://schemas.microsoft.com/office/drawing/2014/main" id="{E1E278D6-FF93-A021-AB8D-84403A050E59}"/>
+              </a:ext>
+            </a:extLst>
+          </p:cNvPr>
+          <p:cNvPicPr>
+            <a:picLocks noChangeAspect="1"/>
+          </p:cNvPicPr>
+          <p:nvPr/>
+        </p:nvPicPr>
+        <p:blipFill>
+          <a:blip r:embed="rId5"/>
+          <a:stretch>
+            <a:fillRect/>
+          </a:stretch>
+        </p:blipFill>
+        <p:spPr>
+          <a:xfrm>
+            <a:off x="2495139" y="1428544"/>
+            <a:ext cx="7652161" cy="5429456"/>
+          </a:xfrm>
+          <a:prstGeom prst="rect">
+            <a:avLst/>
+          </a:prstGeom>
+        </p:spPr>
+      </p:pic>
+    </p:spTree>
+    <p:extLst>
+      <p:ext uri="{BB962C8B-B14F-4D97-AF65-F5344CB8AC3E}">
+        <p14:creationId xmlns:p14="http://schemas.microsoft.com/office/powerpoint/2010/main" val="1563682889"/>
+      </p:ext>
+    </p:extLst>
+  </p:cSld>
+  <p:clrMapOvr>
+    <a:masterClrMapping/>
+  </p:clrMapOvr>
+</p:sld>
+</file>
+
+<file path=ppt/slides/slide11.xml><?xml version="1.0" encoding="utf-8"?>
+<p:sld xmlns:a="http://schemas.openxmlformats.org/drawingml/2006/main" xmlns:r="http://schemas.openxmlformats.org/officeDocument/2006/relationships" xmlns:p="http://schemas.openxmlformats.org/presentationml/2006/main">
+  <p:cSld>
+    <p:spTree>
+      <p:nvGrpSpPr>
+        <p:cNvPr id="1" name="Shape 105"/>
+        <p:cNvGrpSpPr/>
+        <p:nvPr/>
+      </p:nvGrpSpPr>
+      <p:grpSpPr>
+        <a:xfrm>
+          <a:off x="0" y="0"/>
+          <a:ext cx="0" cy="0"/>
+          <a:chOff x="0" y="0"/>
+          <a:chExt cx="0" cy="0"/>
+        </a:xfrm>
+      </p:grpSpPr>
+      <p:sp>
+        <p:nvSpPr>
+          <p:cNvPr id="106" name="Google Shape;106;p4"/>
+          <p:cNvSpPr txBox="1"/>
+          <p:nvPr/>
+        </p:nvSpPr>
+        <p:spPr>
+          <a:xfrm>
+            <a:off x="861390" y="954157"/>
+            <a:ext cx="9727362" cy="707846"/>
+          </a:xfrm>
+          <a:prstGeom prst="rect">
+            <a:avLst/>
+          </a:prstGeom>
+          <a:noFill/>
+          <a:ln>
+            <a:noFill/>
+          </a:ln>
+        </p:spPr>
+        <p:txBody>
+          <a:bodyPr spcFirstLastPara="1" wrap="square" lIns="91425" tIns="45700" rIns="91425" bIns="45700" anchor="t" anchorCtr="0">
+            <a:spAutoFit/>
+          </a:bodyPr>
+          <a:lstStyle/>
+          <a:p>
+            <a:pPr marL="0" marR="0" lvl="0" indent="0" algn="l" rtl="0">
+              <a:lnSpc>
+                <a:spcPct val="100000"/>
+              </a:lnSpc>
+              <a:spcBef>
+                <a:spcPts val="0"/>
+              </a:spcBef>
+              <a:spcAft>
+                <a:spcPts val="0"/>
+              </a:spcAft>
+              <a:buClr>
+                <a:srgbClr val="000000"/>
+              </a:buClr>
+              <a:buSzPts val="4000"/>
+              <a:buFont typeface="Arial"/>
+              <a:buNone/>
+            </a:pPr>
+            <a:r>
+              <a:rPr lang="it-IT" sz="4000" b="1" i="0" u="none" strike="noStrike" cap="none" dirty="0" err="1">
+                <a:solidFill>
+                  <a:srgbClr val="002060"/>
+                </a:solidFill>
+                <a:latin typeface="Twentieth Century"/>
+                <a:ea typeface="Twentieth Century"/>
+                <a:cs typeface="Twentieth Century"/>
+                <a:sym typeface="Twentieth Century"/>
+              </a:rPr>
+              <a:t>Conclusions</a:t>
+            </a:r>
+            <a:r>
+              <a:rPr lang="it-IT" sz="4000" b="1" i="0" u="none" strike="noStrike" cap="none" dirty="0">
+                <a:solidFill>
+                  <a:srgbClr val="002060"/>
+                </a:solidFill>
+                <a:latin typeface="Twentieth Century"/>
+                <a:ea typeface="Twentieth Century"/>
+                <a:cs typeface="Twentieth Century"/>
+                <a:sym typeface="Twentieth Century"/>
+              </a:rPr>
+              <a:t> and future </a:t>
+            </a:r>
+            <a:r>
+              <a:rPr lang="it-IT" sz="4000" b="1" i="0" u="none" strike="noStrike" cap="none" dirty="0" err="1">
+                <a:solidFill>
+                  <a:srgbClr val="002060"/>
+                </a:solidFill>
+                <a:latin typeface="Twentieth Century"/>
+                <a:ea typeface="Twentieth Century"/>
+                <a:cs typeface="Twentieth Century"/>
+                <a:sym typeface="Twentieth Century"/>
+              </a:rPr>
+              <a:t>developments</a:t>
+            </a:r>
+            <a:r>
+              <a:rPr lang="it-IT" sz="4000" b="1" i="0" u="none" strike="noStrike" cap="none" dirty="0">
+                <a:solidFill>
+                  <a:srgbClr val="002060"/>
+                </a:solidFill>
+                <a:latin typeface="Twentieth Century"/>
+                <a:ea typeface="Twentieth Century"/>
+                <a:cs typeface="Twentieth Century"/>
+                <a:sym typeface="Twentieth Century"/>
+              </a:rPr>
+              <a:t> </a:t>
+            </a:r>
+            <a:endParaRPr sz="1400" b="0" i="0" u="none" strike="noStrike" cap="none" dirty="0">
+              <a:solidFill>
+                <a:srgbClr val="000000"/>
+              </a:solidFill>
+              <a:latin typeface="Arial"/>
+              <a:ea typeface="Arial"/>
+              <a:cs typeface="Arial"/>
+              <a:sym typeface="Arial"/>
+            </a:endParaRPr>
+          </a:p>
+        </p:txBody>
+      </p:sp>
+      <p:pic>
+        <p:nvPicPr>
+          <p:cNvPr id="6" name="Google Shape;98;p41">
+            <a:extLst>
+              <a:ext uri="{FF2B5EF4-FFF2-40B4-BE49-F238E27FC236}">
+                <a16:creationId xmlns:a16="http://schemas.microsoft.com/office/drawing/2014/main" id="{20E94E91-ED1F-41A2-950E-0FB8654CAE5D}"/>
+              </a:ext>
+            </a:extLst>
+          </p:cNvPr>
+          <p:cNvPicPr preferRelativeResize="0"/>
+          <p:nvPr/>
+        </p:nvPicPr>
+        <p:blipFill rotWithShape="1">
+          <a:blip r:embed="rId3">
+            <a:alphaModFix/>
+          </a:blip>
+          <a:srcRect/>
+          <a:stretch/>
+        </p:blipFill>
+        <p:spPr>
+          <a:xfrm>
+            <a:off x="11411712" y="302053"/>
+            <a:ext cx="540811" cy="652104"/>
+          </a:xfrm>
+          <a:prstGeom prst="rect">
+            <a:avLst/>
+          </a:prstGeom>
+          <a:noFill/>
+          <a:ln>
+            <a:noFill/>
+          </a:ln>
+        </p:spPr>
+      </p:pic>
+      <p:sp>
+        <p:nvSpPr>
+          <p:cNvPr id="8" name="Google Shape;138;p15">
+            <a:extLst>
+              <a:ext uri="{FF2B5EF4-FFF2-40B4-BE49-F238E27FC236}">
+                <a16:creationId xmlns:a16="http://schemas.microsoft.com/office/drawing/2014/main" id="{2E71AADD-A3E0-4859-8AF8-311BA86E550B}"/>
+              </a:ext>
+            </a:extLst>
+          </p:cNvPr>
+          <p:cNvSpPr txBox="1"/>
+          <p:nvPr/>
+        </p:nvSpPr>
+        <p:spPr>
+          <a:xfrm>
+            <a:off x="259796" y="2291731"/>
+            <a:ext cx="7476028" cy="3877954"/>
+          </a:xfrm>
+          <a:prstGeom prst="rect">
+            <a:avLst/>
+          </a:prstGeom>
+          <a:noFill/>
+          <a:ln>
+            <a:noFill/>
+          </a:ln>
+        </p:spPr>
+        <p:txBody>
+          <a:bodyPr spcFirstLastPara="1" wrap="square" lIns="91425" tIns="91425" rIns="91425" bIns="91425" anchor="t" anchorCtr="0">
+            <a:spAutoFit/>
+          </a:bodyPr>
+          <a:lstStyle/>
+          <a:p>
+            <a:pPr marL="342900" marR="0" lvl="0" indent="-342900" algn="l" rtl="0">
+              <a:lnSpc>
+                <a:spcPct val="100000"/>
+              </a:lnSpc>
+              <a:spcBef>
+                <a:spcPts val="0"/>
+              </a:spcBef>
+              <a:spcAft>
+                <a:spcPts val="0"/>
+              </a:spcAft>
+              <a:buClr>
+                <a:srgbClr val="000000"/>
+              </a:buClr>
+              <a:buSzPts val="2400"/>
+              <a:buFont typeface="Arial"/>
+              <a:buChar char="•"/>
+            </a:pPr>
+            <a:r>
+              <a:rPr lang="en-US" sz="2400" b="0" i="0" u="none" strike="noStrike" cap="none" dirty="0">
+                <a:solidFill>
+                  <a:srgbClr val="000000"/>
+                </a:solidFill>
+                <a:latin typeface="Twentieth Century"/>
+                <a:ea typeface="Twentieth Century"/>
+                <a:cs typeface="Twentieth Century"/>
+                <a:sym typeface="Twentieth Century"/>
+              </a:rPr>
+              <a:t>Thanks to this project we had the opportunity to </a:t>
+            </a:r>
+            <a:r>
+              <a:rPr lang="en-US" sz="2400" b="1" i="0" u="none" strike="noStrike" cap="none" dirty="0">
+                <a:solidFill>
+                  <a:srgbClr val="000000"/>
+                </a:solidFill>
+                <a:latin typeface="Twentieth Century"/>
+                <a:ea typeface="Twentieth Century"/>
+                <a:cs typeface="Twentieth Century"/>
+                <a:sym typeface="Twentieth Century"/>
+              </a:rPr>
+              <a:t>make practice </a:t>
+            </a:r>
+            <a:r>
+              <a:rPr lang="en-US" sz="2400" b="0" i="0" u="none" strike="noStrike" cap="none" dirty="0">
+                <a:solidFill>
+                  <a:srgbClr val="000000"/>
+                </a:solidFill>
+                <a:latin typeface="Twentieth Century"/>
+                <a:ea typeface="Twentieth Century"/>
+                <a:cs typeface="Twentieth Century"/>
+                <a:sym typeface="Twentieth Century"/>
+              </a:rPr>
+              <a:t>of Camunda modelling into a </a:t>
+            </a:r>
+            <a:r>
+              <a:rPr lang="en-US" sz="2400" b="1" i="0" u="none" strike="noStrike" cap="none" dirty="0">
+                <a:solidFill>
+                  <a:srgbClr val="000000"/>
+                </a:solidFill>
+                <a:latin typeface="Twentieth Century"/>
+                <a:ea typeface="Twentieth Century"/>
+                <a:cs typeface="Twentieth Century"/>
+                <a:sym typeface="Twentieth Century"/>
+              </a:rPr>
+              <a:t>real case</a:t>
+            </a:r>
+            <a:r>
+              <a:rPr lang="en-US" sz="2400" b="0" i="0" u="none" strike="noStrike" cap="none" dirty="0">
+                <a:solidFill>
+                  <a:srgbClr val="000000"/>
+                </a:solidFill>
+                <a:latin typeface="Twentieth Century"/>
+                <a:ea typeface="Twentieth Century"/>
+                <a:cs typeface="Twentieth Century"/>
+                <a:sym typeface="Twentieth Century"/>
+              </a:rPr>
+              <a:t>, provided by </a:t>
+            </a:r>
+            <a:r>
+              <a:rPr lang="en-US" sz="2400" b="1" i="0" u="none" strike="noStrike" cap="none" dirty="0" err="1">
+                <a:solidFill>
+                  <a:srgbClr val="000000"/>
+                </a:solidFill>
+                <a:latin typeface="Twentieth Century"/>
+                <a:ea typeface="Twentieth Century"/>
+                <a:cs typeface="Twentieth Century"/>
+                <a:sym typeface="Twentieth Century"/>
+              </a:rPr>
+              <a:t>Loccioni</a:t>
+            </a:r>
+            <a:r>
+              <a:rPr lang="en-US" sz="2400" b="1" i="0" u="none" strike="noStrike" cap="none" dirty="0">
+                <a:solidFill>
+                  <a:srgbClr val="000000"/>
+                </a:solidFill>
+                <a:latin typeface="Twentieth Century"/>
+                <a:ea typeface="Twentieth Century"/>
+                <a:cs typeface="Twentieth Century"/>
+                <a:sym typeface="Twentieth Century"/>
+              </a:rPr>
+              <a:t> Group</a:t>
+            </a:r>
+            <a:r>
+              <a:rPr lang="en-US" sz="2400" b="0" i="0" u="none" strike="noStrike" cap="none" dirty="0">
+                <a:solidFill>
+                  <a:srgbClr val="000000"/>
+                </a:solidFill>
+                <a:latin typeface="Twentieth Century"/>
+                <a:ea typeface="Twentieth Century"/>
+                <a:cs typeface="Twentieth Century"/>
+                <a:sym typeface="Twentieth Century"/>
+              </a:rPr>
+              <a:t>. </a:t>
+            </a:r>
+          </a:p>
+          <a:p>
+            <a:pPr marL="342900" marR="0" lvl="0" indent="-342900" algn="l" rtl="0">
+              <a:lnSpc>
+                <a:spcPct val="100000"/>
+              </a:lnSpc>
+              <a:spcBef>
+                <a:spcPts val="0"/>
+              </a:spcBef>
+              <a:spcAft>
+                <a:spcPts val="0"/>
+              </a:spcAft>
+              <a:buClr>
+                <a:srgbClr val="000000"/>
+              </a:buClr>
+              <a:buSzPts val="2400"/>
+              <a:buFont typeface="Arial"/>
+              <a:buChar char="•"/>
+            </a:pPr>
+            <a:endParaRPr lang="en-US" sz="2400" dirty="0">
+              <a:latin typeface="Twentieth Century"/>
+              <a:ea typeface="Twentieth Century"/>
+              <a:cs typeface="Twentieth Century"/>
+              <a:sym typeface="Twentieth Century"/>
+            </a:endParaRPr>
+          </a:p>
+          <a:p>
+            <a:pPr marL="342900" marR="0" lvl="0" indent="-342900" algn="l" rtl="0">
+              <a:lnSpc>
+                <a:spcPct val="100000"/>
+              </a:lnSpc>
+              <a:spcBef>
+                <a:spcPts val="0"/>
+              </a:spcBef>
+              <a:spcAft>
+                <a:spcPts val="0"/>
+              </a:spcAft>
+              <a:buClr>
+                <a:srgbClr val="000000"/>
+              </a:buClr>
+              <a:buSzPts val="2400"/>
+              <a:buFont typeface="Arial"/>
+              <a:buChar char="•"/>
+            </a:pPr>
+            <a:r>
+              <a:rPr lang="en-US" sz="2400" b="0" i="0" u="none" strike="noStrike" cap="none" dirty="0">
+                <a:solidFill>
+                  <a:srgbClr val="000000"/>
+                </a:solidFill>
+                <a:latin typeface="Twentieth Century"/>
+                <a:ea typeface="Twentieth Century"/>
+                <a:cs typeface="Twentieth Century"/>
+                <a:sym typeface="Twentieth Century"/>
+              </a:rPr>
+              <a:t>We designed the model choosing appropriately the </a:t>
+            </a:r>
+            <a:r>
+              <a:rPr lang="en-US" sz="2400" b="1" i="0" u="none" strike="noStrike" cap="none" dirty="0">
+                <a:solidFill>
+                  <a:srgbClr val="000000"/>
+                </a:solidFill>
+                <a:latin typeface="Twentieth Century"/>
+                <a:ea typeface="Twentieth Century"/>
+                <a:cs typeface="Twentieth Century"/>
+                <a:sym typeface="Twentieth Century"/>
+              </a:rPr>
+              <a:t>different component </a:t>
+            </a:r>
+            <a:r>
+              <a:rPr lang="en-US" sz="2400" b="0" i="0" u="none" strike="noStrike" cap="none" dirty="0">
+                <a:solidFill>
+                  <a:srgbClr val="000000"/>
+                </a:solidFill>
+                <a:latin typeface="Twentieth Century"/>
+                <a:ea typeface="Twentieth Century"/>
+                <a:cs typeface="Twentieth Century"/>
+                <a:sym typeface="Twentieth Century"/>
+              </a:rPr>
+              <a:t>and </a:t>
+            </a:r>
+            <a:r>
+              <a:rPr lang="en-US" sz="2400" b="1" i="0" u="none" strike="noStrike" cap="none" dirty="0">
+                <a:solidFill>
+                  <a:srgbClr val="000000"/>
+                </a:solidFill>
+                <a:latin typeface="Twentieth Century"/>
+                <a:ea typeface="Twentieth Century"/>
+                <a:cs typeface="Twentieth Century"/>
+                <a:sym typeface="Twentieth Century"/>
+              </a:rPr>
+              <a:t>implementation strategy </a:t>
+            </a:r>
+            <a:r>
+              <a:rPr lang="en-US" sz="2400" b="0" i="0" u="none" strike="noStrike" cap="none" dirty="0">
+                <a:solidFill>
+                  <a:srgbClr val="000000"/>
+                </a:solidFill>
+                <a:latin typeface="Twentieth Century"/>
+                <a:ea typeface="Twentieth Century"/>
+                <a:cs typeface="Twentieth Century"/>
+                <a:sym typeface="Twentieth Century"/>
+              </a:rPr>
+              <a:t>depending by each of this.   </a:t>
+            </a:r>
+          </a:p>
+          <a:p>
+            <a:pPr marL="342900" marR="0" lvl="0" indent="-342900" algn="l" rtl="0">
+              <a:lnSpc>
+                <a:spcPct val="100000"/>
+              </a:lnSpc>
+              <a:spcBef>
+                <a:spcPts val="0"/>
+              </a:spcBef>
+              <a:spcAft>
+                <a:spcPts val="0"/>
+              </a:spcAft>
+              <a:buClr>
+                <a:srgbClr val="000000"/>
+              </a:buClr>
+              <a:buSzPts val="2400"/>
+              <a:buFont typeface="Arial"/>
+              <a:buChar char="•"/>
+            </a:pPr>
+            <a:endParaRPr lang="en-US" sz="2400" dirty="0">
+              <a:latin typeface="Twentieth Century"/>
+              <a:ea typeface="Twentieth Century"/>
+              <a:cs typeface="Twentieth Century"/>
+              <a:sym typeface="Twentieth Century"/>
+            </a:endParaRPr>
+          </a:p>
+          <a:p>
+            <a:pPr marL="342900" marR="0" lvl="0" indent="-342900" algn="l" rtl="0">
+              <a:lnSpc>
+                <a:spcPct val="100000"/>
+              </a:lnSpc>
+              <a:spcBef>
+                <a:spcPts val="0"/>
+              </a:spcBef>
+              <a:spcAft>
+                <a:spcPts val="0"/>
+              </a:spcAft>
+              <a:buClr>
+                <a:srgbClr val="000000"/>
+              </a:buClr>
+              <a:buSzPts val="2400"/>
+              <a:buFont typeface="Arial"/>
+              <a:buChar char="•"/>
+            </a:pPr>
+            <a:r>
+              <a:rPr lang="en-US" sz="2400" b="0" i="0" u="none" strike="noStrike" cap="none" dirty="0">
+                <a:solidFill>
+                  <a:srgbClr val="000000"/>
+                </a:solidFill>
+                <a:latin typeface="Twentieth Century"/>
+                <a:ea typeface="Twentieth Century"/>
+                <a:cs typeface="Twentieth Century"/>
+                <a:sym typeface="Twentieth Century"/>
+              </a:rPr>
+              <a:t>We have also provided some kinds of </a:t>
+            </a:r>
+            <a:r>
+              <a:rPr lang="en-US" sz="2400" b="1" i="0" u="none" strike="noStrike" cap="none" dirty="0">
+                <a:solidFill>
+                  <a:srgbClr val="000000"/>
+                </a:solidFill>
+                <a:latin typeface="Twentieth Century"/>
+                <a:ea typeface="Twentieth Century"/>
+                <a:cs typeface="Twentieth Century"/>
+                <a:sym typeface="Twentieth Century"/>
+              </a:rPr>
+              <a:t>optimizations </a:t>
+            </a:r>
+            <a:r>
+              <a:rPr lang="en-US" sz="2400" i="0" u="none" strike="noStrike" cap="none" dirty="0">
+                <a:solidFill>
+                  <a:srgbClr val="000000"/>
+                </a:solidFill>
+                <a:latin typeface="Twentieth Century"/>
+                <a:ea typeface="Twentieth Century"/>
+                <a:cs typeface="Twentieth Century"/>
+                <a:sym typeface="Twentieth Century"/>
+              </a:rPr>
+              <a:t>replacing some </a:t>
+            </a:r>
+            <a:r>
+              <a:rPr lang="en-US" sz="2400" b="0" i="0" u="none" strike="noStrike" cap="none" dirty="0">
+                <a:solidFill>
+                  <a:srgbClr val="000000"/>
+                </a:solidFill>
+                <a:latin typeface="Twentieth Century"/>
+                <a:ea typeface="Twentieth Century"/>
+                <a:cs typeface="Twentieth Century"/>
+                <a:sym typeface="Twentieth Century"/>
+              </a:rPr>
+              <a:t>user's tasks with service task.</a:t>
+            </a:r>
+          </a:p>
+        </p:txBody>
+      </p:sp>
+      <p:pic>
+        <p:nvPicPr>
+          <p:cNvPr id="7" name="Immagine 6">
+            <a:extLst>
+              <a:ext uri="{FF2B5EF4-FFF2-40B4-BE49-F238E27FC236}">
+                <a16:creationId xmlns:a16="http://schemas.microsoft.com/office/drawing/2014/main" id="{0FF0211C-9E90-F58C-5AF4-3FF39397AEB6}"/>
+              </a:ext>
+            </a:extLst>
+          </p:cNvPr>
+          <p:cNvPicPr>
+            <a:picLocks noChangeAspect="1"/>
+          </p:cNvPicPr>
+          <p:nvPr/>
+        </p:nvPicPr>
+        <p:blipFill>
+          <a:blip r:embed="rId4"/>
+          <a:srcRect/>
+          <a:stretch/>
+        </p:blipFill>
+        <p:spPr>
+          <a:xfrm>
+            <a:off x="239477" y="41897"/>
+            <a:ext cx="1305859" cy="685499"/>
+          </a:xfrm>
+          <a:prstGeom prst="rect">
+            <a:avLst/>
+          </a:prstGeom>
+        </p:spPr>
+      </p:pic>
+      <p:pic>
+        <p:nvPicPr>
+          <p:cNvPr id="3" name="Immagine 2">
+            <a:extLst>
+              <a:ext uri="{FF2B5EF4-FFF2-40B4-BE49-F238E27FC236}">
+                <a16:creationId xmlns:a16="http://schemas.microsoft.com/office/drawing/2014/main" id="{09396DD5-DA81-6DBA-223E-673BA9FB224C}"/>
+              </a:ext>
+            </a:extLst>
+          </p:cNvPr>
+          <p:cNvPicPr>
+            <a:picLocks noChangeAspect="1"/>
+          </p:cNvPicPr>
+          <p:nvPr/>
+        </p:nvPicPr>
+        <p:blipFill>
+          <a:blip r:embed="rId5"/>
+          <a:stretch>
+            <a:fillRect/>
+          </a:stretch>
+        </p:blipFill>
+        <p:spPr>
+          <a:xfrm>
+            <a:off x="9314688" y="3182196"/>
+            <a:ext cx="2097024" cy="2097024"/>
+          </a:xfrm>
+          <a:prstGeom prst="rect">
+            <a:avLst/>
+          </a:prstGeom>
+        </p:spPr>
+      </p:pic>
+    </p:spTree>
+    <p:extLst>
+      <p:ext uri="{BB962C8B-B14F-4D97-AF65-F5344CB8AC3E}">
+        <p14:creationId xmlns:p14="http://schemas.microsoft.com/office/powerpoint/2010/main" val="4184570533"/>
+      </p:ext>
+    </p:extLst>
+  </p:cSld>
+  <p:clrMapOvr>
+    <a:masterClrMapping/>
+  </p:clrMapOvr>
+</p:sld>
+</file>
+
+<file path=ppt/slides/slide12.xml><?xml version="1.0" encoding="utf-8"?>
+<p:sld xmlns:a="http://schemas.openxmlformats.org/drawingml/2006/main" xmlns:r="http://schemas.openxmlformats.org/officeDocument/2006/relationships" xmlns:p="http://schemas.openxmlformats.org/presentationml/2006/main">
+  <p:cSld>
+    <p:spTree>
+      <p:nvGrpSpPr>
+        <p:cNvPr id="1" name="Shape 355"/>
+        <p:cNvGrpSpPr/>
+        <p:nvPr/>
+      </p:nvGrpSpPr>
+      <p:grpSpPr>
+        <a:xfrm>
+          <a:off x="0" y="0"/>
+          <a:ext cx="0" cy="0"/>
+          <a:chOff x="0" y="0"/>
+          <a:chExt cx="0" cy="0"/>
+        </a:xfrm>
+      </p:grpSpPr>
+      <p:sp>
+        <p:nvSpPr>
+          <p:cNvPr id="357" name="Google Shape;357;p16"/>
+          <p:cNvSpPr/>
+          <p:nvPr/>
+        </p:nvSpPr>
+        <p:spPr>
+          <a:xfrm>
+            <a:off x="8060788" y="5078437"/>
+            <a:ext cx="1012874" cy="1350498"/>
+          </a:xfrm>
+          <a:prstGeom prst="rect">
+            <a:avLst/>
+          </a:prstGeom>
+          <a:solidFill>
+            <a:srgbClr val="F2F2F2"/>
+          </a:solidFill>
+          <a:ln w="15875" cap="flat" cmpd="sng">
+            <a:solidFill>
+              <a:srgbClr val="F2F2F2"/>
+            </a:solidFill>
+            <a:prstDash val="solid"/>
+            <a:round/>
+            <a:headEnd type="none" w="sm" len="sm"/>
+            <a:tailEnd type="none" w="sm" len="sm"/>
+          </a:ln>
+        </p:spPr>
+        <p:txBody>
+          <a:bodyPr spcFirstLastPara="1" wrap="square" lIns="91425" tIns="45700" rIns="91425" bIns="45700" anchor="ctr" anchorCtr="0">
+            <a:noAutofit/>
+          </a:bodyPr>
+          <a:lstStyle/>
+          <a:p>
+            <a:pPr marL="0" marR="0" lvl="0" indent="0" algn="ctr" rtl="0">
+              <a:lnSpc>
+                <a:spcPct val="100000"/>
+              </a:lnSpc>
+              <a:spcBef>
+                <a:spcPts val="0"/>
+              </a:spcBef>
+              <a:spcAft>
+                <a:spcPts val="0"/>
+              </a:spcAft>
+              <a:buClr>
+                <a:srgbClr val="000000"/>
+              </a:buClr>
+              <a:buSzPts val="1800"/>
+              <a:buFont typeface="Arial"/>
+              <a:buNone/>
+            </a:pPr>
+            <a:endParaRPr sz="1800" b="0" i="0" u="none" strike="noStrike" cap="none">
+              <a:solidFill>
+                <a:schemeClr val="lt1"/>
+              </a:solidFill>
+              <a:latin typeface="Twentieth Century"/>
+              <a:ea typeface="Twentieth Century"/>
+              <a:cs typeface="Twentieth Century"/>
+              <a:sym typeface="Twentieth Century"/>
+            </a:endParaRPr>
+          </a:p>
+        </p:txBody>
+      </p:sp>
+      <p:sp>
+        <p:nvSpPr>
+          <p:cNvPr id="358" name="Google Shape;358;p16"/>
+          <p:cNvSpPr txBox="1"/>
+          <p:nvPr/>
+        </p:nvSpPr>
+        <p:spPr>
+          <a:xfrm>
+            <a:off x="2510190" y="5399763"/>
+            <a:ext cx="7171620" cy="707846"/>
+          </a:xfrm>
+          <a:prstGeom prst="rect">
+            <a:avLst/>
+          </a:prstGeom>
+          <a:noFill/>
+          <a:ln>
+            <a:noFill/>
+          </a:ln>
+        </p:spPr>
+        <p:txBody>
+          <a:bodyPr spcFirstLastPara="1" wrap="square" lIns="91425" tIns="45700" rIns="91425" bIns="45700" anchor="t" anchorCtr="0">
+            <a:spAutoFit/>
+          </a:bodyPr>
+          <a:lstStyle/>
+          <a:p>
+            <a:pPr marL="0" marR="0" lvl="0" indent="0" algn="l" rtl="0">
+              <a:lnSpc>
+                <a:spcPct val="100000"/>
+              </a:lnSpc>
+              <a:spcBef>
+                <a:spcPts val="0"/>
+              </a:spcBef>
+              <a:spcAft>
+                <a:spcPts val="0"/>
+              </a:spcAft>
+              <a:buClr>
+                <a:srgbClr val="000000"/>
+              </a:buClr>
+              <a:buSzPts val="4000"/>
+              <a:buFont typeface="Arial"/>
+              <a:buNone/>
+            </a:pPr>
+            <a:r>
+              <a:rPr lang="it-IT" sz="4000" b="1" i="0" u="none" strike="noStrike" cap="none" dirty="0">
+                <a:solidFill>
+                  <a:srgbClr val="002060"/>
+                </a:solidFill>
+                <a:latin typeface="Twentieth Century"/>
+                <a:ea typeface="Twentieth Century"/>
+                <a:cs typeface="Twentieth Century"/>
+                <a:sym typeface="Twentieth Century"/>
+              </a:rPr>
+              <a:t>THANKS FOR </a:t>
+            </a:r>
+            <a:r>
+              <a:rPr lang="it-IT" sz="4000" b="1" dirty="0">
+                <a:solidFill>
+                  <a:srgbClr val="002060"/>
+                </a:solidFill>
+                <a:latin typeface="Twentieth Century"/>
+                <a:ea typeface="Twentieth Century"/>
+                <a:cs typeface="Twentieth Century"/>
+                <a:sym typeface="Twentieth Century"/>
+              </a:rPr>
+              <a:t>YOUR</a:t>
+            </a:r>
+            <a:r>
+              <a:rPr lang="it-IT" sz="4000" b="1" i="0" u="none" strike="noStrike" cap="none" dirty="0">
+                <a:solidFill>
+                  <a:srgbClr val="002060"/>
+                </a:solidFill>
+                <a:latin typeface="Twentieth Century"/>
+                <a:ea typeface="Twentieth Century"/>
+                <a:cs typeface="Twentieth Century"/>
+                <a:sym typeface="Twentieth Century"/>
+              </a:rPr>
+              <a:t> ATTENTION!</a:t>
+            </a:r>
+            <a:endParaRPr lang="it-IT" sz="2000" b="1" i="0" u="none" strike="noStrike" cap="none" dirty="0">
+              <a:solidFill>
+                <a:srgbClr val="002060"/>
+              </a:solidFill>
+              <a:latin typeface="Twentieth Century"/>
+              <a:ea typeface="Twentieth Century"/>
+              <a:cs typeface="Twentieth Century"/>
+              <a:sym typeface="Twentieth Century"/>
+            </a:endParaRPr>
+          </a:p>
+        </p:txBody>
+      </p:sp>
+      <p:pic>
+        <p:nvPicPr>
+          <p:cNvPr id="5" name="Google Shape;98;p41">
+            <a:extLst>
+              <a:ext uri="{FF2B5EF4-FFF2-40B4-BE49-F238E27FC236}">
+                <a16:creationId xmlns:a16="http://schemas.microsoft.com/office/drawing/2014/main" id="{693FD633-37D6-43F5-8526-F6D877CF4FF7}"/>
+              </a:ext>
+            </a:extLst>
+          </p:cNvPr>
+          <p:cNvPicPr preferRelativeResize="0"/>
+          <p:nvPr/>
+        </p:nvPicPr>
+        <p:blipFill rotWithShape="1">
+          <a:blip r:embed="rId3">
+            <a:alphaModFix/>
+          </a:blip>
+          <a:srcRect/>
+          <a:stretch/>
+        </p:blipFill>
+        <p:spPr>
+          <a:xfrm>
+            <a:off x="1725755" y="1316735"/>
+            <a:ext cx="1822117" cy="2112264"/>
+          </a:xfrm>
+          <a:prstGeom prst="rect">
+            <a:avLst/>
+          </a:prstGeom>
+          <a:noFill/>
+          <a:ln>
+            <a:noFill/>
+          </a:ln>
+        </p:spPr>
+      </p:pic>
+      <p:pic>
+        <p:nvPicPr>
+          <p:cNvPr id="7" name="Immagine 6">
+            <a:extLst>
+              <a:ext uri="{FF2B5EF4-FFF2-40B4-BE49-F238E27FC236}">
+                <a16:creationId xmlns:a16="http://schemas.microsoft.com/office/drawing/2014/main" id="{64BD1C1F-5081-B744-4010-D9CF06B25AA3}"/>
+              </a:ext>
+            </a:extLst>
+          </p:cNvPr>
+          <p:cNvPicPr>
+            <a:picLocks noChangeAspect="1"/>
+          </p:cNvPicPr>
+          <p:nvPr/>
+        </p:nvPicPr>
+        <p:blipFill>
+          <a:blip r:embed="rId4"/>
+          <a:srcRect/>
+          <a:stretch/>
+        </p:blipFill>
+        <p:spPr>
+          <a:xfrm>
+            <a:off x="5716095" y="1126093"/>
+            <a:ext cx="4750150" cy="2493547"/>
+          </a:xfrm>
+          <a:prstGeom prst="rect">
+            <a:avLst/>
+          </a:prstGeom>
+        </p:spPr>
+      </p:pic>
+    </p:spTree>
+  </p:cSld>
+  <p:clrMapOvr>
+    <a:masterClrMapping/>
+  </p:clrMapOvr>
+</p:sld>
+</file>
+
 <file path=ppt/slides/slide2.xml><?xml version="1.0" encoding="utf-8"?>
+<p:sld xmlns:a="http://schemas.openxmlformats.org/drawingml/2006/main" xmlns:r="http://schemas.openxmlformats.org/officeDocument/2006/relationships" xmlns:p="http://schemas.openxmlformats.org/presentationml/2006/main">
+  <p:cSld>
+    <p:spTree>
+      <p:nvGrpSpPr>
+        <p:cNvPr id="1" name="Shape 105"/>
+        <p:cNvGrpSpPr/>
+        <p:nvPr/>
+      </p:nvGrpSpPr>
+      <p:grpSpPr>
+        <a:xfrm>
+          <a:off x="0" y="0"/>
+          <a:ext cx="0" cy="0"/>
+          <a:chOff x="0" y="0"/>
+          <a:chExt cx="0" cy="0"/>
+        </a:xfrm>
+      </p:grpSpPr>
+      <p:sp>
+        <p:nvSpPr>
+          <p:cNvPr id="106" name="Google Shape;106;p4"/>
+          <p:cNvSpPr txBox="1"/>
+          <p:nvPr/>
+        </p:nvSpPr>
+        <p:spPr>
+          <a:xfrm>
+            <a:off x="861390" y="954157"/>
+            <a:ext cx="9471330" cy="923289"/>
+          </a:xfrm>
+          <a:prstGeom prst="rect">
+            <a:avLst/>
+          </a:prstGeom>
+          <a:noFill/>
+          <a:ln>
+            <a:noFill/>
+          </a:ln>
+        </p:spPr>
+        <p:txBody>
+          <a:bodyPr spcFirstLastPara="1" wrap="square" lIns="91425" tIns="45700" rIns="91425" bIns="45700" anchor="t" anchorCtr="0">
+            <a:spAutoFit/>
+          </a:bodyPr>
+          <a:lstStyle/>
+          <a:p>
+            <a:pPr>
+              <a:buSzPts val="4000"/>
+            </a:pPr>
+            <a:r>
+              <a:rPr lang="it-IT" sz="4000" b="1" i="0" u="none" strike="noStrike" cap="none" dirty="0" err="1">
+                <a:solidFill>
+                  <a:srgbClr val="002060"/>
+                </a:solidFill>
+                <a:latin typeface="Twentieth Century"/>
+                <a:ea typeface="Twentieth Century"/>
+                <a:cs typeface="Twentieth Century"/>
+                <a:sym typeface="Twentieth Century"/>
+              </a:rPr>
+              <a:t>Introduction</a:t>
+            </a:r>
+            <a:endParaRPr lang="it-IT" sz="4000" b="1" i="0" u="none" strike="noStrike" cap="none" dirty="0">
+              <a:solidFill>
+                <a:srgbClr val="002060"/>
+              </a:solidFill>
+              <a:latin typeface="Twentieth Century"/>
+              <a:ea typeface="Twentieth Century"/>
+              <a:cs typeface="Twentieth Century"/>
+              <a:sym typeface="Twentieth Century"/>
+            </a:endParaRPr>
+          </a:p>
+          <a:p>
+            <a:pPr marL="0" marR="0" lvl="0" indent="0" algn="l" rtl="0">
+              <a:lnSpc>
+                <a:spcPct val="100000"/>
+              </a:lnSpc>
+              <a:spcBef>
+                <a:spcPts val="0"/>
+              </a:spcBef>
+              <a:spcAft>
+                <a:spcPts val="0"/>
+              </a:spcAft>
+              <a:buClr>
+                <a:srgbClr val="000000"/>
+              </a:buClr>
+              <a:buSzPts val="4000"/>
+              <a:buFont typeface="Arial"/>
+              <a:buNone/>
+            </a:pPr>
+            <a:endParaRPr sz="1400" b="0" i="0" u="none" strike="noStrike" cap="none" dirty="0">
+              <a:solidFill>
+                <a:srgbClr val="000000"/>
+              </a:solidFill>
+              <a:latin typeface="Arial"/>
+              <a:ea typeface="Arial"/>
+              <a:cs typeface="Arial"/>
+              <a:sym typeface="Arial"/>
+            </a:endParaRPr>
+          </a:p>
+        </p:txBody>
+      </p:sp>
+      <p:pic>
+        <p:nvPicPr>
+          <p:cNvPr id="6" name="Google Shape;98;p41">
+            <a:extLst>
+              <a:ext uri="{FF2B5EF4-FFF2-40B4-BE49-F238E27FC236}">
+                <a16:creationId xmlns:a16="http://schemas.microsoft.com/office/drawing/2014/main" id="{57D02FBD-A8D4-4FC2-A6A3-BAAB59A0306C}"/>
+              </a:ext>
+            </a:extLst>
+          </p:cNvPr>
+          <p:cNvPicPr preferRelativeResize="0"/>
+          <p:nvPr/>
+        </p:nvPicPr>
+        <p:blipFill rotWithShape="1">
+          <a:blip r:embed="rId3">
+            <a:alphaModFix/>
+          </a:blip>
+          <a:srcRect/>
+          <a:stretch/>
+        </p:blipFill>
+        <p:spPr>
+          <a:xfrm>
+            <a:off x="11411712" y="58594"/>
+            <a:ext cx="540811" cy="652104"/>
+          </a:xfrm>
+          <a:prstGeom prst="rect">
+            <a:avLst/>
+          </a:prstGeom>
+          <a:noFill/>
+          <a:ln>
+            <a:noFill/>
+          </a:ln>
+        </p:spPr>
+      </p:pic>
+      <p:pic>
+        <p:nvPicPr>
+          <p:cNvPr id="7" name="Immagine 6">
+            <a:extLst>
+              <a:ext uri="{FF2B5EF4-FFF2-40B4-BE49-F238E27FC236}">
+                <a16:creationId xmlns:a16="http://schemas.microsoft.com/office/drawing/2014/main" id="{7785874A-63D5-97E4-33F7-5A80EB60364F}"/>
+              </a:ext>
+            </a:extLst>
+          </p:cNvPr>
+          <p:cNvPicPr>
+            <a:picLocks noChangeAspect="1"/>
+          </p:cNvPicPr>
+          <p:nvPr/>
+        </p:nvPicPr>
+        <p:blipFill>
+          <a:blip r:embed="rId4"/>
+          <a:srcRect/>
+          <a:stretch/>
+        </p:blipFill>
+        <p:spPr>
+          <a:xfrm>
+            <a:off x="239477" y="41897"/>
+            <a:ext cx="1305859" cy="685499"/>
+          </a:xfrm>
+          <a:prstGeom prst="rect">
+            <a:avLst/>
+          </a:prstGeom>
+        </p:spPr>
+      </p:pic>
+      <p:sp>
+        <p:nvSpPr>
+          <p:cNvPr id="9" name="Google Shape;138;p15">
+            <a:extLst>
+              <a:ext uri="{FF2B5EF4-FFF2-40B4-BE49-F238E27FC236}">
+                <a16:creationId xmlns:a16="http://schemas.microsoft.com/office/drawing/2014/main" id="{29274733-FBAE-A3D6-29D2-DEAF8A8E0735}"/>
+              </a:ext>
+            </a:extLst>
+          </p:cNvPr>
+          <p:cNvSpPr txBox="1"/>
+          <p:nvPr/>
+        </p:nvSpPr>
+        <p:spPr>
+          <a:xfrm>
+            <a:off x="259796" y="2291731"/>
+            <a:ext cx="7530892" cy="3877954"/>
+          </a:xfrm>
+          <a:prstGeom prst="rect">
+            <a:avLst/>
+          </a:prstGeom>
+          <a:noFill/>
+          <a:ln>
+            <a:noFill/>
+          </a:ln>
+        </p:spPr>
+        <p:txBody>
+          <a:bodyPr spcFirstLastPara="1" wrap="square" lIns="91425" tIns="91425" rIns="91425" bIns="91425" anchor="t" anchorCtr="0">
+            <a:spAutoFit/>
+          </a:bodyPr>
+          <a:lstStyle/>
+          <a:p>
+            <a:pPr marL="342900" indent="-342900">
+              <a:buFont typeface="Arial" panose="020B0604020202020204" pitchFamily="34" charset="0"/>
+              <a:buChar char="•"/>
+            </a:pPr>
+            <a:r>
+              <a:rPr lang="en-US" sz="2400" dirty="0">
+                <a:latin typeface="Twentieth Century"/>
+              </a:rPr>
+              <a:t>Target of this project is to demonstrate the </a:t>
+            </a:r>
+            <a:r>
+              <a:rPr lang="en-US" sz="2400" b="1" dirty="0">
+                <a:latin typeface="Twentieth Century"/>
+              </a:rPr>
+              <a:t>advantages</a:t>
+            </a:r>
+            <a:r>
+              <a:rPr lang="en-US" sz="2400" dirty="0">
+                <a:latin typeface="Twentieth Century"/>
+              </a:rPr>
+              <a:t> of a </a:t>
+            </a:r>
+            <a:r>
+              <a:rPr lang="en-US" sz="2400" b="1" dirty="0">
+                <a:latin typeface="Twentieth Century"/>
+              </a:rPr>
+              <a:t>BPMN</a:t>
+            </a:r>
+            <a:r>
+              <a:rPr lang="en-US" sz="2400" dirty="0">
+                <a:latin typeface="Twentieth Century"/>
+              </a:rPr>
+              <a:t> Engine in the enterprise to </a:t>
+            </a:r>
+            <a:r>
+              <a:rPr lang="en-US" sz="2400" b="1" dirty="0">
+                <a:latin typeface="Twentieth Century"/>
+              </a:rPr>
+              <a:t>carry on </a:t>
+            </a:r>
+            <a:r>
+              <a:rPr lang="en-US" sz="2400" dirty="0">
+                <a:latin typeface="Twentieth Century"/>
+              </a:rPr>
+              <a:t>and track most of the repetitive </a:t>
+            </a:r>
+            <a:r>
+              <a:rPr lang="en-US" sz="2400" b="1" dirty="0">
+                <a:latin typeface="Twentieth Century"/>
+              </a:rPr>
+              <a:t>tasks</a:t>
+            </a:r>
+            <a:r>
+              <a:rPr lang="en-US" sz="2400" dirty="0">
+                <a:latin typeface="Twentieth Century"/>
+              </a:rPr>
+              <a:t> and </a:t>
+            </a:r>
+            <a:r>
+              <a:rPr lang="en-US" sz="2400" b="1" dirty="0">
+                <a:latin typeface="Twentieth Century"/>
+              </a:rPr>
+              <a:t>processes</a:t>
+            </a:r>
+            <a:r>
+              <a:rPr lang="en-US" sz="2400" dirty="0">
+                <a:latin typeface="Twentieth Century"/>
+              </a:rPr>
+              <a:t> happening in the </a:t>
+            </a:r>
+            <a:r>
+              <a:rPr lang="en-US" sz="2400" b="1" dirty="0">
+                <a:latin typeface="Twentieth Century"/>
+              </a:rPr>
+              <a:t>organization</a:t>
+            </a:r>
+            <a:r>
+              <a:rPr lang="en-US" sz="2400" dirty="0">
+                <a:latin typeface="Twentieth Century"/>
+              </a:rPr>
+              <a:t>.</a:t>
+            </a:r>
+          </a:p>
+          <a:p>
+            <a:endParaRPr lang="en-US" sz="2400" dirty="0">
+              <a:latin typeface="Twentieth Century"/>
+            </a:endParaRPr>
+          </a:p>
+          <a:p>
+            <a:pPr marL="342900" indent="-342900">
+              <a:buFont typeface="Arial" panose="020B0604020202020204" pitchFamily="34" charset="0"/>
+              <a:buChar char="•"/>
+            </a:pPr>
+            <a:r>
+              <a:rPr lang="en-US" sz="2400" b="1" dirty="0">
+                <a:latin typeface="Twentieth Century"/>
+              </a:rPr>
+              <a:t>Model</a:t>
+            </a:r>
+            <a:r>
+              <a:rPr lang="en-US" sz="2400" dirty="0">
+                <a:latin typeface="Twentieth Century"/>
+              </a:rPr>
+              <a:t> the </a:t>
+            </a:r>
+            <a:r>
+              <a:rPr lang="en-US" sz="2400" b="1" dirty="0">
+                <a:latin typeface="Twentieth Century"/>
+              </a:rPr>
+              <a:t>interaction</a:t>
+            </a:r>
+            <a:r>
+              <a:rPr lang="en-US" sz="2400" dirty="0">
+                <a:latin typeface="Twentieth Century"/>
+              </a:rPr>
+              <a:t> between the involved groups of people, including </a:t>
+            </a:r>
+            <a:r>
+              <a:rPr lang="en-US" sz="2400" b="1" dirty="0">
+                <a:latin typeface="Twentieth Century"/>
+              </a:rPr>
+              <a:t>information</a:t>
+            </a:r>
+            <a:r>
+              <a:rPr lang="en-US" sz="2400" dirty="0">
+                <a:latin typeface="Twentieth Century"/>
+              </a:rPr>
+              <a:t> moving between them.</a:t>
+            </a:r>
+          </a:p>
+          <a:p>
+            <a:pPr marL="342900" indent="-342900">
+              <a:buFont typeface="Arial" panose="020B0604020202020204" pitchFamily="34" charset="0"/>
+              <a:buChar char="•"/>
+            </a:pPr>
+            <a:endParaRPr lang="en-US" sz="2400" dirty="0">
+              <a:latin typeface="Twentieth Century"/>
+            </a:endParaRPr>
+          </a:p>
+          <a:p>
+            <a:pPr marL="342900" indent="-342900">
+              <a:buFont typeface="Arial" panose="020B0604020202020204" pitchFamily="34" charset="0"/>
+              <a:buChar char="•"/>
+            </a:pPr>
+            <a:r>
+              <a:rPr lang="en-US" sz="2400" dirty="0">
+                <a:latin typeface="Twentieth Century"/>
+              </a:rPr>
+              <a:t>Propose some </a:t>
+            </a:r>
+            <a:r>
+              <a:rPr lang="en-US" sz="2400" b="1" dirty="0">
+                <a:latin typeface="Twentieth Century"/>
+              </a:rPr>
+              <a:t>optimizations</a:t>
+            </a:r>
+            <a:r>
+              <a:rPr lang="en-US" sz="2400" dirty="0">
+                <a:latin typeface="Twentieth Century"/>
+              </a:rPr>
+              <a:t>, replacing some Manual Task converted into Service Tasks.</a:t>
+            </a:r>
+          </a:p>
+        </p:txBody>
+      </p:sp>
+      <p:pic>
+        <p:nvPicPr>
+          <p:cNvPr id="10" name="Immagine 9">
+            <a:extLst>
+              <a:ext uri="{FF2B5EF4-FFF2-40B4-BE49-F238E27FC236}">
+                <a16:creationId xmlns:a16="http://schemas.microsoft.com/office/drawing/2014/main" id="{A15BC90A-F7B5-ACC7-BB4D-A1F08B5187F6}"/>
+              </a:ext>
+            </a:extLst>
+          </p:cNvPr>
+          <p:cNvPicPr>
+            <a:picLocks noChangeAspect="1"/>
+          </p:cNvPicPr>
+          <p:nvPr/>
+        </p:nvPicPr>
+        <p:blipFill>
+          <a:blip r:embed="rId5"/>
+          <a:stretch>
+            <a:fillRect/>
+          </a:stretch>
+        </p:blipFill>
+        <p:spPr>
+          <a:xfrm>
+            <a:off x="9284208" y="2953596"/>
+            <a:ext cx="2097024" cy="2097024"/>
+          </a:xfrm>
+          <a:prstGeom prst="rect">
+            <a:avLst/>
+          </a:prstGeom>
+        </p:spPr>
+      </p:pic>
+    </p:spTree>
+    <p:extLst>
+      <p:ext uri="{BB962C8B-B14F-4D97-AF65-F5344CB8AC3E}">
+        <p14:creationId xmlns:p14="http://schemas.microsoft.com/office/powerpoint/2010/main" val="628658830"/>
+      </p:ext>
+    </p:extLst>
+  </p:cSld>
+  <p:clrMapOvr>
+    <a:masterClrMapping/>
+  </p:clrMapOvr>
+</p:sld>
+</file>
+
+<file path=ppt/slides/slide3.xml><?xml version="1.0" encoding="utf-8"?>
+<p:sld xmlns:a="http://schemas.openxmlformats.org/drawingml/2006/main" xmlns:r="http://schemas.openxmlformats.org/officeDocument/2006/relationships" xmlns:p="http://schemas.openxmlformats.org/presentationml/2006/main">
+  <p:cSld>
+    <p:spTree>
+      <p:nvGrpSpPr>
+        <p:cNvPr id="1" name="Shape 105"/>
+        <p:cNvGrpSpPr/>
+        <p:nvPr/>
+      </p:nvGrpSpPr>
+      <p:grpSpPr>
+        <a:xfrm>
+          <a:off x="0" y="0"/>
+          <a:ext cx="0" cy="0"/>
+          <a:chOff x="0" y="0"/>
+          <a:chExt cx="0" cy="0"/>
+        </a:xfrm>
+      </p:grpSpPr>
+      <p:sp>
+        <p:nvSpPr>
+          <p:cNvPr id="106" name="Google Shape;106;p4"/>
+          <p:cNvSpPr txBox="1"/>
+          <p:nvPr/>
+        </p:nvSpPr>
+        <p:spPr>
+          <a:xfrm>
+            <a:off x="861390" y="954157"/>
+            <a:ext cx="9471330" cy="923289"/>
+          </a:xfrm>
+          <a:prstGeom prst="rect">
+            <a:avLst/>
+          </a:prstGeom>
+          <a:noFill/>
+          <a:ln>
+            <a:noFill/>
+          </a:ln>
+        </p:spPr>
+        <p:txBody>
+          <a:bodyPr spcFirstLastPara="1" wrap="square" lIns="91425" tIns="45700" rIns="91425" bIns="45700" anchor="t" anchorCtr="0">
+            <a:spAutoFit/>
+          </a:bodyPr>
+          <a:lstStyle/>
+          <a:p>
+            <a:pPr>
+              <a:buSzPts val="4000"/>
+            </a:pPr>
+            <a:r>
+              <a:rPr lang="it-IT" sz="4000" b="1" i="0" u="none" strike="noStrike" cap="none" dirty="0">
+                <a:solidFill>
+                  <a:srgbClr val="002060"/>
+                </a:solidFill>
+                <a:latin typeface="Twentieth Century"/>
+                <a:ea typeface="Twentieth Century"/>
+                <a:cs typeface="Twentieth Century"/>
+                <a:sym typeface="Twentieth Century"/>
+              </a:rPr>
+              <a:t>Model </a:t>
+            </a:r>
+            <a:r>
+              <a:rPr lang="it-IT" sz="4000" b="1" i="0" u="none" strike="noStrike" cap="none" dirty="0" err="1">
+                <a:solidFill>
+                  <a:srgbClr val="002060"/>
+                </a:solidFill>
+                <a:latin typeface="Twentieth Century"/>
+                <a:ea typeface="Twentieth Century"/>
+                <a:cs typeface="Twentieth Century"/>
+                <a:sym typeface="Twentieth Century"/>
+              </a:rPr>
+              <a:t>implementation</a:t>
+            </a:r>
+            <a:endParaRPr lang="it-IT" sz="4000" b="1" i="0" u="none" strike="noStrike" cap="none" dirty="0">
+              <a:solidFill>
+                <a:srgbClr val="002060"/>
+              </a:solidFill>
+              <a:latin typeface="Twentieth Century"/>
+              <a:ea typeface="Twentieth Century"/>
+              <a:cs typeface="Twentieth Century"/>
+              <a:sym typeface="Twentieth Century"/>
+            </a:endParaRPr>
+          </a:p>
+          <a:p>
+            <a:pPr marL="0" marR="0" lvl="0" indent="0" algn="l" rtl="0">
+              <a:lnSpc>
+                <a:spcPct val="100000"/>
+              </a:lnSpc>
+              <a:spcBef>
+                <a:spcPts val="0"/>
+              </a:spcBef>
+              <a:spcAft>
+                <a:spcPts val="0"/>
+              </a:spcAft>
+              <a:buClr>
+                <a:srgbClr val="000000"/>
+              </a:buClr>
+              <a:buSzPts val="4000"/>
+              <a:buFont typeface="Arial"/>
+              <a:buNone/>
+            </a:pPr>
+            <a:endParaRPr sz="1400" b="0" i="0" u="none" strike="noStrike" cap="none" dirty="0">
+              <a:solidFill>
+                <a:srgbClr val="000000"/>
+              </a:solidFill>
+              <a:latin typeface="Arial"/>
+              <a:ea typeface="Arial"/>
+              <a:cs typeface="Arial"/>
+              <a:sym typeface="Arial"/>
+            </a:endParaRPr>
+          </a:p>
+        </p:txBody>
+      </p:sp>
+      <p:pic>
+        <p:nvPicPr>
+          <p:cNvPr id="6" name="Google Shape;98;p41">
+            <a:extLst>
+              <a:ext uri="{FF2B5EF4-FFF2-40B4-BE49-F238E27FC236}">
+                <a16:creationId xmlns:a16="http://schemas.microsoft.com/office/drawing/2014/main" id="{57D02FBD-A8D4-4FC2-A6A3-BAAB59A0306C}"/>
+              </a:ext>
+            </a:extLst>
+          </p:cNvPr>
+          <p:cNvPicPr preferRelativeResize="0"/>
+          <p:nvPr/>
+        </p:nvPicPr>
+        <p:blipFill rotWithShape="1">
+          <a:blip r:embed="rId3">
+            <a:alphaModFix/>
+          </a:blip>
+          <a:srcRect/>
+          <a:stretch/>
+        </p:blipFill>
+        <p:spPr>
+          <a:xfrm>
+            <a:off x="11411712" y="58594"/>
+            <a:ext cx="540811" cy="652104"/>
+          </a:xfrm>
+          <a:prstGeom prst="rect">
+            <a:avLst/>
+          </a:prstGeom>
+          <a:noFill/>
+          <a:ln>
+            <a:noFill/>
+          </a:ln>
+        </p:spPr>
+      </p:pic>
+      <p:pic>
+        <p:nvPicPr>
+          <p:cNvPr id="7" name="Immagine 6">
+            <a:extLst>
+              <a:ext uri="{FF2B5EF4-FFF2-40B4-BE49-F238E27FC236}">
+                <a16:creationId xmlns:a16="http://schemas.microsoft.com/office/drawing/2014/main" id="{7785874A-63D5-97E4-33F7-5A80EB60364F}"/>
+              </a:ext>
+            </a:extLst>
+          </p:cNvPr>
+          <p:cNvPicPr>
+            <a:picLocks noChangeAspect="1"/>
+          </p:cNvPicPr>
+          <p:nvPr/>
+        </p:nvPicPr>
+        <p:blipFill>
+          <a:blip r:embed="rId4"/>
+          <a:srcRect/>
+          <a:stretch/>
+        </p:blipFill>
+        <p:spPr>
+          <a:xfrm>
+            <a:off x="239477" y="41897"/>
+            <a:ext cx="1305859" cy="685499"/>
+          </a:xfrm>
+          <a:prstGeom prst="rect">
+            <a:avLst/>
+          </a:prstGeom>
+        </p:spPr>
+      </p:pic>
+      <p:sp>
+        <p:nvSpPr>
+          <p:cNvPr id="9" name="Google Shape;138;p15">
+            <a:extLst>
+              <a:ext uri="{FF2B5EF4-FFF2-40B4-BE49-F238E27FC236}">
+                <a16:creationId xmlns:a16="http://schemas.microsoft.com/office/drawing/2014/main" id="{29274733-FBAE-A3D6-29D2-DEAF8A8E0735}"/>
+              </a:ext>
+            </a:extLst>
+          </p:cNvPr>
+          <p:cNvSpPr txBox="1"/>
+          <p:nvPr/>
+        </p:nvSpPr>
+        <p:spPr>
+          <a:xfrm>
+            <a:off x="259796" y="2291731"/>
+            <a:ext cx="8170972" cy="3877954"/>
+          </a:xfrm>
+          <a:prstGeom prst="rect">
+            <a:avLst/>
+          </a:prstGeom>
+          <a:noFill/>
+          <a:ln>
+            <a:noFill/>
+          </a:ln>
+        </p:spPr>
+        <p:txBody>
+          <a:bodyPr spcFirstLastPara="1" wrap="square" lIns="91425" tIns="91425" rIns="91425" bIns="91425" anchor="t" anchorCtr="0">
+            <a:spAutoFit/>
+          </a:bodyPr>
+          <a:lstStyle/>
+          <a:p>
+            <a:pPr marL="342900" indent="-342900">
+              <a:buFont typeface="Arial" panose="020B0604020202020204" pitchFamily="34" charset="0"/>
+              <a:buChar char="•"/>
+            </a:pPr>
+            <a:r>
+              <a:rPr lang="en-US" sz="2400" b="1" dirty="0">
+                <a:latin typeface="Twentieth Century"/>
+              </a:rPr>
+              <a:t>Service task </a:t>
+            </a:r>
+            <a:r>
+              <a:rPr lang="en-US" sz="2400" dirty="0">
+                <a:latin typeface="Twentieth Century"/>
+              </a:rPr>
+              <a:t>has been implemented as external task; we used a </a:t>
+            </a:r>
+            <a:r>
+              <a:rPr lang="en-US" sz="2400" b="1" dirty="0">
+                <a:latin typeface="Twentieth Century"/>
+              </a:rPr>
+              <a:t>mock code </a:t>
+            </a:r>
+            <a:r>
+              <a:rPr lang="en-US" sz="2400" dirty="0">
+                <a:latin typeface="Twentieth Century"/>
+              </a:rPr>
+              <a:t>to simulate the token flow inside the model.</a:t>
+            </a:r>
+          </a:p>
+          <a:p>
+            <a:pPr marL="342900" indent="-342900">
+              <a:buFont typeface="Arial" panose="020B0604020202020204" pitchFamily="34" charset="0"/>
+              <a:buChar char="•"/>
+            </a:pPr>
+            <a:endParaRPr lang="en-US" sz="2400" dirty="0">
+              <a:latin typeface="Twentieth Century"/>
+            </a:endParaRPr>
+          </a:p>
+          <a:p>
+            <a:pPr marL="342900" indent="-342900">
+              <a:buFont typeface="Arial" panose="020B0604020202020204" pitchFamily="34" charset="0"/>
+              <a:buChar char="•"/>
+            </a:pPr>
+            <a:r>
+              <a:rPr lang="en-US" sz="2400" dirty="0">
+                <a:latin typeface="Twentieth Century"/>
+              </a:rPr>
+              <a:t>Each task </a:t>
+            </a:r>
+            <a:r>
+              <a:rPr lang="en-US" sz="2400" b="1" dirty="0">
+                <a:latin typeface="Twentieth Century"/>
+              </a:rPr>
+              <a:t>prints a message into the log</a:t>
+            </a:r>
+            <a:r>
+              <a:rPr lang="en-US" sz="2400" dirty="0">
+                <a:latin typeface="Twentieth Century"/>
+              </a:rPr>
+              <a:t>, if it is necessary, it prints the value of the needed variables to verify that </a:t>
+            </a:r>
+            <a:r>
+              <a:rPr lang="en-US" sz="2400" b="1" dirty="0">
+                <a:latin typeface="Twentieth Century"/>
+              </a:rPr>
+              <a:t>message correlation </a:t>
+            </a:r>
+            <a:r>
+              <a:rPr lang="en-US" sz="2400" dirty="0">
+                <a:latin typeface="Twentieth Century"/>
+              </a:rPr>
+              <a:t>works properly; each client </a:t>
+            </a:r>
+            <a:r>
+              <a:rPr lang="en-US" sz="2400" b="1" dirty="0">
+                <a:latin typeface="Twentieth Century"/>
+              </a:rPr>
+              <a:t>subscribe</a:t>
+            </a:r>
+            <a:r>
+              <a:rPr lang="en-US" sz="2400" dirty="0">
+                <a:latin typeface="Twentieth Century"/>
+              </a:rPr>
+              <a:t> a specific </a:t>
+            </a:r>
+            <a:r>
+              <a:rPr lang="en-US" sz="2400" b="1" dirty="0">
+                <a:latin typeface="Twentieth Century"/>
+              </a:rPr>
+              <a:t>topic</a:t>
+            </a:r>
+            <a:r>
+              <a:rPr lang="en-US" sz="2400" dirty="0">
+                <a:latin typeface="Twentieth Century"/>
+              </a:rPr>
+              <a:t>.</a:t>
+            </a:r>
+          </a:p>
+          <a:p>
+            <a:endParaRPr lang="en-US" sz="2400" dirty="0">
+              <a:latin typeface="Twentieth Century"/>
+            </a:endParaRPr>
+          </a:p>
+          <a:p>
+            <a:pPr marL="342900" indent="-342900">
+              <a:buFont typeface="Arial" panose="020B0604020202020204" pitchFamily="34" charset="0"/>
+              <a:buChar char="•"/>
+            </a:pPr>
+            <a:r>
+              <a:rPr lang="en-US" sz="2400" dirty="0">
+                <a:latin typeface="Twentieth Century"/>
+              </a:rPr>
+              <a:t>In the future it will be possible </a:t>
+            </a:r>
+            <a:r>
+              <a:rPr lang="en-US" sz="2400" b="1" dirty="0">
+                <a:latin typeface="Twentieth Century"/>
+              </a:rPr>
+              <a:t>replace</a:t>
+            </a:r>
+            <a:r>
+              <a:rPr lang="en-US" sz="2400" dirty="0">
+                <a:latin typeface="Twentieth Century"/>
+              </a:rPr>
+              <a:t> each implementation with </a:t>
+            </a:r>
+            <a:r>
+              <a:rPr lang="en-US" sz="2400" b="1" dirty="0">
+                <a:latin typeface="Twentieth Century"/>
+              </a:rPr>
+              <a:t>real implementation </a:t>
+            </a:r>
+            <a:r>
+              <a:rPr lang="en-US" sz="2400" dirty="0">
+                <a:latin typeface="Twentieth Century"/>
+              </a:rPr>
+              <a:t>of the service.</a:t>
+            </a:r>
+          </a:p>
+        </p:txBody>
+      </p:sp>
+      <p:pic>
+        <p:nvPicPr>
+          <p:cNvPr id="8" name="Immagine 7">
+            <a:extLst>
+              <a:ext uri="{FF2B5EF4-FFF2-40B4-BE49-F238E27FC236}">
+                <a16:creationId xmlns:a16="http://schemas.microsoft.com/office/drawing/2014/main" id="{4235634E-03F1-CCD7-434B-009CF26C6994}"/>
+              </a:ext>
+            </a:extLst>
+          </p:cNvPr>
+          <p:cNvPicPr>
+            <a:picLocks noChangeAspect="1"/>
+          </p:cNvPicPr>
+          <p:nvPr/>
+        </p:nvPicPr>
+        <p:blipFill>
+          <a:blip r:embed="rId5"/>
+          <a:stretch>
+            <a:fillRect/>
+          </a:stretch>
+        </p:blipFill>
+        <p:spPr>
+          <a:xfrm>
+            <a:off x="9284208" y="2953596"/>
+            <a:ext cx="2097024" cy="2097024"/>
+          </a:xfrm>
+          <a:prstGeom prst="rect">
+            <a:avLst/>
+          </a:prstGeom>
+        </p:spPr>
+      </p:pic>
+    </p:spTree>
+    <p:extLst>
+      <p:ext uri="{BB962C8B-B14F-4D97-AF65-F5344CB8AC3E}">
+        <p14:creationId xmlns:p14="http://schemas.microsoft.com/office/powerpoint/2010/main" val="106966212"/>
+      </p:ext>
+    </p:extLst>
+  </p:cSld>
+  <p:clrMapOvr>
+    <a:masterClrMapping/>
+  </p:clrMapOvr>
+</p:sld>
+</file>
+
+<file path=ppt/slides/slide4.xml><?xml version="1.0" encoding="utf-8"?>
+<p:sld xmlns:a="http://schemas.openxmlformats.org/drawingml/2006/main" xmlns:r="http://schemas.openxmlformats.org/officeDocument/2006/relationships" xmlns:p="http://schemas.openxmlformats.org/presentationml/2006/main">
+  <p:cSld>
+    <p:spTree>
+      <p:nvGrpSpPr>
+        <p:cNvPr id="1" name="Shape 105"/>
+        <p:cNvGrpSpPr/>
+        <p:nvPr/>
+      </p:nvGrpSpPr>
+      <p:grpSpPr>
+        <a:xfrm>
+          <a:off x="0" y="0"/>
+          <a:ext cx="0" cy="0"/>
+          <a:chOff x="0" y="0"/>
+          <a:chExt cx="0" cy="0"/>
+        </a:xfrm>
+      </p:grpSpPr>
+      <p:sp>
+        <p:nvSpPr>
+          <p:cNvPr id="106" name="Google Shape;106;p4"/>
+          <p:cNvSpPr txBox="1"/>
+          <p:nvPr/>
+        </p:nvSpPr>
+        <p:spPr>
+          <a:xfrm>
+            <a:off x="861390" y="954157"/>
+            <a:ext cx="9471330" cy="923289"/>
+          </a:xfrm>
+          <a:prstGeom prst="rect">
+            <a:avLst/>
+          </a:prstGeom>
+          <a:noFill/>
+          <a:ln>
+            <a:noFill/>
+          </a:ln>
+        </p:spPr>
+        <p:txBody>
+          <a:bodyPr spcFirstLastPara="1" wrap="square" lIns="91425" tIns="45700" rIns="91425" bIns="45700" anchor="t" anchorCtr="0">
+            <a:spAutoFit/>
+          </a:bodyPr>
+          <a:lstStyle/>
+          <a:p>
+            <a:pPr>
+              <a:buSzPts val="4000"/>
+            </a:pPr>
+            <a:r>
+              <a:rPr lang="it-IT" sz="4000" b="1" i="0" u="none" strike="noStrike" cap="none" dirty="0">
+                <a:solidFill>
+                  <a:srgbClr val="002060"/>
+                </a:solidFill>
+                <a:latin typeface="Twentieth Century"/>
+                <a:ea typeface="Twentieth Century"/>
+                <a:cs typeface="Twentieth Century"/>
+                <a:sym typeface="Twentieth Century"/>
+              </a:rPr>
+              <a:t>Model </a:t>
+            </a:r>
+            <a:r>
+              <a:rPr lang="it-IT" sz="4000" b="1" i="0" u="none" strike="noStrike" cap="none" dirty="0" err="1">
+                <a:solidFill>
+                  <a:srgbClr val="002060"/>
+                </a:solidFill>
+                <a:latin typeface="Twentieth Century"/>
+                <a:ea typeface="Twentieth Century"/>
+                <a:cs typeface="Twentieth Century"/>
+                <a:sym typeface="Twentieth Century"/>
+              </a:rPr>
+              <a:t>implementation</a:t>
+            </a:r>
+            <a:endParaRPr lang="it-IT" sz="4000" b="1" i="0" u="none" strike="noStrike" cap="none" dirty="0">
+              <a:solidFill>
+                <a:srgbClr val="002060"/>
+              </a:solidFill>
+              <a:latin typeface="Twentieth Century"/>
+              <a:ea typeface="Twentieth Century"/>
+              <a:cs typeface="Twentieth Century"/>
+              <a:sym typeface="Twentieth Century"/>
+            </a:endParaRPr>
+          </a:p>
+          <a:p>
+            <a:pPr marL="0" marR="0" lvl="0" indent="0" algn="l" rtl="0">
+              <a:lnSpc>
+                <a:spcPct val="100000"/>
+              </a:lnSpc>
+              <a:spcBef>
+                <a:spcPts val="0"/>
+              </a:spcBef>
+              <a:spcAft>
+                <a:spcPts val="0"/>
+              </a:spcAft>
+              <a:buClr>
+                <a:srgbClr val="000000"/>
+              </a:buClr>
+              <a:buSzPts val="4000"/>
+              <a:buFont typeface="Arial"/>
+              <a:buNone/>
+            </a:pPr>
+            <a:endParaRPr sz="1400" b="0" i="0" u="none" strike="noStrike" cap="none" dirty="0">
+              <a:solidFill>
+                <a:srgbClr val="000000"/>
+              </a:solidFill>
+              <a:latin typeface="Arial"/>
+              <a:ea typeface="Arial"/>
+              <a:cs typeface="Arial"/>
+              <a:sym typeface="Arial"/>
+            </a:endParaRPr>
+          </a:p>
+        </p:txBody>
+      </p:sp>
+      <p:pic>
+        <p:nvPicPr>
+          <p:cNvPr id="6" name="Google Shape;98;p41">
+            <a:extLst>
+              <a:ext uri="{FF2B5EF4-FFF2-40B4-BE49-F238E27FC236}">
+                <a16:creationId xmlns:a16="http://schemas.microsoft.com/office/drawing/2014/main" id="{57D02FBD-A8D4-4FC2-A6A3-BAAB59A0306C}"/>
+              </a:ext>
+            </a:extLst>
+          </p:cNvPr>
+          <p:cNvPicPr preferRelativeResize="0"/>
+          <p:nvPr/>
+        </p:nvPicPr>
+        <p:blipFill rotWithShape="1">
+          <a:blip r:embed="rId3">
+            <a:alphaModFix/>
+          </a:blip>
+          <a:srcRect/>
+          <a:stretch/>
+        </p:blipFill>
+        <p:spPr>
+          <a:xfrm>
+            <a:off x="11411712" y="58594"/>
+            <a:ext cx="540811" cy="652104"/>
+          </a:xfrm>
+          <a:prstGeom prst="rect">
+            <a:avLst/>
+          </a:prstGeom>
+          <a:noFill/>
+          <a:ln>
+            <a:noFill/>
+          </a:ln>
+        </p:spPr>
+      </p:pic>
+      <p:pic>
+        <p:nvPicPr>
+          <p:cNvPr id="7" name="Immagine 6">
+            <a:extLst>
+              <a:ext uri="{FF2B5EF4-FFF2-40B4-BE49-F238E27FC236}">
+                <a16:creationId xmlns:a16="http://schemas.microsoft.com/office/drawing/2014/main" id="{7785874A-63D5-97E4-33F7-5A80EB60364F}"/>
+              </a:ext>
+            </a:extLst>
+          </p:cNvPr>
+          <p:cNvPicPr>
+            <a:picLocks noChangeAspect="1"/>
+          </p:cNvPicPr>
+          <p:nvPr/>
+        </p:nvPicPr>
+        <p:blipFill>
+          <a:blip r:embed="rId4"/>
+          <a:srcRect/>
+          <a:stretch/>
+        </p:blipFill>
+        <p:spPr>
+          <a:xfrm>
+            <a:off x="239477" y="41897"/>
+            <a:ext cx="1305859" cy="685499"/>
+          </a:xfrm>
+          <a:prstGeom prst="rect">
+            <a:avLst/>
+          </a:prstGeom>
+        </p:spPr>
+      </p:pic>
+      <p:sp>
+        <p:nvSpPr>
+          <p:cNvPr id="9" name="Google Shape;138;p15">
+            <a:extLst>
+              <a:ext uri="{FF2B5EF4-FFF2-40B4-BE49-F238E27FC236}">
+                <a16:creationId xmlns:a16="http://schemas.microsoft.com/office/drawing/2014/main" id="{29274733-FBAE-A3D6-29D2-DEAF8A8E0735}"/>
+              </a:ext>
+            </a:extLst>
+          </p:cNvPr>
+          <p:cNvSpPr txBox="1"/>
+          <p:nvPr/>
+        </p:nvSpPr>
+        <p:spPr>
+          <a:xfrm>
+            <a:off x="259796" y="2291731"/>
+            <a:ext cx="7530892" cy="3508623"/>
+          </a:xfrm>
+          <a:prstGeom prst="rect">
+            <a:avLst/>
+          </a:prstGeom>
+          <a:noFill/>
+          <a:ln>
+            <a:noFill/>
+          </a:ln>
+        </p:spPr>
+        <p:txBody>
+          <a:bodyPr spcFirstLastPara="1" wrap="square" lIns="91425" tIns="91425" rIns="91425" bIns="91425" anchor="t" anchorCtr="0">
+            <a:spAutoFit/>
+          </a:bodyPr>
+          <a:lstStyle/>
+          <a:p>
+            <a:pPr marL="342900" indent="-342900">
+              <a:buFont typeface="Arial" panose="020B0604020202020204" pitchFamily="34" charset="0"/>
+              <a:buChar char="•"/>
+            </a:pPr>
+            <a:r>
+              <a:rPr lang="en-US" sz="2400" b="1" dirty="0">
+                <a:latin typeface="Twentieth Century"/>
+              </a:rPr>
+              <a:t>Message correlation </a:t>
+            </a:r>
+            <a:r>
+              <a:rPr lang="en-US" sz="2400" dirty="0">
+                <a:latin typeface="Twentieth Century"/>
+              </a:rPr>
+              <a:t>has been implemented using </a:t>
+            </a:r>
+            <a:r>
+              <a:rPr lang="en-US" sz="2400" b="1" dirty="0">
+                <a:latin typeface="Twentieth Century"/>
+              </a:rPr>
+              <a:t>Java class</a:t>
+            </a:r>
+            <a:r>
+              <a:rPr lang="en-US" sz="2400" dirty="0">
+                <a:latin typeface="Twentieth Century"/>
+              </a:rPr>
+              <a:t> inside the model.</a:t>
+            </a:r>
+          </a:p>
+          <a:p>
+            <a:pPr marL="342900" indent="-342900">
+              <a:buFont typeface="Arial" panose="020B0604020202020204" pitchFamily="34" charset="0"/>
+              <a:buChar char="•"/>
+            </a:pPr>
+            <a:endParaRPr lang="en-US" sz="2400" dirty="0">
+              <a:latin typeface="Twentieth Century"/>
+            </a:endParaRPr>
+          </a:p>
+          <a:p>
+            <a:pPr marL="342900" indent="-342900">
+              <a:buFont typeface="Arial" panose="020B0604020202020204" pitchFamily="34" charset="0"/>
+              <a:buChar char="•"/>
+            </a:pPr>
+            <a:r>
+              <a:rPr lang="en-US" sz="2400" dirty="0">
+                <a:latin typeface="Twentieth Century"/>
+              </a:rPr>
+              <a:t>Each message correlation had been implemented using a </a:t>
+            </a:r>
+            <a:r>
+              <a:rPr lang="en-US" sz="2400" b="1" dirty="0">
+                <a:latin typeface="Twentieth Century"/>
+              </a:rPr>
+              <a:t>different java class </a:t>
+            </a:r>
+            <a:r>
+              <a:rPr lang="en-US" sz="2400" dirty="0">
+                <a:latin typeface="Twentieth Century"/>
+              </a:rPr>
+              <a:t>and </a:t>
+            </a:r>
+            <a:r>
+              <a:rPr lang="en-US" sz="2400" b="1" dirty="0">
+                <a:latin typeface="Twentieth Century"/>
+              </a:rPr>
+              <a:t>message id</a:t>
+            </a:r>
+            <a:r>
+              <a:rPr lang="en-US" sz="2400" dirty="0">
+                <a:latin typeface="Twentieth Century"/>
+              </a:rPr>
+              <a:t>.</a:t>
+            </a:r>
+          </a:p>
+          <a:p>
+            <a:pPr marL="342900" indent="-342900">
+              <a:buFont typeface="Arial" panose="020B0604020202020204" pitchFamily="34" charset="0"/>
+              <a:buChar char="•"/>
+            </a:pPr>
+            <a:endParaRPr lang="en-US" sz="2400" dirty="0">
+              <a:latin typeface="Twentieth Century"/>
+            </a:endParaRPr>
+          </a:p>
+          <a:p>
+            <a:pPr marL="342900" indent="-342900">
+              <a:buFont typeface="Arial" panose="020B0604020202020204" pitchFamily="34" charset="0"/>
+              <a:buChar char="•"/>
+            </a:pPr>
+            <a:r>
+              <a:rPr lang="en-US" sz="2400" dirty="0">
+                <a:latin typeface="Twentieth Century"/>
+              </a:rPr>
+              <a:t>We </a:t>
+            </a:r>
+            <a:r>
+              <a:rPr lang="en-US" sz="2400" b="1" dirty="0">
+                <a:latin typeface="Twentieth Century"/>
+              </a:rPr>
+              <a:t>automatized</a:t>
+            </a:r>
+            <a:r>
+              <a:rPr lang="en-US" sz="2400" dirty="0">
+                <a:latin typeface="Twentieth Century"/>
+              </a:rPr>
+              <a:t> some tasks that was previously manually executed, so for this reason we have </a:t>
+            </a:r>
+            <a:r>
+              <a:rPr lang="en-US" sz="2400" b="1" dirty="0">
+                <a:latin typeface="Twentieth Century"/>
+              </a:rPr>
+              <a:t>replaced</a:t>
+            </a:r>
+            <a:r>
+              <a:rPr lang="en-US" sz="2400" dirty="0">
+                <a:latin typeface="Twentieth Century"/>
+              </a:rPr>
+              <a:t> some </a:t>
+            </a:r>
+            <a:r>
+              <a:rPr lang="en-US" sz="2400" b="1" dirty="0">
+                <a:latin typeface="Twentieth Century"/>
+              </a:rPr>
+              <a:t>user tasks </a:t>
+            </a:r>
+            <a:r>
+              <a:rPr lang="en-US" sz="2400" dirty="0">
+                <a:latin typeface="Twentieth Century"/>
+              </a:rPr>
+              <a:t>with </a:t>
+            </a:r>
+            <a:r>
+              <a:rPr lang="en-US" sz="2400" b="1" dirty="0">
+                <a:latin typeface="Twentieth Century"/>
+              </a:rPr>
+              <a:t>service task</a:t>
+            </a:r>
+            <a:r>
+              <a:rPr lang="en-US" sz="2400" dirty="0">
+                <a:latin typeface="Twentieth Century"/>
+              </a:rPr>
+              <a:t>.</a:t>
+            </a:r>
+          </a:p>
+        </p:txBody>
+      </p:sp>
+      <p:pic>
+        <p:nvPicPr>
+          <p:cNvPr id="8" name="Immagine 7">
+            <a:extLst>
+              <a:ext uri="{FF2B5EF4-FFF2-40B4-BE49-F238E27FC236}">
+                <a16:creationId xmlns:a16="http://schemas.microsoft.com/office/drawing/2014/main" id="{19BEED2C-5F22-D4FA-C564-5BA8E56E072E}"/>
+              </a:ext>
+            </a:extLst>
+          </p:cNvPr>
+          <p:cNvPicPr>
+            <a:picLocks noChangeAspect="1"/>
+          </p:cNvPicPr>
+          <p:nvPr/>
+        </p:nvPicPr>
+        <p:blipFill>
+          <a:blip r:embed="rId5"/>
+          <a:stretch>
+            <a:fillRect/>
+          </a:stretch>
+        </p:blipFill>
+        <p:spPr>
+          <a:xfrm>
+            <a:off x="9284208" y="2953596"/>
+            <a:ext cx="2097024" cy="2097024"/>
+          </a:xfrm>
+          <a:prstGeom prst="rect">
+            <a:avLst/>
+          </a:prstGeom>
+        </p:spPr>
+      </p:pic>
+    </p:spTree>
+    <p:extLst>
+      <p:ext uri="{BB962C8B-B14F-4D97-AF65-F5344CB8AC3E}">
+        <p14:creationId xmlns:p14="http://schemas.microsoft.com/office/powerpoint/2010/main" val="1068294262"/>
+      </p:ext>
+    </p:extLst>
+  </p:cSld>
+  <p:clrMapOvr>
+    <a:masterClrMapping/>
+  </p:clrMapOvr>
+</p:sld>
+</file>
+
+<file path=ppt/slides/slide5.xml><?xml version="1.0" encoding="utf-8"?>
 <p:sld xmlns:a="http://schemas.openxmlformats.org/drawingml/2006/main" xmlns:r="http://schemas.openxmlformats.org/officeDocument/2006/relationships" xmlns:p="http://schemas.openxmlformats.org/presentationml/2006/main">
   <p:cSld>
     <p:spTree>
@@ -17279,7 +19986,7 @@
     </p:spTree>
     <p:extLst>
       <p:ext uri="{BB962C8B-B14F-4D97-AF65-F5344CB8AC3E}">
-        <p14:creationId xmlns:p14="http://schemas.microsoft.com/office/powerpoint/2010/main" val="628658830"/>
+        <p14:creationId xmlns:p14="http://schemas.microsoft.com/office/powerpoint/2010/main" val="2839416781"/>
       </p:ext>
     </p:extLst>
   </p:cSld>
@@ -17289,7 +19996,7 @@
 </p:sld>
 </file>
 
-<file path=ppt/slides/slide3.xml><?xml version="1.0" encoding="utf-8"?>
+<file path=ppt/slides/slide6.xml><?xml version="1.0" encoding="utf-8"?>
 <p:sld xmlns:a="http://schemas.openxmlformats.org/drawingml/2006/main" xmlns:r="http://schemas.openxmlformats.org/officeDocument/2006/relationships" xmlns:p="http://schemas.openxmlformats.org/presentationml/2006/main">
   <p:cSld>
     <p:spTree>
@@ -17493,7 +20200,7 @@
 </p:sld>
 </file>
 
-<file path=ppt/slides/slide4.xml><?xml version="1.0" encoding="utf-8"?>
+<file path=ppt/slides/slide7.xml><?xml version="1.0" encoding="utf-8"?>
 <p:sld xmlns:a="http://schemas.openxmlformats.org/drawingml/2006/main" xmlns:r="http://schemas.openxmlformats.org/officeDocument/2006/relationships" xmlns:p="http://schemas.openxmlformats.org/presentationml/2006/main">
   <p:cSld>
     <p:spTree>
@@ -17706,7 +20413,7 @@
 </p:sld>
 </file>
 
-<file path=ppt/slides/slide5.xml><?xml version="1.0" encoding="utf-8"?>
+<file path=ppt/slides/slide8.xml><?xml version="1.0" encoding="utf-8"?>
 <p:sld xmlns:a="http://schemas.openxmlformats.org/drawingml/2006/main" xmlns:r="http://schemas.openxmlformats.org/officeDocument/2006/relationships" xmlns:p="http://schemas.openxmlformats.org/presentationml/2006/main">
   <p:cSld>
     <p:spTree>
@@ -17920,7 +20627,7 @@
 </p:sld>
 </file>
 
-<file path=ppt/slides/slide6.xml><?xml version="1.0" encoding="utf-8"?>
+<file path=ppt/slides/slide9.xml><?xml version="1.0" encoding="utf-8"?>
 <p:sld xmlns:a="http://schemas.openxmlformats.org/drawingml/2006/main" xmlns:r="http://schemas.openxmlformats.org/officeDocument/2006/relationships" xmlns:p="http://schemas.openxmlformats.org/presentationml/2006/main">
   <p:cSld>
     <p:spTree>
@@ -18127,797 +20834,6 @@
         <p14:creationId xmlns:p14="http://schemas.microsoft.com/office/powerpoint/2010/main" val="3660123001"/>
       </p:ext>
     </p:extLst>
-  </p:cSld>
-  <p:clrMapOvr>
-    <a:masterClrMapping/>
-  </p:clrMapOvr>
-</p:sld>
-</file>
-
-<file path=ppt/slides/slide7.xml><?xml version="1.0" encoding="utf-8"?>
-<p:sld xmlns:a="http://schemas.openxmlformats.org/drawingml/2006/main" xmlns:r="http://schemas.openxmlformats.org/officeDocument/2006/relationships" xmlns:p="http://schemas.openxmlformats.org/presentationml/2006/main">
-  <p:cSld>
-    <p:spTree>
-      <p:nvGrpSpPr>
-        <p:cNvPr id="1" name="Shape 105"/>
-        <p:cNvGrpSpPr/>
-        <p:nvPr/>
-      </p:nvGrpSpPr>
-      <p:grpSpPr>
-        <a:xfrm>
-          <a:off x="0" y="0"/>
-          <a:ext cx="0" cy="0"/>
-          <a:chOff x="0" y="0"/>
-          <a:chExt cx="0" cy="0"/>
-        </a:xfrm>
-      </p:grpSpPr>
-      <p:sp>
-        <p:nvSpPr>
-          <p:cNvPr id="106" name="Google Shape;106;p4"/>
-          <p:cNvSpPr txBox="1"/>
-          <p:nvPr/>
-        </p:nvSpPr>
-        <p:spPr>
-          <a:xfrm>
-            <a:off x="861390" y="954157"/>
-            <a:ext cx="9471330" cy="923289"/>
-          </a:xfrm>
-          <a:prstGeom prst="rect">
-            <a:avLst/>
-          </a:prstGeom>
-          <a:noFill/>
-          <a:ln>
-            <a:noFill/>
-          </a:ln>
-        </p:spPr>
-        <p:txBody>
-          <a:bodyPr spcFirstLastPara="1" wrap="square" lIns="91425" tIns="45700" rIns="91425" bIns="45700" anchor="t" anchorCtr="0">
-            <a:spAutoFit/>
-          </a:bodyPr>
-          <a:lstStyle/>
-          <a:p>
-            <a:pPr>
-              <a:buSzPts val="4000"/>
-            </a:pPr>
-            <a:r>
-              <a:rPr lang="it-IT" sz="4000" b="1" dirty="0">
-                <a:solidFill>
-                  <a:srgbClr val="002060"/>
-                </a:solidFill>
-                <a:latin typeface="Twentieth Century"/>
-                <a:ea typeface="Twentieth Century"/>
-                <a:cs typeface="Twentieth Century"/>
-                <a:sym typeface="Twentieth Century"/>
-              </a:rPr>
-              <a:t>Suppliers</a:t>
-            </a:r>
-            <a:endParaRPr lang="it-IT" sz="4000" b="1" i="0" u="none" strike="noStrike" cap="none" dirty="0">
-              <a:solidFill>
-                <a:srgbClr val="002060"/>
-              </a:solidFill>
-              <a:latin typeface="Twentieth Century"/>
-              <a:ea typeface="Twentieth Century"/>
-              <a:cs typeface="Twentieth Century"/>
-              <a:sym typeface="Twentieth Century"/>
-            </a:endParaRPr>
-          </a:p>
-          <a:p>
-            <a:pPr marL="0" marR="0" lvl="0" indent="0" algn="l" rtl="0">
-              <a:lnSpc>
-                <a:spcPct val="100000"/>
-              </a:lnSpc>
-              <a:spcBef>
-                <a:spcPts val="0"/>
-              </a:spcBef>
-              <a:spcAft>
-                <a:spcPts val="0"/>
-              </a:spcAft>
-              <a:buClr>
-                <a:srgbClr val="000000"/>
-              </a:buClr>
-              <a:buSzPts val="4000"/>
-              <a:buFont typeface="Arial"/>
-              <a:buNone/>
-            </a:pPr>
-            <a:endParaRPr sz="1400" b="0" i="0" u="none" strike="noStrike" cap="none" dirty="0">
-              <a:solidFill>
-                <a:srgbClr val="000000"/>
-              </a:solidFill>
-              <a:latin typeface="Arial"/>
-              <a:ea typeface="Arial"/>
-              <a:cs typeface="Arial"/>
-              <a:sym typeface="Arial"/>
-            </a:endParaRPr>
-          </a:p>
-        </p:txBody>
-      </p:sp>
-      <p:pic>
-        <p:nvPicPr>
-          <p:cNvPr id="6" name="Google Shape;98;p41">
-            <a:extLst>
-              <a:ext uri="{FF2B5EF4-FFF2-40B4-BE49-F238E27FC236}">
-                <a16:creationId xmlns:a16="http://schemas.microsoft.com/office/drawing/2014/main" id="{57D02FBD-A8D4-4FC2-A6A3-BAAB59A0306C}"/>
-              </a:ext>
-            </a:extLst>
-          </p:cNvPr>
-          <p:cNvPicPr preferRelativeResize="0"/>
-          <p:nvPr/>
-        </p:nvPicPr>
-        <p:blipFill rotWithShape="1">
-          <a:blip r:embed="rId3">
-            <a:alphaModFix/>
-          </a:blip>
-          <a:srcRect/>
-          <a:stretch/>
-        </p:blipFill>
-        <p:spPr>
-          <a:xfrm>
-            <a:off x="11411712" y="58594"/>
-            <a:ext cx="540811" cy="652104"/>
-          </a:xfrm>
-          <a:prstGeom prst="rect">
-            <a:avLst/>
-          </a:prstGeom>
-          <a:noFill/>
-          <a:ln>
-            <a:noFill/>
-          </a:ln>
-        </p:spPr>
-      </p:pic>
-      <p:pic>
-        <p:nvPicPr>
-          <p:cNvPr id="7" name="Immagine 6">
-            <a:extLst>
-              <a:ext uri="{FF2B5EF4-FFF2-40B4-BE49-F238E27FC236}">
-                <a16:creationId xmlns:a16="http://schemas.microsoft.com/office/drawing/2014/main" id="{7785874A-63D5-97E4-33F7-5A80EB60364F}"/>
-              </a:ext>
-            </a:extLst>
-          </p:cNvPr>
-          <p:cNvPicPr>
-            <a:picLocks noChangeAspect="1"/>
-          </p:cNvPicPr>
-          <p:nvPr/>
-        </p:nvPicPr>
-        <p:blipFill>
-          <a:blip r:embed="rId4"/>
-          <a:srcRect/>
-          <a:stretch/>
-        </p:blipFill>
-        <p:spPr>
-          <a:xfrm>
-            <a:off x="239477" y="41897"/>
-            <a:ext cx="1305859" cy="685499"/>
-          </a:xfrm>
-          <a:prstGeom prst="rect">
-            <a:avLst/>
-          </a:prstGeom>
-        </p:spPr>
-      </p:pic>
-      <p:pic>
-        <p:nvPicPr>
-          <p:cNvPr id="4" name="Immagine 3">
-            <a:extLst>
-              <a:ext uri="{FF2B5EF4-FFF2-40B4-BE49-F238E27FC236}">
-                <a16:creationId xmlns:a16="http://schemas.microsoft.com/office/drawing/2014/main" id="{E1E278D6-FF93-A021-AB8D-84403A050E59}"/>
-              </a:ext>
-            </a:extLst>
-          </p:cNvPr>
-          <p:cNvPicPr>
-            <a:picLocks noChangeAspect="1"/>
-          </p:cNvPicPr>
-          <p:nvPr/>
-        </p:nvPicPr>
-        <p:blipFill>
-          <a:blip r:embed="rId5"/>
-          <a:stretch>
-            <a:fillRect/>
-          </a:stretch>
-        </p:blipFill>
-        <p:spPr>
-          <a:xfrm>
-            <a:off x="2495139" y="1428544"/>
-            <a:ext cx="7652161" cy="5429456"/>
-          </a:xfrm>
-          <a:prstGeom prst="rect">
-            <a:avLst/>
-          </a:prstGeom>
-        </p:spPr>
-      </p:pic>
-    </p:spTree>
-    <p:extLst>
-      <p:ext uri="{BB962C8B-B14F-4D97-AF65-F5344CB8AC3E}">
-        <p14:creationId xmlns:p14="http://schemas.microsoft.com/office/powerpoint/2010/main" val="1563682889"/>
-      </p:ext>
-    </p:extLst>
-  </p:cSld>
-  <p:clrMapOvr>
-    <a:masterClrMapping/>
-  </p:clrMapOvr>
-</p:sld>
-</file>
-
-<file path=ppt/slides/slide8.xml><?xml version="1.0" encoding="utf-8"?>
-<p:sld xmlns:a="http://schemas.openxmlformats.org/drawingml/2006/main" xmlns:r="http://schemas.openxmlformats.org/officeDocument/2006/relationships" xmlns:p="http://schemas.openxmlformats.org/presentationml/2006/main">
-  <p:cSld>
-    <p:spTree>
-      <p:nvGrpSpPr>
-        <p:cNvPr id="1" name="Shape 105"/>
-        <p:cNvGrpSpPr/>
-        <p:nvPr/>
-      </p:nvGrpSpPr>
-      <p:grpSpPr>
-        <a:xfrm>
-          <a:off x="0" y="0"/>
-          <a:ext cx="0" cy="0"/>
-          <a:chOff x="0" y="0"/>
-          <a:chExt cx="0" cy="0"/>
-        </a:xfrm>
-      </p:grpSpPr>
-      <p:sp>
-        <p:nvSpPr>
-          <p:cNvPr id="106" name="Google Shape;106;p4"/>
-          <p:cNvSpPr txBox="1"/>
-          <p:nvPr/>
-        </p:nvSpPr>
-        <p:spPr>
-          <a:xfrm>
-            <a:off x="861390" y="954157"/>
-            <a:ext cx="9727362" cy="707846"/>
-          </a:xfrm>
-          <a:prstGeom prst="rect">
-            <a:avLst/>
-          </a:prstGeom>
-          <a:noFill/>
-          <a:ln>
-            <a:noFill/>
-          </a:ln>
-        </p:spPr>
-        <p:txBody>
-          <a:bodyPr spcFirstLastPara="1" wrap="square" lIns="91425" tIns="45700" rIns="91425" bIns="45700" anchor="t" anchorCtr="0">
-            <a:spAutoFit/>
-          </a:bodyPr>
-          <a:lstStyle/>
-          <a:p>
-            <a:pPr marL="0" marR="0" lvl="0" indent="0" algn="l" rtl="0">
-              <a:lnSpc>
-                <a:spcPct val="100000"/>
-              </a:lnSpc>
-              <a:spcBef>
-                <a:spcPts val="0"/>
-              </a:spcBef>
-              <a:spcAft>
-                <a:spcPts val="0"/>
-              </a:spcAft>
-              <a:buClr>
-                <a:srgbClr val="000000"/>
-              </a:buClr>
-              <a:buSzPts val="4000"/>
-              <a:buFont typeface="Arial"/>
-              <a:buNone/>
-            </a:pPr>
-            <a:r>
-              <a:rPr lang="it-IT" sz="4000" b="1" i="0" u="none" strike="noStrike" cap="none" dirty="0" err="1">
-                <a:solidFill>
-                  <a:srgbClr val="002060"/>
-                </a:solidFill>
-                <a:latin typeface="Twentieth Century"/>
-                <a:ea typeface="Twentieth Century"/>
-                <a:cs typeface="Twentieth Century"/>
-                <a:sym typeface="Twentieth Century"/>
-              </a:rPr>
-              <a:t>Conclusions</a:t>
-            </a:r>
-            <a:r>
-              <a:rPr lang="it-IT" sz="4000" b="1" i="0" u="none" strike="noStrike" cap="none" dirty="0">
-                <a:solidFill>
-                  <a:srgbClr val="002060"/>
-                </a:solidFill>
-                <a:latin typeface="Twentieth Century"/>
-                <a:ea typeface="Twentieth Century"/>
-                <a:cs typeface="Twentieth Century"/>
-                <a:sym typeface="Twentieth Century"/>
-              </a:rPr>
-              <a:t> and future </a:t>
-            </a:r>
-            <a:r>
-              <a:rPr lang="it-IT" sz="4000" b="1" i="0" u="none" strike="noStrike" cap="none" dirty="0" err="1">
-                <a:solidFill>
-                  <a:srgbClr val="002060"/>
-                </a:solidFill>
-                <a:latin typeface="Twentieth Century"/>
-                <a:ea typeface="Twentieth Century"/>
-                <a:cs typeface="Twentieth Century"/>
-                <a:sym typeface="Twentieth Century"/>
-              </a:rPr>
-              <a:t>developments</a:t>
-            </a:r>
-            <a:r>
-              <a:rPr lang="it-IT" sz="4000" b="1" i="0" u="none" strike="noStrike" cap="none" dirty="0">
-                <a:solidFill>
-                  <a:srgbClr val="002060"/>
-                </a:solidFill>
-                <a:latin typeface="Twentieth Century"/>
-                <a:ea typeface="Twentieth Century"/>
-                <a:cs typeface="Twentieth Century"/>
-                <a:sym typeface="Twentieth Century"/>
-              </a:rPr>
-              <a:t> </a:t>
-            </a:r>
-            <a:endParaRPr sz="1400" b="0" i="0" u="none" strike="noStrike" cap="none" dirty="0">
-              <a:solidFill>
-                <a:srgbClr val="000000"/>
-              </a:solidFill>
-              <a:latin typeface="Arial"/>
-              <a:ea typeface="Arial"/>
-              <a:cs typeface="Arial"/>
-              <a:sym typeface="Arial"/>
-            </a:endParaRPr>
-          </a:p>
-        </p:txBody>
-      </p:sp>
-      <p:pic>
-        <p:nvPicPr>
-          <p:cNvPr id="6" name="Google Shape;98;p41">
-            <a:extLst>
-              <a:ext uri="{FF2B5EF4-FFF2-40B4-BE49-F238E27FC236}">
-                <a16:creationId xmlns:a16="http://schemas.microsoft.com/office/drawing/2014/main" id="{20E94E91-ED1F-41A2-950E-0FB8654CAE5D}"/>
-              </a:ext>
-            </a:extLst>
-          </p:cNvPr>
-          <p:cNvPicPr preferRelativeResize="0"/>
-          <p:nvPr/>
-        </p:nvPicPr>
-        <p:blipFill rotWithShape="1">
-          <a:blip r:embed="rId3">
-            <a:alphaModFix/>
-          </a:blip>
-          <a:srcRect/>
-          <a:stretch/>
-        </p:blipFill>
-        <p:spPr>
-          <a:xfrm>
-            <a:off x="11411712" y="302053"/>
-            <a:ext cx="540811" cy="652104"/>
-          </a:xfrm>
-          <a:prstGeom prst="rect">
-            <a:avLst/>
-          </a:prstGeom>
-          <a:noFill/>
-          <a:ln>
-            <a:noFill/>
-          </a:ln>
-        </p:spPr>
-      </p:pic>
-      <p:sp>
-        <p:nvSpPr>
-          <p:cNvPr id="8" name="Google Shape;138;p15">
-            <a:extLst>
-              <a:ext uri="{FF2B5EF4-FFF2-40B4-BE49-F238E27FC236}">
-                <a16:creationId xmlns:a16="http://schemas.microsoft.com/office/drawing/2014/main" id="{2E71AADD-A3E0-4859-8AF8-311BA86E550B}"/>
-              </a:ext>
-            </a:extLst>
-          </p:cNvPr>
-          <p:cNvSpPr txBox="1"/>
-          <p:nvPr/>
-        </p:nvSpPr>
-        <p:spPr>
-          <a:xfrm>
-            <a:off x="259796" y="2291731"/>
-            <a:ext cx="6102904" cy="2400627"/>
-          </a:xfrm>
-          <a:prstGeom prst="rect">
-            <a:avLst/>
-          </a:prstGeom>
-          <a:noFill/>
-          <a:ln>
-            <a:noFill/>
-          </a:ln>
-        </p:spPr>
-        <p:txBody>
-          <a:bodyPr spcFirstLastPara="1" wrap="square" lIns="91425" tIns="91425" rIns="91425" bIns="91425" anchor="t" anchorCtr="0">
-            <a:spAutoFit/>
-          </a:bodyPr>
-          <a:lstStyle/>
-          <a:p>
-            <a:pPr marL="342900" marR="0" lvl="0" indent="-342900" algn="l" rtl="0">
-              <a:lnSpc>
-                <a:spcPct val="100000"/>
-              </a:lnSpc>
-              <a:spcBef>
-                <a:spcPts val="0"/>
-              </a:spcBef>
-              <a:spcAft>
-                <a:spcPts val="0"/>
-              </a:spcAft>
-              <a:buClr>
-                <a:srgbClr val="000000"/>
-              </a:buClr>
-              <a:buSzPts val="2400"/>
-              <a:buFont typeface="Arial"/>
-              <a:buChar char="•"/>
-            </a:pPr>
-            <a:r>
-              <a:rPr lang="en-US" sz="2400" b="0" i="0" u="none" strike="noStrike" cap="none" dirty="0">
-                <a:solidFill>
-                  <a:srgbClr val="000000"/>
-                </a:solidFill>
-                <a:latin typeface="Twentieth Century"/>
-                <a:ea typeface="Twentieth Century"/>
-                <a:cs typeface="Twentieth Century"/>
-                <a:sym typeface="Twentieth Century"/>
-              </a:rPr>
-              <a:t>Thank to this project we made practice of Camunda into a real case provided by </a:t>
-            </a:r>
-            <a:r>
-              <a:rPr lang="en-US" sz="2400" b="0" i="0" u="none" strike="noStrike" cap="none" dirty="0" err="1">
-                <a:solidFill>
-                  <a:srgbClr val="000000"/>
-                </a:solidFill>
-                <a:latin typeface="Twentieth Century"/>
-                <a:ea typeface="Twentieth Century"/>
-                <a:cs typeface="Twentieth Century"/>
-                <a:sym typeface="Twentieth Century"/>
-              </a:rPr>
-              <a:t>Loccioni</a:t>
-            </a:r>
-            <a:r>
-              <a:rPr lang="en-US" sz="2400" b="0" i="0" u="none" strike="noStrike" cap="none" dirty="0">
-                <a:solidFill>
-                  <a:srgbClr val="000000"/>
-                </a:solidFill>
-                <a:latin typeface="Twentieth Century"/>
-                <a:ea typeface="Twentieth Century"/>
-                <a:cs typeface="Twentieth Century"/>
-                <a:sym typeface="Twentieth Century"/>
-              </a:rPr>
-              <a:t> group</a:t>
-            </a:r>
-          </a:p>
-          <a:p>
-            <a:pPr marL="342900" marR="0" lvl="0" indent="-342900" algn="l" rtl="0">
-              <a:lnSpc>
-                <a:spcPct val="100000"/>
-              </a:lnSpc>
-              <a:spcBef>
-                <a:spcPts val="0"/>
-              </a:spcBef>
-              <a:spcAft>
-                <a:spcPts val="0"/>
-              </a:spcAft>
-              <a:buClr>
-                <a:srgbClr val="000000"/>
-              </a:buClr>
-              <a:buSzPts val="2400"/>
-              <a:buFont typeface="Arial"/>
-              <a:buChar char="•"/>
-            </a:pPr>
-            <a:endParaRPr lang="en-US" sz="2400" b="0" i="0" u="none" strike="noStrike" cap="none" dirty="0">
-              <a:solidFill>
-                <a:srgbClr val="000000"/>
-              </a:solidFill>
-              <a:latin typeface="Twentieth Century"/>
-              <a:ea typeface="Twentieth Century"/>
-              <a:cs typeface="Twentieth Century"/>
-              <a:sym typeface="Twentieth Century"/>
-            </a:endParaRPr>
-          </a:p>
-          <a:p>
-            <a:pPr marL="342900" marR="0" lvl="0" indent="-342900" algn="l" rtl="0">
-              <a:lnSpc>
-                <a:spcPct val="100000"/>
-              </a:lnSpc>
-              <a:spcBef>
-                <a:spcPts val="0"/>
-              </a:spcBef>
-              <a:spcAft>
-                <a:spcPts val="0"/>
-              </a:spcAft>
-              <a:buClr>
-                <a:srgbClr val="000000"/>
-              </a:buClr>
-              <a:buSzPts val="2400"/>
-              <a:buFont typeface="Arial"/>
-              <a:buChar char="•"/>
-            </a:pPr>
-            <a:r>
-              <a:rPr lang="en-US" sz="2400" dirty="0">
-                <a:latin typeface="Twentieth Century"/>
-                <a:ea typeface="Twentieth Century"/>
-                <a:cs typeface="Twentieth Century"/>
-                <a:sym typeface="Twentieth Century"/>
-              </a:rPr>
-              <a:t>W</a:t>
-            </a:r>
-            <a:r>
-              <a:rPr lang="en-US" sz="2400" b="0" i="0" u="none" strike="noStrike" cap="none" dirty="0">
-                <a:solidFill>
-                  <a:srgbClr val="000000"/>
-                </a:solidFill>
-                <a:latin typeface="Twentieth Century"/>
-                <a:ea typeface="Twentieth Century"/>
-                <a:cs typeface="Twentieth Century"/>
-                <a:sym typeface="Twentieth Century"/>
-              </a:rPr>
-              <a:t>e made practice of BPMN modelling and implementations using Java.</a:t>
-            </a:r>
-          </a:p>
-        </p:txBody>
-      </p:sp>
-      <p:pic>
-        <p:nvPicPr>
-          <p:cNvPr id="9" name="Immagine 8">
-            <a:extLst>
-              <a:ext uri="{FF2B5EF4-FFF2-40B4-BE49-F238E27FC236}">
-                <a16:creationId xmlns:a16="http://schemas.microsoft.com/office/drawing/2014/main" id="{10DF52ED-DD83-8000-AC41-D201E83E5D87}"/>
-              </a:ext>
-            </a:extLst>
-          </p:cNvPr>
-          <p:cNvPicPr>
-            <a:picLocks noChangeAspect="1"/>
-          </p:cNvPicPr>
-          <p:nvPr/>
-        </p:nvPicPr>
-        <p:blipFill>
-          <a:blip r:embed="rId4"/>
-          <a:stretch>
-            <a:fillRect/>
-          </a:stretch>
-        </p:blipFill>
-        <p:spPr>
-          <a:xfrm>
-            <a:off x="8833612" y="2291731"/>
-            <a:ext cx="2578100" cy="2578100"/>
-          </a:xfrm>
-          <a:prstGeom prst="rect">
-            <a:avLst/>
-          </a:prstGeom>
-        </p:spPr>
-      </p:pic>
-    </p:spTree>
-    <p:extLst>
-      <p:ext uri="{BB962C8B-B14F-4D97-AF65-F5344CB8AC3E}">
-        <p14:creationId xmlns:p14="http://schemas.microsoft.com/office/powerpoint/2010/main" val="4184570533"/>
-      </p:ext>
-    </p:extLst>
-  </p:cSld>
-  <p:clrMapOvr>
-    <a:masterClrMapping/>
-  </p:clrMapOvr>
-</p:sld>
-</file>
-
-<file path=ppt/slides/slide9.xml><?xml version="1.0" encoding="utf-8"?>
-<p:sld xmlns:a="http://schemas.openxmlformats.org/drawingml/2006/main" xmlns:r="http://schemas.openxmlformats.org/officeDocument/2006/relationships" xmlns:p="http://schemas.openxmlformats.org/presentationml/2006/main">
-  <p:cSld>
-    <p:spTree>
-      <p:nvGrpSpPr>
-        <p:cNvPr id="1" name="Shape 355"/>
-        <p:cNvGrpSpPr/>
-        <p:nvPr/>
-      </p:nvGrpSpPr>
-      <p:grpSpPr>
-        <a:xfrm>
-          <a:off x="0" y="0"/>
-          <a:ext cx="0" cy="0"/>
-          <a:chOff x="0" y="0"/>
-          <a:chExt cx="0" cy="0"/>
-        </a:xfrm>
-      </p:grpSpPr>
-      <p:sp>
-        <p:nvSpPr>
-          <p:cNvPr id="357" name="Google Shape;357;p16"/>
-          <p:cNvSpPr/>
-          <p:nvPr/>
-        </p:nvSpPr>
-        <p:spPr>
-          <a:xfrm>
-            <a:off x="8060788" y="5078437"/>
-            <a:ext cx="1012874" cy="1350498"/>
-          </a:xfrm>
-          <a:prstGeom prst="rect">
-            <a:avLst/>
-          </a:prstGeom>
-          <a:solidFill>
-            <a:srgbClr val="F2F2F2"/>
-          </a:solidFill>
-          <a:ln w="15875" cap="flat" cmpd="sng">
-            <a:solidFill>
-              <a:srgbClr val="F2F2F2"/>
-            </a:solidFill>
-            <a:prstDash val="solid"/>
-            <a:round/>
-            <a:headEnd type="none" w="sm" len="sm"/>
-            <a:tailEnd type="none" w="sm" len="sm"/>
-          </a:ln>
-        </p:spPr>
-        <p:txBody>
-          <a:bodyPr spcFirstLastPara="1" wrap="square" lIns="91425" tIns="45700" rIns="91425" bIns="45700" anchor="ctr" anchorCtr="0">
-            <a:noAutofit/>
-          </a:bodyPr>
-          <a:lstStyle/>
-          <a:p>
-            <a:pPr marL="0" marR="0" lvl="0" indent="0" algn="ctr" rtl="0">
-              <a:lnSpc>
-                <a:spcPct val="100000"/>
-              </a:lnSpc>
-              <a:spcBef>
-                <a:spcPts val="0"/>
-              </a:spcBef>
-              <a:spcAft>
-                <a:spcPts val="0"/>
-              </a:spcAft>
-              <a:buClr>
-                <a:srgbClr val="000000"/>
-              </a:buClr>
-              <a:buSzPts val="1800"/>
-              <a:buFont typeface="Arial"/>
-              <a:buNone/>
-            </a:pPr>
-            <a:endParaRPr sz="1800" b="0" i="0" u="none" strike="noStrike" cap="none">
-              <a:solidFill>
-                <a:schemeClr val="lt1"/>
-              </a:solidFill>
-              <a:latin typeface="Twentieth Century"/>
-              <a:ea typeface="Twentieth Century"/>
-              <a:cs typeface="Twentieth Century"/>
-              <a:sym typeface="Twentieth Century"/>
-            </a:endParaRPr>
-          </a:p>
-        </p:txBody>
-      </p:sp>
-      <p:sp>
-        <p:nvSpPr>
-          <p:cNvPr id="358" name="Google Shape;358;p16"/>
-          <p:cNvSpPr txBox="1"/>
-          <p:nvPr/>
-        </p:nvSpPr>
-        <p:spPr>
-          <a:xfrm>
-            <a:off x="2510190" y="5399763"/>
-            <a:ext cx="7171620" cy="707846"/>
-          </a:xfrm>
-          <a:prstGeom prst="rect">
-            <a:avLst/>
-          </a:prstGeom>
-          <a:noFill/>
-          <a:ln>
-            <a:noFill/>
-          </a:ln>
-        </p:spPr>
-        <p:txBody>
-          <a:bodyPr spcFirstLastPara="1" wrap="square" lIns="91425" tIns="45700" rIns="91425" bIns="45700" anchor="t" anchorCtr="0">
-            <a:spAutoFit/>
-          </a:bodyPr>
-          <a:lstStyle/>
-          <a:p>
-            <a:pPr marL="0" marR="0" lvl="0" indent="0" algn="l" rtl="0">
-              <a:lnSpc>
-                <a:spcPct val="100000"/>
-              </a:lnSpc>
-              <a:spcBef>
-                <a:spcPts val="0"/>
-              </a:spcBef>
-              <a:spcAft>
-                <a:spcPts val="0"/>
-              </a:spcAft>
-              <a:buClr>
-                <a:srgbClr val="000000"/>
-              </a:buClr>
-              <a:buSzPts val="4000"/>
-              <a:buFont typeface="Arial"/>
-              <a:buNone/>
-            </a:pPr>
-            <a:r>
-              <a:rPr lang="it-IT" sz="4000" b="1" i="0" u="none" strike="noStrike" cap="none" dirty="0">
-                <a:solidFill>
-                  <a:srgbClr val="002060"/>
-                </a:solidFill>
-                <a:latin typeface="Twentieth Century"/>
-                <a:ea typeface="Twentieth Century"/>
-                <a:cs typeface="Twentieth Century"/>
-                <a:sym typeface="Twentieth Century"/>
-              </a:rPr>
-              <a:t>THANKS FOR </a:t>
-            </a:r>
-            <a:r>
-              <a:rPr lang="it-IT" sz="4000" b="1" dirty="0">
-                <a:solidFill>
-                  <a:srgbClr val="002060"/>
-                </a:solidFill>
-                <a:latin typeface="Twentieth Century"/>
-                <a:ea typeface="Twentieth Century"/>
-                <a:cs typeface="Twentieth Century"/>
-                <a:sym typeface="Twentieth Century"/>
-              </a:rPr>
-              <a:t>YOUR</a:t>
-            </a:r>
-            <a:r>
-              <a:rPr lang="it-IT" sz="4000" b="1" i="0" u="none" strike="noStrike" cap="none" dirty="0">
-                <a:solidFill>
-                  <a:srgbClr val="002060"/>
-                </a:solidFill>
-                <a:latin typeface="Twentieth Century"/>
-                <a:ea typeface="Twentieth Century"/>
-                <a:cs typeface="Twentieth Century"/>
-                <a:sym typeface="Twentieth Century"/>
-              </a:rPr>
-              <a:t> ATTENTION!</a:t>
-            </a:r>
-            <a:endParaRPr lang="it-IT" sz="2000" b="1" i="0" u="none" strike="noStrike" cap="none" dirty="0">
-              <a:solidFill>
-                <a:srgbClr val="002060"/>
-              </a:solidFill>
-              <a:latin typeface="Twentieth Century"/>
-              <a:ea typeface="Twentieth Century"/>
-              <a:cs typeface="Twentieth Century"/>
-              <a:sym typeface="Twentieth Century"/>
-            </a:endParaRPr>
-          </a:p>
-        </p:txBody>
-      </p:sp>
-      <p:pic>
-        <p:nvPicPr>
-          <p:cNvPr id="5" name="Google Shape;98;p41">
-            <a:extLst>
-              <a:ext uri="{FF2B5EF4-FFF2-40B4-BE49-F238E27FC236}">
-                <a16:creationId xmlns:a16="http://schemas.microsoft.com/office/drawing/2014/main" id="{693FD633-37D6-43F5-8526-F6D877CF4FF7}"/>
-              </a:ext>
-            </a:extLst>
-          </p:cNvPr>
-          <p:cNvPicPr preferRelativeResize="0"/>
-          <p:nvPr/>
-        </p:nvPicPr>
-        <p:blipFill rotWithShape="1">
-          <a:blip r:embed="rId3">
-            <a:alphaModFix/>
-          </a:blip>
-          <a:srcRect/>
-          <a:stretch/>
-        </p:blipFill>
-        <p:spPr>
-          <a:xfrm>
-            <a:off x="1725755" y="1316735"/>
-            <a:ext cx="1822117" cy="2112264"/>
-          </a:xfrm>
-          <a:prstGeom prst="rect">
-            <a:avLst/>
-          </a:prstGeom>
-          <a:noFill/>
-          <a:ln>
-            <a:noFill/>
-          </a:ln>
-        </p:spPr>
-      </p:pic>
-      <p:pic>
-        <p:nvPicPr>
-          <p:cNvPr id="7" name="Immagine 6">
-            <a:extLst>
-              <a:ext uri="{FF2B5EF4-FFF2-40B4-BE49-F238E27FC236}">
-                <a16:creationId xmlns:a16="http://schemas.microsoft.com/office/drawing/2014/main" id="{64BD1C1F-5081-B744-4010-D9CF06B25AA3}"/>
-              </a:ext>
-            </a:extLst>
-          </p:cNvPr>
-          <p:cNvPicPr>
-            <a:picLocks noChangeAspect="1"/>
-          </p:cNvPicPr>
-          <p:nvPr/>
-        </p:nvPicPr>
-        <p:blipFill>
-          <a:blip r:embed="rId4"/>
-          <a:srcRect/>
-          <a:stretch/>
-        </p:blipFill>
-        <p:spPr>
-          <a:xfrm>
-            <a:off x="5716095" y="1126093"/>
-            <a:ext cx="4750150" cy="2493547"/>
-          </a:xfrm>
-          <a:prstGeom prst="rect">
-            <a:avLst/>
-          </a:prstGeom>
-        </p:spPr>
-      </p:pic>
-    </p:spTree>
   </p:cSld>
   <p:clrMapOvr>
     <a:masterClrMapping/>
@@ -19488,18 +21404,18 @@
 </file>
 
 <file path=customXml/item1.xml><?xml version="1.0" encoding="utf-8"?>
+<p:properties xmlns:p="http://schemas.microsoft.com/office/2006/metadata/properties" xmlns:xsi="http://www.w3.org/2001/XMLSchema-instance" xmlns:pc="http://schemas.microsoft.com/office/infopath/2007/PartnerControls">
+  <documentManagement/>
+</p:properties>
+</file>
+
+<file path=customXml/item2.xml><?xml version="1.0" encoding="utf-8"?>
 <?mso-contentType ?>
 <FormTemplates xmlns="http://schemas.microsoft.com/sharepoint/v3/contenttype/forms">
   <Display>DocumentLibraryForm</Display>
   <Edit>DocumentLibraryForm</Edit>
   <New>DocumentLibraryForm</New>
 </FormTemplates>
-</file>
-
-<file path=customXml/item2.xml><?xml version="1.0" encoding="utf-8"?>
-<p:properties xmlns:p="http://schemas.microsoft.com/office/2006/metadata/properties" xmlns:xsi="http://www.w3.org/2001/XMLSchema-instance" xmlns:pc="http://schemas.microsoft.com/office/infopath/2007/PartnerControls">
-  <documentManagement/>
-</p:properties>
 </file>
 
 <file path=customXml/item3.xml><?xml version="1.0" encoding="utf-8"?>
@@ -19635,14 +21551,6 @@
 </file>
 
 <file path=customXml/itemProps1.xml><?xml version="1.0" encoding="utf-8"?>
-<ds:datastoreItem xmlns:ds="http://schemas.openxmlformats.org/officeDocument/2006/customXml" ds:itemID="{3705E2BE-8F2A-4080-850F-5EAC442C31F2}">
-  <ds:schemaRefs>
-    <ds:schemaRef ds:uri="http://schemas.microsoft.com/sharepoint/v3/contenttype/forms"/>
-  </ds:schemaRefs>
-</ds:datastoreItem>
-</file>
-
-<file path=customXml/itemProps2.xml><?xml version="1.0" encoding="utf-8"?>
 <ds:datastoreItem xmlns:ds="http://schemas.openxmlformats.org/officeDocument/2006/customXml" ds:itemID="{C4F30699-1E34-401C-8BAE-933763093A89}">
   <ds:schemaRefs>
     <ds:schemaRef ds:uri="http://schemas.microsoft.com/office/2006/documentManagement/types"/>
@@ -19654,6 +21562,14 @@
     <ds:schemaRef ds:uri="http://schemas.microsoft.com/office/infopath/2007/PartnerControls"/>
     <ds:schemaRef ds:uri="be1e2c9f-10b8-4a31-b2ae-e40360c80536"/>
     <ds:schemaRef ds:uri="http://schemas.microsoft.com/office/2006/metadata/properties"/>
+  </ds:schemaRefs>
+</ds:datastoreItem>
+</file>
+
+<file path=customXml/itemProps2.xml><?xml version="1.0" encoding="utf-8"?>
+<ds:datastoreItem xmlns:ds="http://schemas.openxmlformats.org/officeDocument/2006/customXml" ds:itemID="{3705E2BE-8F2A-4080-850F-5EAC442C31F2}">
+  <ds:schemaRefs>
+    <ds:schemaRef ds:uri="http://schemas.microsoft.com/sharepoint/v3/contenttype/forms"/>
   </ds:schemaRefs>
 </ds:datastoreItem>
 </file>

--- a/ESI_presentation.pptx
+++ b/ESI_presentation.pptx
@@ -268,7 +268,7 @@
       </p15:sldGuideLst>
     </p:ext>
     <p:ext uri="http://customooxmlschemas.google.com/">
-      <go:slidesCustomData xmlns="" xmlns:mc="http://schemas.openxmlformats.org/markup-compatibility/2006" xmlns:mv="urn:schemas-microsoft-com:mac:vml" xmlns:c="http://schemas.openxmlformats.org/drawingml/2006/chart" xmlns:dgm="http://schemas.openxmlformats.org/drawingml/2006/diagram" xmlns:o="urn:schemas-microsoft-com:office:office" xmlns:v="urn:schemas-microsoft-com:vml" xmlns:pvml="urn:schemas-microsoft-com:office:powerpoint" xmlns:com="http://schemas.openxmlformats.org/drawingml/2006/compatibility" xmlns:p14="http://schemas.microsoft.com/office/powerpoint/2010/main" xmlns:p15="http://schemas.microsoft.com/office/powerpoint/2012/main" xmlns:ahyp="http://schemas.microsoft.com/office/drawing/2018/hyperlinkcolor" xmlns:go="http://customooxmlschemas.google.com/" r:id="rId35" roundtripDataSignature="AMtx7mhny1AmHFXKoQABgh0uWA3Nnm8m9g=="/>
+      <go:slidesCustomData xmlns:go="http://customooxmlschemas.google.com/" xmlns:ahyp="http://schemas.microsoft.com/office/drawing/2018/hyperlinkcolor" xmlns:p15="http://schemas.microsoft.com/office/powerpoint/2012/main" xmlns:p14="http://schemas.microsoft.com/office/powerpoint/2010/main" xmlns:com="http://schemas.openxmlformats.org/drawingml/2006/compatibility" xmlns:pvml="urn:schemas-microsoft-com:office:powerpoint" xmlns:v="urn:schemas-microsoft-com:vml" xmlns:o="urn:schemas-microsoft-com:office:office" xmlns:dgm="http://schemas.openxmlformats.org/drawingml/2006/diagram" xmlns:c="http://schemas.openxmlformats.org/drawingml/2006/chart" xmlns:mv="urn:schemas-microsoft-com:mac:vml" xmlns:mc="http://schemas.openxmlformats.org/markup-compatibility/2006" xmlns="" r:id="rId35" roundtripDataSignature="AMtx7mhny1AmHFXKoQABgh0uWA3Nnm8m9g=="/>
     </p:ext>
   </p:extLst>
 </p:presentation>
@@ -17514,7 +17514,7 @@
                 <a:cs typeface="Twentieth Century"/>
                 <a:sym typeface="Twentieth Century"/>
               </a:rPr>
-              <a:t>BPMN Implementation of the Users Life Cycle process</a:t>
+              <a:t>BPMN IMPLEMENTATION OF THE USERS LIFE CYCLE PROCESS</a:t>
             </a:r>
           </a:p>
         </p:txBody>
@@ -19307,7 +19307,7 @@
               <a:rPr lang="en-US" sz="2400" b="1" dirty="0">
                 <a:latin typeface="Twentieth Century"/>
               </a:rPr>
-              <a:t>subscribe</a:t>
+              <a:t>subscribes</a:t>
             </a:r>
             <a:r>
               <a:rPr lang="en-US" sz="2400" dirty="0">
@@ -19663,7 +19663,7 @@
               <a:rPr lang="en-US" sz="2400" dirty="0">
                 <a:latin typeface="Twentieth Century"/>
               </a:rPr>
-              <a:t>Each message correlation had been implemented using a </a:t>
+              <a:t>Each message correlation has been implemented using a </a:t>
             </a:r>
             <a:r>
               <a:rPr lang="en-US" sz="2400" b="1" dirty="0">
@@ -21404,18 +21404,18 @@
 </file>
 
 <file path=customXml/item1.xml><?xml version="1.0" encoding="utf-8"?>
-<p:properties xmlns:p="http://schemas.microsoft.com/office/2006/metadata/properties" xmlns:xsi="http://www.w3.org/2001/XMLSchema-instance" xmlns:pc="http://schemas.microsoft.com/office/infopath/2007/PartnerControls">
-  <documentManagement/>
-</p:properties>
-</file>
-
-<file path=customXml/item2.xml><?xml version="1.0" encoding="utf-8"?>
 <?mso-contentType ?>
 <FormTemplates xmlns="http://schemas.microsoft.com/sharepoint/v3/contenttype/forms">
   <Display>DocumentLibraryForm</Display>
   <Edit>DocumentLibraryForm</Edit>
   <New>DocumentLibraryForm</New>
 </FormTemplates>
+</file>
+
+<file path=customXml/item2.xml><?xml version="1.0" encoding="utf-8"?>
+<p:properties xmlns:p="http://schemas.microsoft.com/office/2006/metadata/properties" xmlns:xsi="http://www.w3.org/2001/XMLSchema-instance" xmlns:pc="http://schemas.microsoft.com/office/infopath/2007/PartnerControls">
+  <documentManagement/>
+</p:properties>
 </file>
 
 <file path=customXml/item3.xml><?xml version="1.0" encoding="utf-8"?>
@@ -21551,25 +21551,25 @@
 </file>
 
 <file path=customXml/itemProps1.xml><?xml version="1.0" encoding="utf-8"?>
-<ds:datastoreItem xmlns:ds="http://schemas.openxmlformats.org/officeDocument/2006/customXml" ds:itemID="{C4F30699-1E34-401C-8BAE-933763093A89}">
+<ds:datastoreItem xmlns:ds="http://schemas.openxmlformats.org/officeDocument/2006/customXml" ds:itemID="{3705E2BE-8F2A-4080-850F-5EAC442C31F2}">
   <ds:schemaRefs>
-    <ds:schemaRef ds:uri="http://schemas.microsoft.com/office/2006/documentManagement/types"/>
-    <ds:schemaRef ds:uri="http://purl.org/dc/elements/1.1/"/>
-    <ds:schemaRef ds:uri="http://schemas.openxmlformats.org/package/2006/metadata/core-properties"/>
-    <ds:schemaRef ds:uri="http://www.w3.org/XML/1998/namespace"/>
-    <ds:schemaRef ds:uri="http://purl.org/dc/terms/"/>
-    <ds:schemaRef ds:uri="http://purl.org/dc/dcmitype/"/>
-    <ds:schemaRef ds:uri="http://schemas.microsoft.com/office/infopath/2007/PartnerControls"/>
-    <ds:schemaRef ds:uri="be1e2c9f-10b8-4a31-b2ae-e40360c80536"/>
-    <ds:schemaRef ds:uri="http://schemas.microsoft.com/office/2006/metadata/properties"/>
+    <ds:schemaRef ds:uri="http://schemas.microsoft.com/sharepoint/v3/contenttype/forms"/>
   </ds:schemaRefs>
 </ds:datastoreItem>
 </file>
 
 <file path=customXml/itemProps2.xml><?xml version="1.0" encoding="utf-8"?>
-<ds:datastoreItem xmlns:ds="http://schemas.openxmlformats.org/officeDocument/2006/customXml" ds:itemID="{3705E2BE-8F2A-4080-850F-5EAC442C31F2}">
+<ds:datastoreItem xmlns:ds="http://schemas.openxmlformats.org/officeDocument/2006/customXml" ds:itemID="{C4F30699-1E34-401C-8BAE-933763093A89}">
   <ds:schemaRefs>
-    <ds:schemaRef ds:uri="http://schemas.microsoft.com/sharepoint/v3/contenttype/forms"/>
+    <ds:schemaRef ds:uri="http://purl.org/dc/terms/"/>
+    <ds:schemaRef ds:uri="http://purl.org/dc/elements/1.1/"/>
+    <ds:schemaRef ds:uri="http://schemas.microsoft.com/office/2006/documentManagement/types"/>
+    <ds:schemaRef ds:uri="http://schemas.microsoft.com/office/2006/metadata/properties"/>
+    <ds:schemaRef ds:uri="http://schemas.microsoft.com/office/infopath/2007/PartnerControls"/>
+    <ds:schemaRef ds:uri="http://schemas.openxmlformats.org/package/2006/metadata/core-properties"/>
+    <ds:schemaRef ds:uri="be1e2c9f-10b8-4a31-b2ae-e40360c80536"/>
+    <ds:schemaRef ds:uri="http://www.w3.org/XML/1998/namespace"/>
+    <ds:schemaRef ds:uri="http://purl.org/dc/dcmitype/"/>
   </ds:schemaRefs>
 </ds:datastoreItem>
 </file>

--- a/ESI_presentation.pptx
+++ b/ESI_presentation.pptx
@@ -268,7 +268,7 @@
       </p15:sldGuideLst>
     </p:ext>
     <p:ext uri="http://customooxmlschemas.google.com/">
-      <go:slidesCustomData xmlns:go="http://customooxmlschemas.google.com/" xmlns:ahyp="http://schemas.microsoft.com/office/drawing/2018/hyperlinkcolor" xmlns:p15="http://schemas.microsoft.com/office/powerpoint/2012/main" xmlns:p14="http://schemas.microsoft.com/office/powerpoint/2010/main" xmlns:com="http://schemas.openxmlformats.org/drawingml/2006/compatibility" xmlns:pvml="urn:schemas-microsoft-com:office:powerpoint" xmlns:v="urn:schemas-microsoft-com:vml" xmlns:o="urn:schemas-microsoft-com:office:office" xmlns:dgm="http://schemas.openxmlformats.org/drawingml/2006/diagram" xmlns:c="http://schemas.openxmlformats.org/drawingml/2006/chart" xmlns:mv="urn:schemas-microsoft-com:mac:vml" xmlns:mc="http://schemas.openxmlformats.org/markup-compatibility/2006" xmlns="" r:id="rId35" roundtripDataSignature="AMtx7mhny1AmHFXKoQABgh0uWA3Nnm8m9g=="/>
+      <go:slidesCustomData xmlns="" xmlns:mc="http://schemas.openxmlformats.org/markup-compatibility/2006" xmlns:mv="urn:schemas-microsoft-com:mac:vml" xmlns:c="http://schemas.openxmlformats.org/drawingml/2006/chart" xmlns:dgm="http://schemas.openxmlformats.org/drawingml/2006/diagram" xmlns:o="urn:schemas-microsoft-com:office:office" xmlns:v="urn:schemas-microsoft-com:vml" xmlns:pvml="urn:schemas-microsoft-com:office:powerpoint" xmlns:com="http://schemas.openxmlformats.org/drawingml/2006/compatibility" xmlns:p14="http://schemas.microsoft.com/office/powerpoint/2010/main" xmlns:p15="http://schemas.microsoft.com/office/powerpoint/2012/main" xmlns:ahyp="http://schemas.microsoft.com/office/drawing/2018/hyperlinkcolor" xmlns:go="http://customooxmlschemas.google.com/" r:id="rId35" roundtripDataSignature="AMtx7mhny1AmHFXKoQABgh0uWA3Nnm8m9g=="/>
     </p:ext>
   </p:extLst>
 </p:presentation>
@@ -18804,7 +18804,7 @@
         <p:spPr>
           <a:xfrm>
             <a:off x="259796" y="2291731"/>
-            <a:ext cx="7530892" cy="3877954"/>
+            <a:ext cx="6076996" cy="3877954"/>
           </a:xfrm>
           <a:prstGeom prst="rect">
             <a:avLst/>
@@ -18852,19 +18852,7 @@
               <a:rPr lang="en-US" sz="2400" dirty="0">
                 <a:latin typeface="Twentieth Century"/>
               </a:rPr>
-              <a:t> Engine in the enterprise to </a:t>
-            </a:r>
-            <a:r>
-              <a:rPr lang="en-US" sz="2400" b="1" dirty="0">
-                <a:latin typeface="Twentieth Century"/>
-              </a:rPr>
-              <a:t>carry on </a:t>
-            </a:r>
-            <a:r>
-              <a:rPr lang="en-US" sz="2400" dirty="0">
-                <a:latin typeface="Twentieth Century"/>
-              </a:rPr>
-              <a:t>and track most of the repetitive </a:t>
+              <a:t> Engine in the enterprise to carry on and track most of the repetitive </a:t>
             </a:r>
             <a:r>
               <a:rPr lang="en-US" sz="2400" b="1" dirty="0">
@@ -18958,30 +18946,6 @@
             <a:endParaRPr lang="en-US" sz="2400" dirty="0">
               <a:latin typeface="Twentieth Century"/>
             </a:endParaRPr>
-          </a:p>
-          <a:p>
-            <a:pPr marL="342900" indent="-342900">
-              <a:buFont typeface="Arial" panose="020B0604020202020204" pitchFamily="34" charset="0"/>
-              <a:buChar char="•"/>
-            </a:pPr>
-            <a:r>
-              <a:rPr lang="en-US" sz="2400" dirty="0">
-                <a:latin typeface="Twentieth Century"/>
-              </a:rPr>
-              <a:t>Propose some </a:t>
-            </a:r>
-            <a:r>
-              <a:rPr lang="en-US" sz="2400" b="1" dirty="0">
-                <a:latin typeface="Twentieth Century"/>
-              </a:rPr>
-              <a:t>optimizations</a:t>
-            </a:r>
-            <a:r>
-              <a:rPr lang="en-US" sz="2400" dirty="0">
-                <a:latin typeface="Twentieth Century"/>
-              </a:rPr>
-              <a:t>, replacing some Manual Task converted into Service Tasks.</a:t>
-            </a:r>
           </a:p>
         </p:txBody>
       </p:sp>
@@ -21404,18 +21368,18 @@
 </file>
 
 <file path=customXml/item1.xml><?xml version="1.0" encoding="utf-8"?>
+<p:properties xmlns:p="http://schemas.microsoft.com/office/2006/metadata/properties" xmlns:xsi="http://www.w3.org/2001/XMLSchema-instance" xmlns:pc="http://schemas.microsoft.com/office/infopath/2007/PartnerControls">
+  <documentManagement/>
+</p:properties>
+</file>
+
+<file path=customXml/item2.xml><?xml version="1.0" encoding="utf-8"?>
 <?mso-contentType ?>
 <FormTemplates xmlns="http://schemas.microsoft.com/sharepoint/v3/contenttype/forms">
   <Display>DocumentLibraryForm</Display>
   <Edit>DocumentLibraryForm</Edit>
   <New>DocumentLibraryForm</New>
 </FormTemplates>
-</file>
-
-<file path=customXml/item2.xml><?xml version="1.0" encoding="utf-8"?>
-<p:properties xmlns:p="http://schemas.microsoft.com/office/2006/metadata/properties" xmlns:xsi="http://www.w3.org/2001/XMLSchema-instance" xmlns:pc="http://schemas.microsoft.com/office/infopath/2007/PartnerControls">
-  <documentManagement/>
-</p:properties>
 </file>
 
 <file path=customXml/item3.xml><?xml version="1.0" encoding="utf-8"?>
@@ -21551,14 +21515,6 @@
 </file>
 
 <file path=customXml/itemProps1.xml><?xml version="1.0" encoding="utf-8"?>
-<ds:datastoreItem xmlns:ds="http://schemas.openxmlformats.org/officeDocument/2006/customXml" ds:itemID="{3705E2BE-8F2A-4080-850F-5EAC442C31F2}">
-  <ds:schemaRefs>
-    <ds:schemaRef ds:uri="http://schemas.microsoft.com/sharepoint/v3/contenttype/forms"/>
-  </ds:schemaRefs>
-</ds:datastoreItem>
-</file>
-
-<file path=customXml/itemProps2.xml><?xml version="1.0" encoding="utf-8"?>
 <ds:datastoreItem xmlns:ds="http://schemas.openxmlformats.org/officeDocument/2006/customXml" ds:itemID="{C4F30699-1E34-401C-8BAE-933763093A89}">
   <ds:schemaRefs>
     <ds:schemaRef ds:uri="http://purl.org/dc/terms/"/>
@@ -21570,6 +21526,14 @@
     <ds:schemaRef ds:uri="be1e2c9f-10b8-4a31-b2ae-e40360c80536"/>
     <ds:schemaRef ds:uri="http://www.w3.org/XML/1998/namespace"/>
     <ds:schemaRef ds:uri="http://purl.org/dc/dcmitype/"/>
+  </ds:schemaRefs>
+</ds:datastoreItem>
+</file>
+
+<file path=customXml/itemProps2.xml><?xml version="1.0" encoding="utf-8"?>
+<ds:datastoreItem xmlns:ds="http://schemas.openxmlformats.org/officeDocument/2006/customXml" ds:itemID="{3705E2BE-8F2A-4080-850F-5EAC442C31F2}">
+  <ds:schemaRefs>
+    <ds:schemaRef ds:uri="http://schemas.microsoft.com/sharepoint/v3/contenttype/forms"/>
   </ds:schemaRefs>
 </ds:datastoreItem>
 </file>

--- a/ESI_presentation.pptx
+++ b/ESI_presentation.pptx
@@ -268,7 +268,7 @@
       </p15:sldGuideLst>
     </p:ext>
     <p:ext uri="http://customooxmlschemas.google.com/">
-      <go:slidesCustomData xmlns="" xmlns:mc="http://schemas.openxmlformats.org/markup-compatibility/2006" xmlns:mv="urn:schemas-microsoft-com:mac:vml" xmlns:c="http://schemas.openxmlformats.org/drawingml/2006/chart" xmlns:dgm="http://schemas.openxmlformats.org/drawingml/2006/diagram" xmlns:o="urn:schemas-microsoft-com:office:office" xmlns:v="urn:schemas-microsoft-com:vml" xmlns:pvml="urn:schemas-microsoft-com:office:powerpoint" xmlns:com="http://schemas.openxmlformats.org/drawingml/2006/compatibility" xmlns:p14="http://schemas.microsoft.com/office/powerpoint/2010/main" xmlns:p15="http://schemas.microsoft.com/office/powerpoint/2012/main" xmlns:ahyp="http://schemas.microsoft.com/office/drawing/2018/hyperlinkcolor" xmlns:go="http://customooxmlschemas.google.com/" r:id="rId35" roundtripDataSignature="AMtx7mhny1AmHFXKoQABgh0uWA3Nnm8m9g=="/>
+      <go:slidesCustomData xmlns:go="http://customooxmlschemas.google.com/" xmlns:ahyp="http://schemas.microsoft.com/office/drawing/2018/hyperlinkcolor" xmlns:p15="http://schemas.microsoft.com/office/powerpoint/2012/main" xmlns:p14="http://schemas.microsoft.com/office/powerpoint/2010/main" xmlns:com="http://schemas.openxmlformats.org/drawingml/2006/compatibility" xmlns:pvml="urn:schemas-microsoft-com:office:powerpoint" xmlns:v="urn:schemas-microsoft-com:vml" xmlns:o="urn:schemas-microsoft-com:office:office" xmlns:dgm="http://schemas.openxmlformats.org/drawingml/2006/diagram" xmlns:c="http://schemas.openxmlformats.org/drawingml/2006/chart" xmlns:mv="urn:schemas-microsoft-com:mac:vml" xmlns:mc="http://schemas.openxmlformats.org/markup-compatibility/2006" xmlns="" r:id="rId35" roundtripDataSignature="AMtx7mhny1AmHFXKoQABgh0uWA3Nnm8m9g=="/>
     </p:ext>
   </p:extLst>
 </p:presentation>
@@ -18852,7 +18852,31 @@
               <a:rPr lang="en-US" sz="2400" dirty="0">
                 <a:latin typeface="Twentieth Century"/>
               </a:rPr>
-              <a:t> Engine in the enterprise to carry on and track most of the repetitive </a:t>
+              <a:t> Engine in the enterprise to </a:t>
+            </a:r>
+            <a:r>
+              <a:rPr lang="en-US" sz="2400" b="1" dirty="0">
+                <a:latin typeface="Twentieth Century"/>
+              </a:rPr>
+              <a:t>carry on</a:t>
+            </a:r>
+            <a:r>
+              <a:rPr lang="en-US" sz="2400" dirty="0">
+                <a:latin typeface="Twentieth Century"/>
+              </a:rPr>
+              <a:t> and </a:t>
+            </a:r>
+            <a:r>
+              <a:rPr lang="en-US" sz="2400" b="1" dirty="0">
+                <a:latin typeface="Twentieth Century"/>
+              </a:rPr>
+              <a:t>track</a:t>
+            </a:r>
+            <a:r>
+              <a:rPr lang="en-US" sz="2400" dirty="0">
+                <a:latin typeface="Twentieth Century"/>
+              </a:rPr>
+              <a:t> most of the repetitive </a:t>
             </a:r>
             <a:r>
               <a:rPr lang="en-US" sz="2400" b="1" dirty="0">
@@ -21368,18 +21392,18 @@
 </file>
 
 <file path=customXml/item1.xml><?xml version="1.0" encoding="utf-8"?>
-<p:properties xmlns:p="http://schemas.microsoft.com/office/2006/metadata/properties" xmlns:xsi="http://www.w3.org/2001/XMLSchema-instance" xmlns:pc="http://schemas.microsoft.com/office/infopath/2007/PartnerControls">
-  <documentManagement/>
-</p:properties>
-</file>
-
-<file path=customXml/item2.xml><?xml version="1.0" encoding="utf-8"?>
 <?mso-contentType ?>
 <FormTemplates xmlns="http://schemas.microsoft.com/sharepoint/v3/contenttype/forms">
   <Display>DocumentLibraryForm</Display>
   <Edit>DocumentLibraryForm</Edit>
   <New>DocumentLibraryForm</New>
 </FormTemplates>
+</file>
+
+<file path=customXml/item2.xml><?xml version="1.0" encoding="utf-8"?>
+<p:properties xmlns:p="http://schemas.microsoft.com/office/2006/metadata/properties" xmlns:xsi="http://www.w3.org/2001/XMLSchema-instance" xmlns:pc="http://schemas.microsoft.com/office/infopath/2007/PartnerControls">
+  <documentManagement/>
+</p:properties>
 </file>
 
 <file path=customXml/item3.xml><?xml version="1.0" encoding="utf-8"?>
@@ -21515,6 +21539,14 @@
 </file>
 
 <file path=customXml/itemProps1.xml><?xml version="1.0" encoding="utf-8"?>
+<ds:datastoreItem xmlns:ds="http://schemas.openxmlformats.org/officeDocument/2006/customXml" ds:itemID="{3705E2BE-8F2A-4080-850F-5EAC442C31F2}">
+  <ds:schemaRefs>
+    <ds:schemaRef ds:uri="http://schemas.microsoft.com/sharepoint/v3/contenttype/forms"/>
+  </ds:schemaRefs>
+</ds:datastoreItem>
+</file>
+
+<file path=customXml/itemProps2.xml><?xml version="1.0" encoding="utf-8"?>
 <ds:datastoreItem xmlns:ds="http://schemas.openxmlformats.org/officeDocument/2006/customXml" ds:itemID="{C4F30699-1E34-401C-8BAE-933763093A89}">
   <ds:schemaRefs>
     <ds:schemaRef ds:uri="http://purl.org/dc/terms/"/>
@@ -21526,14 +21558,6 @@
     <ds:schemaRef ds:uri="be1e2c9f-10b8-4a31-b2ae-e40360c80536"/>
     <ds:schemaRef ds:uri="http://www.w3.org/XML/1998/namespace"/>
     <ds:schemaRef ds:uri="http://purl.org/dc/dcmitype/"/>
-  </ds:schemaRefs>
-</ds:datastoreItem>
-</file>
-
-<file path=customXml/itemProps2.xml><?xml version="1.0" encoding="utf-8"?>
-<ds:datastoreItem xmlns:ds="http://schemas.openxmlformats.org/officeDocument/2006/customXml" ds:itemID="{3705E2BE-8F2A-4080-850F-5EAC442C31F2}">
-  <ds:schemaRefs>
-    <ds:schemaRef ds:uri="http://schemas.microsoft.com/sharepoint/v3/contenttype/forms"/>
   </ds:schemaRefs>
 </ds:datastoreItem>
 </file>

--- a/ESI_presentation.pptx
+++ b/ESI_presentation.pptx
@@ -11,7 +11,7 @@
     <p:sldId id="256" r:id="rId5"/>
     <p:sldId id="285" r:id="rId6"/>
     <p:sldId id="307" r:id="rId7"/>
-    <p:sldId id="308" r:id="rId8"/>
+    <p:sldId id="309" r:id="rId8"/>
     <p:sldId id="306" r:id="rId9"/>
     <p:sldId id="300" r:id="rId10"/>
     <p:sldId id="302" r:id="rId11"/>
@@ -268,7 +268,7 @@
       </p15:sldGuideLst>
     </p:ext>
     <p:ext uri="http://customooxmlschemas.google.com/">
-      <go:slidesCustomData xmlns:go="http://customooxmlschemas.google.com/" xmlns:ahyp="http://schemas.microsoft.com/office/drawing/2018/hyperlinkcolor" xmlns:p15="http://schemas.microsoft.com/office/powerpoint/2012/main" xmlns:p14="http://schemas.microsoft.com/office/powerpoint/2010/main" xmlns:com="http://schemas.openxmlformats.org/drawingml/2006/compatibility" xmlns:pvml="urn:schemas-microsoft-com:office:powerpoint" xmlns:v="urn:schemas-microsoft-com:vml" xmlns:o="urn:schemas-microsoft-com:office:office" xmlns:dgm="http://schemas.openxmlformats.org/drawingml/2006/diagram" xmlns:c="http://schemas.openxmlformats.org/drawingml/2006/chart" xmlns:mv="urn:schemas-microsoft-com:mac:vml" xmlns:mc="http://schemas.openxmlformats.org/markup-compatibility/2006" xmlns="" r:id="rId35" roundtripDataSignature="AMtx7mhny1AmHFXKoQABgh0uWA3Nnm8m9g=="/>
+      <go:slidesCustomData xmlns="" xmlns:mc="http://schemas.openxmlformats.org/markup-compatibility/2006" xmlns:mv="urn:schemas-microsoft-com:mac:vml" xmlns:c="http://schemas.openxmlformats.org/drawingml/2006/chart" xmlns:dgm="http://schemas.openxmlformats.org/drawingml/2006/diagram" xmlns:o="urn:schemas-microsoft-com:office:office" xmlns:v="urn:schemas-microsoft-com:vml" xmlns:pvml="urn:schemas-microsoft-com:office:powerpoint" xmlns:com="http://schemas.openxmlformats.org/drawingml/2006/compatibility" xmlns:p14="http://schemas.microsoft.com/office/powerpoint/2010/main" xmlns:p15="http://schemas.microsoft.com/office/powerpoint/2012/main" xmlns:ahyp="http://schemas.microsoft.com/office/drawing/2018/hyperlinkcolor" xmlns:go="http://customooxmlschemas.google.com/" r:id="rId35" roundtripDataSignature="AMtx7mhny1AmHFXKoQABgh0uWA3Nnm8m9g=="/>
     </p:ext>
   </p:extLst>
 </p:presentation>
@@ -2969,7 +2969,7 @@
     </p:spTree>
     <p:extLst>
       <p:ext uri="{BB962C8B-B14F-4D97-AF65-F5344CB8AC3E}">
-        <p14:creationId xmlns:p14="http://schemas.microsoft.com/office/powerpoint/2010/main" val="1020911421"/>
+        <p14:creationId xmlns:p14="http://schemas.microsoft.com/office/powerpoint/2010/main" val="1424951127"/>
       </p:ext>
     </p:extLst>
   </p:cSld>
@@ -18350,10 +18350,10 @@
       </p:pic>
       <p:pic>
         <p:nvPicPr>
-          <p:cNvPr id="3" name="Immagine 2">
+          <p:cNvPr id="9" name="Immagine 8">
             <a:extLst>
               <a:ext uri="{FF2B5EF4-FFF2-40B4-BE49-F238E27FC236}">
-                <a16:creationId xmlns:a16="http://schemas.microsoft.com/office/drawing/2014/main" id="{09396DD5-DA81-6DBA-223E-673BA9FB224C}"/>
+                <a16:creationId xmlns:a16="http://schemas.microsoft.com/office/drawing/2014/main" id="{A2D653E1-88F0-1A9C-2551-A9091D643CF3}"/>
               </a:ext>
             </a:extLst>
           </p:cNvPr>
@@ -18370,7 +18370,7 @@
         </p:blipFill>
         <p:spPr>
           <a:xfrm>
-            <a:off x="9314688" y="3182196"/>
+            <a:off x="9585093" y="2883531"/>
             <a:ext cx="2097024" cy="2097024"/>
           </a:xfrm>
           <a:prstGeom prst="rect">
@@ -18804,7 +18804,7 @@
         <p:spPr>
           <a:xfrm>
             <a:off x="259796" y="2291731"/>
-            <a:ext cx="6076996" cy="3877954"/>
+            <a:ext cx="6753652" cy="3508623"/>
           </a:xfrm>
           <a:prstGeom prst="rect">
             <a:avLst/>
@@ -18975,10 +18975,10 @@
       </p:sp>
       <p:pic>
         <p:nvPicPr>
-          <p:cNvPr id="10" name="Immagine 9">
+          <p:cNvPr id="8" name="Immagine 7">
             <a:extLst>
               <a:ext uri="{FF2B5EF4-FFF2-40B4-BE49-F238E27FC236}">
-                <a16:creationId xmlns:a16="http://schemas.microsoft.com/office/drawing/2014/main" id="{A15BC90A-F7B5-ACC7-BB4D-A1F08B5187F6}"/>
+                <a16:creationId xmlns:a16="http://schemas.microsoft.com/office/drawing/2014/main" id="{D832B425-2FCF-EA31-EDAF-B4188A090C43}"/>
               </a:ext>
             </a:extLst>
           </p:cNvPr>
@@ -18995,7 +18995,7 @@
         </p:blipFill>
         <p:spPr>
           <a:xfrm>
-            <a:off x="9284208" y="2953596"/>
+            <a:off x="9585093" y="2883531"/>
             <a:ext cx="2097024" cy="2097024"/>
           </a:xfrm>
           <a:prstGeom prst="rect">
@@ -19202,7 +19202,7 @@
         <p:spPr>
           <a:xfrm>
             <a:off x="259796" y="2291731"/>
-            <a:ext cx="8170972" cy="3877954"/>
+            <a:ext cx="8710468" cy="4616618"/>
           </a:xfrm>
           <a:prstGeom prst="rect">
             <a:avLst/>
@@ -19223,28 +19223,58 @@
               <a:buChar char="•"/>
             </a:pPr>
             <a:r>
+              <a:rPr lang="en-US" sz="2400" dirty="0">
+                <a:latin typeface="Twentieth Century"/>
+              </a:rPr>
+              <a:t>Each model is a </a:t>
+            </a:r>
+            <a:r>
               <a:rPr lang="en-US" sz="2400" b="1" dirty="0">
                 <a:latin typeface="Twentieth Century"/>
               </a:rPr>
-              <a:t>Service task </a:t>
+              <a:t>maven project</a:t>
             </a:r>
             <a:r>
               <a:rPr lang="en-US" sz="2400" dirty="0">
                 <a:latin typeface="Twentieth Century"/>
               </a:rPr>
-              <a:t>has been implemented as external task; we used a </a:t>
+              <a:t>, it has been generating by Maven </a:t>
             </a:r>
             <a:r>
               <a:rPr lang="en-US" sz="2400" b="1" dirty="0">
                 <a:latin typeface="Twentieth Century"/>
               </a:rPr>
-              <a:t>mock code </a:t>
+              <a:t>archetype</a:t>
             </a:r>
             <a:r>
               <a:rPr lang="en-US" sz="2400" dirty="0">
                 <a:latin typeface="Twentieth Century"/>
               </a:rPr>
-              <a:t>to simulate the token flow inside the model.</a:t>
+              <a:t>, each class implement the java </a:t>
+            </a:r>
+            <a:r>
+              <a:rPr lang="en-US" sz="2400" b="1" dirty="0">
+                <a:latin typeface="Twentieth Century"/>
+              </a:rPr>
+              <a:t>interface</a:t>
+            </a:r>
+            <a:r>
+              <a:rPr lang="en-US" sz="2400" dirty="0">
+                <a:latin typeface="Twentieth Century"/>
+              </a:rPr>
+              <a:t> </a:t>
+            </a:r>
+            <a:r>
+              <a:rPr lang="en-US" sz="2400" i="1" dirty="0" err="1">
+                <a:latin typeface="Twentieth Century"/>
+              </a:rPr>
+              <a:t>JavaDelegate</a:t>
+            </a:r>
+            <a:r>
+              <a:rPr lang="en-US" sz="2400" dirty="0">
+                <a:latin typeface="Twentieth Century"/>
+              </a:rPr>
+              <a:t>.</a:t>
             </a:r>
           </a:p>
           <a:p>
@@ -19262,62 +19292,36 @@
               <a:buChar char="•"/>
             </a:pPr>
             <a:r>
+              <a:rPr lang="en-US" sz="2400" b="1" dirty="0">
+                <a:latin typeface="Twentieth Century"/>
+              </a:rPr>
+              <a:t>Message correlation </a:t>
+            </a:r>
+            <a:r>
               <a:rPr lang="en-US" sz="2400" dirty="0">
                 <a:latin typeface="Twentieth Century"/>
               </a:rPr>
-              <a:t>Each task </a:t>
+              <a:t>has been implemented using </a:t>
             </a:r>
             <a:r>
               <a:rPr lang="en-US" sz="2400" b="1" dirty="0">
                 <a:latin typeface="Twentieth Century"/>
               </a:rPr>
-              <a:t>prints a message into the log</a:t>
+              <a:t>Java class </a:t>
             </a:r>
             <a:r>
               <a:rPr lang="en-US" sz="2400" dirty="0">
                 <a:latin typeface="Twentieth Century"/>
               </a:rPr>
-              <a:t>, if it is necessary, it prints the value of the needed variables to verify that </a:t>
-            </a:r>
-            <a:r>
-              <a:rPr lang="en-US" sz="2400" b="1" dirty="0">
-                <a:latin typeface="Twentieth Century"/>
-              </a:rPr>
-              <a:t>message correlation </a:t>
-            </a:r>
-            <a:r>
-              <a:rPr lang="en-US" sz="2400" dirty="0">
-                <a:latin typeface="Twentieth Century"/>
-              </a:rPr>
-              <a:t>works properly; each client </a:t>
-            </a:r>
-            <a:r>
-              <a:rPr lang="en-US" sz="2400" b="1" dirty="0">
-                <a:latin typeface="Twentieth Century"/>
-              </a:rPr>
-              <a:t>subscribes</a:t>
-            </a:r>
-            <a:r>
-              <a:rPr lang="en-US" sz="2400" dirty="0">
-                <a:latin typeface="Twentieth Century"/>
-              </a:rPr>
-              <a:t> a specific </a:t>
-            </a:r>
-            <a:r>
-              <a:rPr lang="en-US" sz="2400" b="1" dirty="0">
-                <a:latin typeface="Twentieth Century"/>
-              </a:rPr>
-              <a:t>topic</a:t>
-            </a:r>
-            <a:r>
-              <a:rPr lang="en-US" sz="2400" dirty="0">
-                <a:latin typeface="Twentieth Century"/>
-              </a:rPr>
-              <a:t>.</a:t>
+              <a:t>inside the model.</a:t>
             </a:r>
           </a:p>
           <a:p>
-            <a:endParaRPr lang="en-US" sz="2400" dirty="0">
+            <a:pPr marL="342900" indent="-342900">
+              <a:buFont typeface="Arial" panose="020B0604020202020204" pitchFamily="34" charset="0"/>
+              <a:buChar char="•"/>
+            </a:pPr>
+            <a:endParaRPr lang="en-US" sz="2400" b="1" dirty="0">
               <a:latin typeface="Twentieth Century"/>
             </a:endParaRPr>
           </a:p>
@@ -19330,31 +19334,118 @@
               <a:rPr lang="en-US" sz="2400" dirty="0">
                 <a:latin typeface="Twentieth Century"/>
               </a:rPr>
-              <a:t>In the future it will be possible </a:t>
+              <a:t>Each</a:t>
             </a:r>
             <a:r>
               <a:rPr lang="en-US" sz="2400" b="1" dirty="0">
                 <a:latin typeface="Twentieth Century"/>
               </a:rPr>
-              <a:t>replace</a:t>
+              <a:t> </a:t>
             </a:r>
             <a:r>
               <a:rPr lang="en-US" sz="2400" dirty="0">
                 <a:latin typeface="Twentieth Century"/>
               </a:rPr>
-              <a:t> each implementation with </a:t>
+              <a:t>message correlation has been implemented using a</a:t>
             </a:r>
             <a:r>
               <a:rPr lang="en-US" sz="2400" b="1" dirty="0">
                 <a:latin typeface="Twentieth Century"/>
               </a:rPr>
-              <a:t>real implementation </a:t>
+              <a:t> </a:t>
             </a:r>
             <a:r>
               <a:rPr lang="en-US" sz="2400" dirty="0">
                 <a:latin typeface="Twentieth Century"/>
               </a:rPr>
-              <a:t>of the service.</a:t>
+              <a:t>different</a:t>
+            </a:r>
+            <a:r>
+              <a:rPr lang="en-US" sz="2400" b="1" dirty="0">
+                <a:latin typeface="Twentieth Century"/>
+              </a:rPr>
+              <a:t> java class </a:t>
+            </a:r>
+            <a:r>
+              <a:rPr lang="en-US" sz="2400" dirty="0">
+                <a:latin typeface="Twentieth Century"/>
+              </a:rPr>
+              <a:t>and</a:t>
+            </a:r>
+            <a:r>
+              <a:rPr lang="en-US" sz="2400" b="1" dirty="0">
+                <a:latin typeface="Twentieth Century"/>
+              </a:rPr>
+              <a:t> message id.</a:t>
+            </a:r>
+          </a:p>
+          <a:p>
+            <a:pPr marL="342900" indent="-342900">
+              <a:buFont typeface="Arial" panose="020B0604020202020204" pitchFamily="34" charset="0"/>
+              <a:buChar char="•"/>
+            </a:pPr>
+            <a:endParaRPr lang="en-US" sz="2400" b="1" dirty="0">
+              <a:latin typeface="Twentieth Century"/>
+            </a:endParaRPr>
+          </a:p>
+          <a:p>
+            <a:pPr marL="342900" indent="-342900">
+              <a:buFont typeface="Arial" panose="020B0604020202020204" pitchFamily="34" charset="0"/>
+              <a:buChar char="•"/>
+            </a:pPr>
+            <a:r>
+              <a:rPr lang="en-US" sz="2400" dirty="0">
+                <a:latin typeface="Twentieth Century"/>
+              </a:rPr>
+              <a:t>We </a:t>
+            </a:r>
+            <a:r>
+              <a:rPr lang="en-US" sz="2400" b="1" dirty="0">
+                <a:latin typeface="Twentieth Century"/>
+              </a:rPr>
+              <a:t>automatized</a:t>
+            </a:r>
+            <a:r>
+              <a:rPr lang="en-US" sz="2400" dirty="0">
+                <a:latin typeface="Twentieth Century"/>
+              </a:rPr>
+              <a:t> some tasks that was previously manually executed, so for this reason we have </a:t>
+            </a:r>
+            <a:r>
+              <a:rPr lang="en-US" sz="2400" b="1" dirty="0">
+                <a:latin typeface="Twentieth Century"/>
+              </a:rPr>
+              <a:t>replaced</a:t>
+            </a:r>
+            <a:r>
+              <a:rPr lang="en-US" sz="2400" dirty="0">
+                <a:latin typeface="Twentieth Century"/>
+              </a:rPr>
+              <a:t> some </a:t>
+            </a:r>
+            <a:r>
+              <a:rPr lang="en-US" sz="2400" b="1" dirty="0">
+                <a:latin typeface="Twentieth Century"/>
+              </a:rPr>
+              <a:t>user tasks </a:t>
+            </a:r>
+            <a:r>
+              <a:rPr lang="en-US" sz="2400" dirty="0">
+                <a:latin typeface="Twentieth Century"/>
+              </a:rPr>
+              <a:t>with </a:t>
+            </a:r>
+            <a:r>
+              <a:rPr lang="en-US" sz="2400" b="1" dirty="0">
+                <a:latin typeface="Twentieth Century"/>
+              </a:rPr>
+              <a:t>service task</a:t>
+            </a:r>
+            <a:r>
+              <a:rPr lang="en-US" sz="2400" dirty="0">
+                <a:latin typeface="Twentieth Century"/>
+              </a:rPr>
+              <a:t>.</a:t>
             </a:r>
           </a:p>
         </p:txBody>
@@ -19381,7 +19472,7 @@
         </p:blipFill>
         <p:spPr>
           <a:xfrm>
-            <a:off x="9284208" y="2953596"/>
+            <a:off x="9585093" y="2883531"/>
             <a:ext cx="2097024" cy="2097024"/>
           </a:xfrm>
           <a:prstGeom prst="rect">
@@ -19588,7 +19679,7 @@
         <p:spPr>
           <a:xfrm>
             <a:off x="259796" y="2291731"/>
-            <a:ext cx="7530892" cy="3508623"/>
+            <a:ext cx="8710468" cy="4616618"/>
           </a:xfrm>
           <a:prstGeom prst="rect">
             <a:avLst/>
@@ -19609,28 +19700,79 @@
               <a:buChar char="•"/>
             </a:pPr>
             <a:r>
+              <a:rPr lang="en-US" sz="2400" dirty="0">
+                <a:latin typeface="Twentieth Century"/>
+              </a:rPr>
+              <a:t>Each worker is a </a:t>
+            </a:r>
+            <a:r>
               <a:rPr lang="en-US" sz="2400" b="1" dirty="0">
                 <a:latin typeface="Twentieth Century"/>
               </a:rPr>
-              <a:t>Message correlation </a:t>
+              <a:t>maven project</a:t>
             </a:r>
             <a:r>
               <a:rPr lang="en-US" sz="2400" dirty="0">
                 <a:latin typeface="Twentieth Century"/>
               </a:rPr>
-              <a:t>has been implemented using </a:t>
+              <a:t>, and it has been implemented using </a:t>
+            </a:r>
+            <a:r>
+              <a:rPr lang="en-US" sz="2400" i="1" dirty="0" err="1">
+                <a:latin typeface="Twentieth Century"/>
+              </a:rPr>
+              <a:t>camunda</a:t>
+            </a:r>
+            <a:r>
+              <a:rPr lang="en-US" sz="2400" i="1" dirty="0">
+                <a:latin typeface="Twentieth Century"/>
+              </a:rPr>
+              <a:t>-external-task-client</a:t>
+            </a:r>
+            <a:r>
+              <a:rPr lang="en-US" sz="2400" dirty="0">
+                <a:latin typeface="Twentieth Century"/>
+              </a:rPr>
+              <a:t> dependency.</a:t>
+            </a:r>
+          </a:p>
+          <a:p>
+            <a:pPr marL="342900" indent="-342900">
+              <a:buFont typeface="Arial" panose="020B0604020202020204" pitchFamily="34" charset="0"/>
+              <a:buChar char="•"/>
+            </a:pPr>
+            <a:endParaRPr lang="en-US" sz="2400" dirty="0">
+              <a:latin typeface="Twentieth Century"/>
+            </a:endParaRPr>
+          </a:p>
+          <a:p>
+            <a:pPr marL="342900" indent="-342900">
+              <a:buFont typeface="Arial" panose="020B0604020202020204" pitchFamily="34" charset="0"/>
+              <a:buChar char="•"/>
+            </a:pPr>
+            <a:r>
+              <a:rPr lang="en-US" sz="2400" b="1" dirty="0">
+                <a:latin typeface="Twentieth Century"/>
+              </a:rPr>
+              <a:t>Service task </a:t>
+            </a:r>
+            <a:r>
+              <a:rPr lang="en-US" sz="2400" dirty="0">
+                <a:latin typeface="Twentieth Century"/>
+              </a:rPr>
+              <a:t>has been implemented as </a:t>
             </a:r>
             <a:r>
               <a:rPr lang="en-US" sz="2400" b="1" dirty="0">
                 <a:latin typeface="Twentieth Century"/>
               </a:rPr>
-              <a:t>Java class</a:t>
+              <a:t>external task</a:t>
             </a:r>
             <a:r>
               <a:rPr lang="en-US" sz="2400" dirty="0">
                 <a:latin typeface="Twentieth Century"/>
               </a:rPr>
-              <a:t> inside the model.</a:t>
+              <a:t>; we used a mock code to simulate the token flow inside the model.</a:t>
             </a:r>
           </a:p>
           <a:p>
@@ -19651,25 +19793,49 @@
               <a:rPr lang="en-US" sz="2400" dirty="0">
                 <a:latin typeface="Twentieth Century"/>
               </a:rPr>
-              <a:t>Each message correlation has been implemented using a </a:t>
+              <a:t>Each external worker </a:t>
             </a:r>
             <a:r>
               <a:rPr lang="en-US" sz="2400" b="1" dirty="0">
                 <a:latin typeface="Twentieth Century"/>
               </a:rPr>
-              <a:t>different java class </a:t>
+              <a:t>prints a message into the log </a:t>
             </a:r>
             <a:r>
               <a:rPr lang="en-US" sz="2400" dirty="0">
                 <a:latin typeface="Twentieth Century"/>
               </a:rPr>
-              <a:t>and </a:t>
+              <a:t>to verify that </a:t>
             </a:r>
             <a:r>
               <a:rPr lang="en-US" sz="2400" b="1" dirty="0">
                 <a:latin typeface="Twentieth Century"/>
               </a:rPr>
-              <a:t>message id</a:t>
+              <a:t>message correlation </a:t>
+            </a:r>
+            <a:r>
+              <a:rPr lang="en-US" sz="2400" dirty="0">
+                <a:latin typeface="Twentieth Century"/>
+              </a:rPr>
+              <a:t>works properly; each client </a:t>
+            </a:r>
+            <a:r>
+              <a:rPr lang="en-US" sz="2400" b="1" dirty="0">
+                <a:latin typeface="Twentieth Century"/>
+              </a:rPr>
+              <a:t>subscribes</a:t>
+            </a:r>
+            <a:r>
+              <a:rPr lang="en-US" sz="2400" dirty="0">
+                <a:latin typeface="Twentieth Century"/>
+              </a:rPr>
+              <a:t> a specific </a:t>
+            </a:r>
+            <a:r>
+              <a:rPr lang="en-US" sz="2400" b="1" dirty="0">
+                <a:latin typeface="Twentieth Century"/>
+              </a:rPr>
+              <a:t>topic</a:t>
             </a:r>
             <a:r>
               <a:rPr lang="en-US" sz="2400" dirty="0">
@@ -19679,10 +19845,6 @@
             </a:r>
           </a:p>
           <a:p>
-            <a:pPr marL="342900" indent="-342900">
-              <a:buFont typeface="Arial" panose="020B0604020202020204" pitchFamily="34" charset="0"/>
-              <a:buChar char="•"/>
-            </a:pPr>
             <a:endParaRPr lang="en-US" sz="2400" dirty="0">
               <a:latin typeface="Twentieth Century"/>
             </a:endParaRPr>
@@ -19696,55 +19858,31 @@
               <a:rPr lang="en-US" sz="2400" dirty="0">
                 <a:latin typeface="Twentieth Century"/>
               </a:rPr>
-              <a:t>We </a:t>
+              <a:t>In the future it will be possible </a:t>
             </a:r>
             <a:r>
               <a:rPr lang="en-US" sz="2400" b="1" dirty="0">
                 <a:latin typeface="Twentieth Century"/>
               </a:rPr>
-              <a:t>automatized</a:t>
+              <a:t>replace</a:t>
             </a:r>
             <a:r>
               <a:rPr lang="en-US" sz="2400" dirty="0">
                 <a:latin typeface="Twentieth Century"/>
               </a:rPr>
-              <a:t> some tasks that was previously manually executed, so for this reason we have </a:t>
+              <a:t> each implementation with </a:t>
             </a:r>
             <a:r>
               <a:rPr lang="en-US" sz="2400" b="1" dirty="0">
                 <a:latin typeface="Twentieth Century"/>
               </a:rPr>
-              <a:t>replaced</a:t>
+              <a:t>real implementation </a:t>
             </a:r>
             <a:r>
               <a:rPr lang="en-US" sz="2400" dirty="0">
                 <a:latin typeface="Twentieth Century"/>
               </a:rPr>
-              <a:t> some </a:t>
-            </a:r>
-            <a:r>
-              <a:rPr lang="en-US" sz="2400" b="1" dirty="0">
-                <a:latin typeface="Twentieth Century"/>
-              </a:rPr>
-              <a:t>user tasks </a:t>
-            </a:r>
-            <a:r>
-              <a:rPr lang="en-US" sz="2400" dirty="0">
-                <a:latin typeface="Twentieth Century"/>
-              </a:rPr>
-              <a:t>with </a:t>
-            </a:r>
-            <a:r>
-              <a:rPr lang="en-US" sz="2400" b="1" dirty="0">
-                <a:latin typeface="Twentieth Century"/>
-              </a:rPr>
-              <a:t>service task</a:t>
-            </a:r>
-            <a:r>
-              <a:rPr lang="en-US" sz="2400" dirty="0">
-                <a:latin typeface="Twentieth Century"/>
-              </a:rPr>
-              <a:t>.</a:t>
+              <a:t>of the service.</a:t>
             </a:r>
           </a:p>
         </p:txBody>
@@ -19754,7 +19892,7 @@
           <p:cNvPr id="8" name="Immagine 7">
             <a:extLst>
               <a:ext uri="{FF2B5EF4-FFF2-40B4-BE49-F238E27FC236}">
-                <a16:creationId xmlns:a16="http://schemas.microsoft.com/office/drawing/2014/main" id="{19BEED2C-5F22-D4FA-C564-5BA8E56E072E}"/>
+                <a16:creationId xmlns:a16="http://schemas.microsoft.com/office/drawing/2014/main" id="{4235634E-03F1-CCD7-434B-009CF26C6994}"/>
               </a:ext>
             </a:extLst>
           </p:cNvPr>
@@ -19771,7 +19909,7 @@
         </p:blipFill>
         <p:spPr>
           <a:xfrm>
-            <a:off x="9284208" y="2953596"/>
+            <a:off x="9585093" y="2883531"/>
             <a:ext cx="2097024" cy="2097024"/>
           </a:xfrm>
           <a:prstGeom prst="rect">
@@ -19782,7 +19920,7 @@
     </p:spTree>
     <p:extLst>
       <p:ext uri="{BB962C8B-B14F-4D97-AF65-F5344CB8AC3E}">
-        <p14:creationId xmlns:p14="http://schemas.microsoft.com/office/powerpoint/2010/main" val="1068294262"/>
+        <p14:creationId xmlns:p14="http://schemas.microsoft.com/office/powerpoint/2010/main" val="734871636"/>
       </p:ext>
     </p:extLst>
   </p:cSld>
@@ -21392,18 +21530,18 @@
 </file>
 
 <file path=customXml/item1.xml><?xml version="1.0" encoding="utf-8"?>
+<p:properties xmlns:p="http://schemas.microsoft.com/office/2006/metadata/properties" xmlns:xsi="http://www.w3.org/2001/XMLSchema-instance" xmlns:pc="http://schemas.microsoft.com/office/infopath/2007/PartnerControls">
+  <documentManagement/>
+</p:properties>
+</file>
+
+<file path=customXml/item2.xml><?xml version="1.0" encoding="utf-8"?>
 <?mso-contentType ?>
 <FormTemplates xmlns="http://schemas.microsoft.com/sharepoint/v3/contenttype/forms">
   <Display>DocumentLibraryForm</Display>
   <Edit>DocumentLibraryForm</Edit>
   <New>DocumentLibraryForm</New>
 </FormTemplates>
-</file>
-
-<file path=customXml/item2.xml><?xml version="1.0" encoding="utf-8"?>
-<p:properties xmlns:p="http://schemas.microsoft.com/office/2006/metadata/properties" xmlns:xsi="http://www.w3.org/2001/XMLSchema-instance" xmlns:pc="http://schemas.microsoft.com/office/infopath/2007/PartnerControls">
-  <documentManagement/>
-</p:properties>
 </file>
 
 <file path=customXml/item3.xml><?xml version="1.0" encoding="utf-8"?>
@@ -21539,25 +21677,25 @@
 </file>
 
 <file path=customXml/itemProps1.xml><?xml version="1.0" encoding="utf-8"?>
-<ds:datastoreItem xmlns:ds="http://schemas.openxmlformats.org/officeDocument/2006/customXml" ds:itemID="{3705E2BE-8F2A-4080-850F-5EAC442C31F2}">
+<ds:datastoreItem xmlns:ds="http://schemas.openxmlformats.org/officeDocument/2006/customXml" ds:itemID="{C4F30699-1E34-401C-8BAE-933763093A89}">
   <ds:schemaRefs>
-    <ds:schemaRef ds:uri="http://schemas.microsoft.com/sharepoint/v3/contenttype/forms"/>
+    <ds:schemaRef ds:uri="http://purl.org/dc/dcmitype/"/>
+    <ds:schemaRef ds:uri="http://schemas.microsoft.com/office/infopath/2007/PartnerControls"/>
+    <ds:schemaRef ds:uri="be1e2c9f-10b8-4a31-b2ae-e40360c80536"/>
+    <ds:schemaRef ds:uri="http://purl.org/dc/elements/1.1/"/>
+    <ds:schemaRef ds:uri="http://schemas.microsoft.com/office/2006/metadata/properties"/>
+    <ds:schemaRef ds:uri="http://schemas.microsoft.com/office/2006/documentManagement/types"/>
+    <ds:schemaRef ds:uri="http://www.w3.org/XML/1998/namespace"/>
+    <ds:schemaRef ds:uri="http://schemas.openxmlformats.org/package/2006/metadata/core-properties"/>
+    <ds:schemaRef ds:uri="http://purl.org/dc/terms/"/>
   </ds:schemaRefs>
 </ds:datastoreItem>
 </file>
 
 <file path=customXml/itemProps2.xml><?xml version="1.0" encoding="utf-8"?>
-<ds:datastoreItem xmlns:ds="http://schemas.openxmlformats.org/officeDocument/2006/customXml" ds:itemID="{C4F30699-1E34-401C-8BAE-933763093A89}">
+<ds:datastoreItem xmlns:ds="http://schemas.openxmlformats.org/officeDocument/2006/customXml" ds:itemID="{3705E2BE-8F2A-4080-850F-5EAC442C31F2}">
   <ds:schemaRefs>
-    <ds:schemaRef ds:uri="http://purl.org/dc/terms/"/>
-    <ds:schemaRef ds:uri="http://purl.org/dc/elements/1.1/"/>
-    <ds:schemaRef ds:uri="http://schemas.microsoft.com/office/2006/documentManagement/types"/>
-    <ds:schemaRef ds:uri="http://schemas.microsoft.com/office/2006/metadata/properties"/>
-    <ds:schemaRef ds:uri="http://schemas.microsoft.com/office/infopath/2007/PartnerControls"/>
-    <ds:schemaRef ds:uri="http://schemas.openxmlformats.org/package/2006/metadata/core-properties"/>
-    <ds:schemaRef ds:uri="be1e2c9f-10b8-4a31-b2ae-e40360c80536"/>
-    <ds:schemaRef ds:uri="http://www.w3.org/XML/1998/namespace"/>
-    <ds:schemaRef ds:uri="http://purl.org/dc/dcmitype/"/>
+    <ds:schemaRef ds:uri="http://schemas.microsoft.com/sharepoint/v3/contenttype/forms"/>
   </ds:schemaRefs>
 </ds:datastoreItem>
 </file>
